--- a/Lezioni_5_6_7/Lezione_5/Slide.pptx
+++ b/Lezioni_5_6_7/Lezione_5/Slide.pptx
@@ -173,7 +173,7 @@
   </p:defaultTextStyle>
   <p:extLst>
     <p:ext uri="{EFAFB233-063F-42B5-8137-9DF3F51BA10A}">
-      <p15:sldGuideLst xmlns:p15="http://schemas.microsoft.com/office/powerpoint/2012/main" xmlns="">
+      <p15:sldGuideLst xmlns:p15="http://schemas.microsoft.com/office/powerpoint/2012/main">
         <p15:guide id="1" orient="horz" pos="4683" userDrawn="1">
           <p15:clr>
             <a:srgbClr val="A4A3A4"/>
@@ -354,7 +354,7 @@
               <a:pPr>
                 <a:defRPr/>
               </a:pPr>
-              <a:t>‹n.›</a:t>
+              <a:t>‹#›</a:t>
             </a:fld>
             <a:endParaRPr lang="en-US"/>
           </a:p>
@@ -502,7 +502,7 @@
               <a:pPr>
                 <a:defRPr/>
               </a:pPr>
-              <a:t>‹n.›</a:t>
+              <a:t>‹#›</a:t>
             </a:fld>
             <a:endParaRPr lang="en-US"/>
           </a:p>
@@ -668,7 +668,7 @@
               <a:pPr>
                 <a:defRPr/>
               </a:pPr>
-              <a:t>‹n.›</a:t>
+              <a:t>‹#›</a:t>
             </a:fld>
             <a:endParaRPr lang="en-US"/>
           </a:p>
@@ -816,7 +816,7 @@
               <a:pPr>
                 <a:defRPr/>
               </a:pPr>
-              <a:t>‹n.›</a:t>
+              <a:t>‹#›</a:t>
             </a:fld>
             <a:endParaRPr lang="en-US"/>
           </a:p>
@@ -986,7 +986,7 @@
               <a:pPr>
                 <a:defRPr/>
               </a:pPr>
-              <a:t>‹n.›</a:t>
+              <a:t>‹#›</a:t>
             </a:fld>
             <a:endParaRPr lang="en-US"/>
           </a:p>
@@ -1252,7 +1252,7 @@
               <a:pPr>
                 <a:defRPr/>
               </a:pPr>
-              <a:t>‹n.›</a:t>
+              <a:t>‹#›</a:t>
             </a:fld>
             <a:endParaRPr lang="en-US"/>
           </a:p>
@@ -1657,7 +1657,7 @@
               <a:pPr>
                 <a:defRPr/>
               </a:pPr>
-              <a:t>‹n.›</a:t>
+              <a:t>‹#›</a:t>
             </a:fld>
             <a:endParaRPr lang="en-US"/>
           </a:p>
@@ -1753,7 +1753,7 @@
               <a:pPr>
                 <a:defRPr/>
               </a:pPr>
-              <a:t>‹n.›</a:t>
+              <a:t>‹#›</a:t>
             </a:fld>
             <a:endParaRPr lang="en-US"/>
           </a:p>
@@ -1826,7 +1826,7 @@
               <a:pPr>
                 <a:defRPr/>
               </a:pPr>
-              <a:t>‹n.›</a:t>
+              <a:t>‹#›</a:t>
             </a:fld>
             <a:endParaRPr lang="en-US"/>
           </a:p>
@@ -2081,7 +2081,7 @@
               <a:pPr>
                 <a:defRPr/>
               </a:pPr>
-              <a:t>‹n.›</a:t>
+              <a:t>‹#›</a:t>
             </a:fld>
             <a:endParaRPr lang="en-US"/>
           </a:p>
@@ -2315,7 +2315,7 @@
               <a:pPr>
                 <a:defRPr/>
               </a:pPr>
-              <a:t>‹n.›</a:t>
+              <a:t>‹#›</a:t>
             </a:fld>
             <a:endParaRPr lang="en-US"/>
           </a:p>
@@ -2463,7 +2463,7 @@
               <a:pPr>
                 <a:defRPr/>
               </a:pPr>
-              <a:t>‹n.›</a:t>
+              <a:t>‹#›</a:t>
             </a:fld>
             <a:endParaRPr lang="en-US"/>
           </a:p>
@@ -2621,7 +2621,7 @@
               <a:pPr>
                 <a:defRPr/>
               </a:pPr>
-              <a:t>‹n.›</a:t>
+              <a:t>‹#›</a:t>
             </a:fld>
             <a:endParaRPr lang="en-US"/>
           </a:p>
@@ -2779,7 +2779,7 @@
               <a:pPr>
                 <a:defRPr/>
               </a:pPr>
-              <a:t>‹n.›</a:t>
+              <a:t>‹#›</a:t>
             </a:fld>
             <a:endParaRPr lang="en-US"/>
           </a:p>
@@ -2945,7 +2945,7 @@
               <a:pPr>
                 <a:defRPr/>
               </a:pPr>
-              <a:t>‹n.›</a:t>
+              <a:t>‹#›</a:t>
             </a:fld>
             <a:endParaRPr lang="en-US"/>
           </a:p>
@@ -3093,7 +3093,7 @@
               <a:pPr>
                 <a:defRPr/>
               </a:pPr>
-              <a:t>‹n.›</a:t>
+              <a:t>‹#›</a:t>
             </a:fld>
             <a:endParaRPr lang="en-US"/>
           </a:p>
@@ -3263,7 +3263,7 @@
               <a:pPr>
                 <a:defRPr/>
               </a:pPr>
-              <a:t>‹n.›</a:t>
+              <a:t>‹#›</a:t>
             </a:fld>
             <a:endParaRPr lang="en-US"/>
           </a:p>
@@ -3529,7 +3529,7 @@
               <a:pPr>
                 <a:defRPr/>
               </a:pPr>
-              <a:t>‹n.›</a:t>
+              <a:t>‹#›</a:t>
             </a:fld>
             <a:endParaRPr lang="en-US"/>
           </a:p>
@@ -3934,7 +3934,7 @@
               <a:pPr>
                 <a:defRPr/>
               </a:pPr>
-              <a:t>‹n.›</a:t>
+              <a:t>‹#›</a:t>
             </a:fld>
             <a:endParaRPr lang="en-US"/>
           </a:p>
@@ -4030,7 +4030,7 @@
               <a:pPr>
                 <a:defRPr/>
               </a:pPr>
-              <a:t>‹n.›</a:t>
+              <a:t>‹#›</a:t>
             </a:fld>
             <a:endParaRPr lang="en-US"/>
           </a:p>
@@ -4103,7 +4103,7 @@
               <a:pPr>
                 <a:defRPr/>
               </a:pPr>
-              <a:t>‹n.›</a:t>
+              <a:t>‹#›</a:t>
             </a:fld>
             <a:endParaRPr lang="en-US"/>
           </a:p>
@@ -4358,7 +4358,7 @@
               <a:pPr>
                 <a:defRPr/>
               </a:pPr>
-              <a:t>‹n.›</a:t>
+              <a:t>‹#›</a:t>
             </a:fld>
             <a:endParaRPr lang="en-US"/>
           </a:p>
@@ -4592,7 +4592,7 @@
               <a:pPr>
                 <a:defRPr/>
               </a:pPr>
-              <a:t>‹n.›</a:t>
+              <a:t>‹#›</a:t>
             </a:fld>
             <a:endParaRPr lang="en-US"/>
           </a:p>
@@ -4758,7 +4758,7 @@
               <a:pPr>
                 <a:defRPr/>
               </a:pPr>
-              <a:t>‹n.›</a:t>
+              <a:t>‹#›</a:t>
             </a:fld>
             <a:endParaRPr lang="en-US"/>
           </a:p>
@@ -4906,7 +4906,7 @@
               <a:pPr>
                 <a:defRPr/>
               </a:pPr>
-              <a:t>‹n.›</a:t>
+              <a:t>‹#›</a:t>
             </a:fld>
             <a:endParaRPr lang="en-US"/>
           </a:p>
@@ -5064,7 +5064,7 @@
               <a:pPr>
                 <a:defRPr/>
               </a:pPr>
-              <a:t>‹n.›</a:t>
+              <a:t>‹#›</a:t>
             </a:fld>
             <a:endParaRPr lang="en-US"/>
           </a:p>
@@ -5236,7 +5236,7 @@
               <a:pPr>
                 <a:defRPr/>
               </a:pPr>
-              <a:t>‹n.›</a:t>
+              <a:t>‹#›</a:t>
             </a:fld>
             <a:endParaRPr lang="en-US"/>
           </a:p>
@@ -5400,7 +5400,7 @@
               <a:pPr>
                 <a:defRPr/>
               </a:pPr>
-              <a:t>‹n.›</a:t>
+              <a:t>‹#›</a:t>
             </a:fld>
             <a:endParaRPr lang="en-US"/>
           </a:p>
@@ -5576,7 +5576,7 @@
               <a:pPr>
                 <a:defRPr/>
               </a:pPr>
-              <a:t>‹n.›</a:t>
+              <a:t>‹#›</a:t>
             </a:fld>
             <a:endParaRPr lang="en-US"/>
           </a:p>
@@ -5856,7 +5856,7 @@
               <a:pPr>
                 <a:defRPr/>
               </a:pPr>
-              <a:t>‹n.›</a:t>
+              <a:t>‹#›</a:t>
             </a:fld>
             <a:endParaRPr lang="en-US"/>
           </a:p>
@@ -6276,7 +6276,7 @@
               <a:pPr>
                 <a:defRPr/>
               </a:pPr>
-              <a:t>‹n.›</a:t>
+              <a:t>‹#›</a:t>
             </a:fld>
             <a:endParaRPr lang="en-US"/>
           </a:p>
@@ -6380,7 +6380,7 @@
               <a:pPr>
                 <a:defRPr/>
               </a:pPr>
-              <a:t>‹n.›</a:t>
+              <a:t>‹#›</a:t>
             </a:fld>
             <a:endParaRPr lang="en-US"/>
           </a:p>
@@ -6453,7 +6453,7 @@
               <a:pPr>
                 <a:defRPr/>
               </a:pPr>
-              <a:t>‹n.›</a:t>
+              <a:t>‹#›</a:t>
             </a:fld>
             <a:endParaRPr lang="en-US"/>
           </a:p>
@@ -6717,7 +6717,7 @@
               <a:pPr>
                 <a:defRPr/>
               </a:pPr>
-              <a:t>‹n.›</a:t>
+              <a:t>‹#›</a:t>
             </a:fld>
             <a:endParaRPr lang="en-US"/>
           </a:p>
@@ -6865,7 +6865,7 @@
               <a:pPr>
                 <a:defRPr/>
               </a:pPr>
-              <a:t>‹n.›</a:t>
+              <a:t>‹#›</a:t>
             </a:fld>
             <a:endParaRPr lang="en-US"/>
           </a:p>
@@ -7108,7 +7108,7 @@
               <a:pPr>
                 <a:defRPr/>
               </a:pPr>
-              <a:t>‹n.›</a:t>
+              <a:t>‹#›</a:t>
             </a:fld>
             <a:endParaRPr lang="en-US"/>
           </a:p>
@@ -7272,7 +7272,7 @@
               <a:pPr>
                 <a:defRPr/>
               </a:pPr>
-              <a:t>‹n.›</a:t>
+              <a:t>‹#›</a:t>
             </a:fld>
             <a:endParaRPr lang="en-US"/>
           </a:p>
@@ -7436,7 +7436,7 @@
               <a:pPr>
                 <a:defRPr/>
               </a:pPr>
-              <a:t>‹n.›</a:t>
+              <a:t>‹#›</a:t>
             </a:fld>
             <a:endParaRPr lang="en-US"/>
           </a:p>
@@ -7602,7 +7602,7 @@
               <a:pPr>
                 <a:defRPr/>
               </a:pPr>
-              <a:t>‹n.›</a:t>
+              <a:t>‹#›</a:t>
             </a:fld>
             <a:endParaRPr lang="en-US"/>
           </a:p>
@@ -7750,7 +7750,7 @@
               <a:pPr>
                 <a:defRPr/>
               </a:pPr>
-              <a:t>‹n.›</a:t>
+              <a:t>‹#›</a:t>
             </a:fld>
             <a:endParaRPr lang="en-US"/>
           </a:p>
@@ -7920,7 +7920,7 @@
               <a:pPr>
                 <a:defRPr/>
               </a:pPr>
-              <a:t>‹n.›</a:t>
+              <a:t>‹#›</a:t>
             </a:fld>
             <a:endParaRPr lang="en-US"/>
           </a:p>
@@ -8186,7 +8186,7 @@
               <a:pPr>
                 <a:defRPr/>
               </a:pPr>
-              <a:t>‹n.›</a:t>
+              <a:t>‹#›</a:t>
             </a:fld>
             <a:endParaRPr lang="en-US"/>
           </a:p>
@@ -8591,7 +8591,7 @@
               <a:pPr>
                 <a:defRPr/>
               </a:pPr>
-              <a:t>‹n.›</a:t>
+              <a:t>‹#›</a:t>
             </a:fld>
             <a:endParaRPr lang="en-US"/>
           </a:p>
@@ -8687,7 +8687,7 @@
               <a:pPr>
                 <a:defRPr/>
               </a:pPr>
-              <a:t>‹n.›</a:t>
+              <a:t>‹#›</a:t>
             </a:fld>
             <a:endParaRPr lang="en-US"/>
           </a:p>
@@ -8760,7 +8760,7 @@
               <a:pPr>
                 <a:defRPr/>
               </a:pPr>
-              <a:t>‹n.›</a:t>
+              <a:t>‹#›</a:t>
             </a:fld>
             <a:endParaRPr lang="en-US"/>
           </a:p>
@@ -8930,7 +8930,7 @@
               <a:pPr>
                 <a:defRPr/>
               </a:pPr>
-              <a:t>‹n.›</a:t>
+              <a:t>‹#›</a:t>
             </a:fld>
             <a:endParaRPr lang="en-US"/>
           </a:p>
@@ -9185,7 +9185,7 @@
               <a:pPr>
                 <a:defRPr/>
               </a:pPr>
-              <a:t>‹n.›</a:t>
+              <a:t>‹#›</a:t>
             </a:fld>
             <a:endParaRPr lang="en-US"/>
           </a:p>
@@ -9419,7 +9419,7 @@
               <a:pPr>
                 <a:defRPr/>
               </a:pPr>
-              <a:t>‹n.›</a:t>
+              <a:t>‹#›</a:t>
             </a:fld>
             <a:endParaRPr lang="en-US"/>
           </a:p>
@@ -9567,7 +9567,7 @@
               <a:pPr>
                 <a:defRPr/>
               </a:pPr>
-              <a:t>‹n.›</a:t>
+              <a:t>‹#›</a:t>
             </a:fld>
             <a:endParaRPr lang="en-US"/>
           </a:p>
@@ -9725,7 +9725,7 @@
               <a:pPr>
                 <a:defRPr/>
               </a:pPr>
-              <a:t>‹n.›</a:t>
+              <a:t>‹#›</a:t>
             </a:fld>
             <a:endParaRPr lang="en-US"/>
           </a:p>
@@ -9991,7 +9991,7 @@
               <a:pPr>
                 <a:defRPr/>
               </a:pPr>
-              <a:t>‹n.›</a:t>
+              <a:t>‹#›</a:t>
             </a:fld>
             <a:endParaRPr lang="en-US"/>
           </a:p>
@@ -10396,7 +10396,7 @@
               <a:pPr>
                 <a:defRPr/>
               </a:pPr>
-              <a:t>‹n.›</a:t>
+              <a:t>‹#›</a:t>
             </a:fld>
             <a:endParaRPr lang="en-US"/>
           </a:p>
@@ -10492,7 +10492,7 @@
               <a:pPr>
                 <a:defRPr/>
               </a:pPr>
-              <a:t>‹n.›</a:t>
+              <a:t>‹#›</a:t>
             </a:fld>
             <a:endParaRPr lang="en-US"/>
           </a:p>
@@ -10565,7 +10565,7 @@
               <a:pPr>
                 <a:defRPr/>
               </a:pPr>
-              <a:t>‹n.›</a:t>
+              <a:t>‹#›</a:t>
             </a:fld>
             <a:endParaRPr lang="en-US"/>
           </a:p>
@@ -10820,7 +10820,7 @@
               <a:pPr>
                 <a:defRPr/>
               </a:pPr>
-              <a:t>‹n.›</a:t>
+              <a:t>‹#›</a:t>
             </a:fld>
             <a:endParaRPr lang="en-US"/>
           </a:p>
@@ -10968,7 +10968,7 @@
               <a:pPr>
                 <a:defRPr/>
               </a:pPr>
-              <a:t>‹n.›</a:t>
+              <a:t>‹#›</a:t>
             </a:fld>
             <a:endParaRPr lang="en-US"/>
           </a:p>
@@ -11202,7 +11202,7 @@
               <a:pPr>
                 <a:defRPr/>
               </a:pPr>
-              <a:t>‹n.›</a:t>
+              <a:t>‹#›</a:t>
             </a:fld>
             <a:endParaRPr lang="en-US"/>
           </a:p>
@@ -11350,7 +11350,7 @@
               <a:pPr>
                 <a:defRPr/>
               </a:pPr>
-              <a:t>‹n.›</a:t>
+              <a:t>‹#›</a:t>
             </a:fld>
             <a:endParaRPr lang="en-US"/>
           </a:p>
@@ -11508,7 +11508,7 @@
               <a:pPr>
                 <a:defRPr/>
               </a:pPr>
-              <a:t>‹n.›</a:t>
+              <a:t>‹#›</a:t>
             </a:fld>
             <a:endParaRPr lang="en-US"/>
           </a:p>
@@ -11674,7 +11674,7 @@
               <a:pPr>
                 <a:defRPr/>
               </a:pPr>
-              <a:t>‹n.›</a:t>
+              <a:t>‹#›</a:t>
             </a:fld>
             <a:endParaRPr lang="en-US"/>
           </a:p>
@@ -11822,7 +11822,7 @@
               <a:pPr>
                 <a:defRPr/>
               </a:pPr>
-              <a:t>‹n.›</a:t>
+              <a:t>‹#›</a:t>
             </a:fld>
             <a:endParaRPr lang="en-US"/>
           </a:p>
@@ -11992,7 +11992,7 @@
               <a:pPr>
                 <a:defRPr/>
               </a:pPr>
-              <a:t>‹n.›</a:t>
+              <a:t>‹#›</a:t>
             </a:fld>
             <a:endParaRPr lang="en-US"/>
           </a:p>
@@ -12258,7 +12258,7 @@
               <a:pPr>
                 <a:defRPr/>
               </a:pPr>
-              <a:t>‹n.›</a:t>
+              <a:t>‹#›</a:t>
             </a:fld>
             <a:endParaRPr lang="en-US"/>
           </a:p>
@@ -12663,7 +12663,7 @@
               <a:pPr>
                 <a:defRPr/>
               </a:pPr>
-              <a:t>‹n.›</a:t>
+              <a:t>‹#›</a:t>
             </a:fld>
             <a:endParaRPr lang="en-US"/>
           </a:p>
@@ -12759,7 +12759,7 @@
               <a:pPr>
                 <a:defRPr/>
               </a:pPr>
-              <a:t>‹n.›</a:t>
+              <a:t>‹#›</a:t>
             </a:fld>
             <a:endParaRPr lang="en-US"/>
           </a:p>
@@ -12832,7 +12832,7 @@
               <a:pPr>
                 <a:defRPr/>
               </a:pPr>
-              <a:t>‹n.›</a:t>
+              <a:t>‹#›</a:t>
             </a:fld>
             <a:endParaRPr lang="en-US"/>
           </a:p>
@@ -13002,7 +13002,7 @@
               <a:pPr>
                 <a:defRPr/>
               </a:pPr>
-              <a:t>‹n.›</a:t>
+              <a:t>‹#›</a:t>
             </a:fld>
             <a:endParaRPr lang="en-US"/>
           </a:p>
@@ -13257,7 +13257,7 @@
               <a:pPr>
                 <a:defRPr/>
               </a:pPr>
-              <a:t>‹n.›</a:t>
+              <a:t>‹#›</a:t>
             </a:fld>
             <a:endParaRPr lang="en-US"/>
           </a:p>
@@ -13491,7 +13491,7 @@
               <a:pPr>
                 <a:defRPr/>
               </a:pPr>
-              <a:t>‹n.›</a:t>
+              <a:t>‹#›</a:t>
             </a:fld>
             <a:endParaRPr lang="en-US"/>
           </a:p>
@@ -13639,7 +13639,7 @@
               <a:pPr>
                 <a:defRPr/>
               </a:pPr>
-              <a:t>‹n.›</a:t>
+              <a:t>‹#›</a:t>
             </a:fld>
             <a:endParaRPr lang="en-US"/>
           </a:p>
@@ -13797,7 +13797,7 @@
               <a:pPr>
                 <a:defRPr/>
               </a:pPr>
-              <a:t>‹n.›</a:t>
+              <a:t>‹#›</a:t>
             </a:fld>
             <a:endParaRPr lang="en-US"/>
           </a:p>
@@ -13963,7 +13963,7 @@
               <a:pPr>
                 <a:defRPr/>
               </a:pPr>
-              <a:t>‹n.›</a:t>
+              <a:t>‹#›</a:t>
             </a:fld>
             <a:endParaRPr lang="en-US"/>
           </a:p>
@@ -14111,7 +14111,7 @@
               <a:pPr>
                 <a:defRPr/>
               </a:pPr>
-              <a:t>‹n.›</a:t>
+              <a:t>‹#›</a:t>
             </a:fld>
             <a:endParaRPr lang="en-US"/>
           </a:p>
@@ -14281,7 +14281,7 @@
               <a:pPr>
                 <a:defRPr/>
               </a:pPr>
-              <a:t>‹n.›</a:t>
+              <a:t>‹#›</a:t>
             </a:fld>
             <a:endParaRPr lang="en-US"/>
           </a:p>
@@ -14547,7 +14547,7 @@
               <a:pPr>
                 <a:defRPr/>
               </a:pPr>
-              <a:t>‹n.›</a:t>
+              <a:t>‹#›</a:t>
             </a:fld>
             <a:endParaRPr lang="en-US"/>
           </a:p>
@@ -14952,7 +14952,7 @@
               <a:pPr>
                 <a:defRPr/>
               </a:pPr>
-              <a:t>‹n.›</a:t>
+              <a:t>‹#›</a:t>
             </a:fld>
             <a:endParaRPr lang="en-US"/>
           </a:p>
@@ -15048,7 +15048,7 @@
               <a:pPr>
                 <a:defRPr/>
               </a:pPr>
-              <a:t>‹n.›</a:t>
+              <a:t>‹#›</a:t>
             </a:fld>
             <a:endParaRPr lang="en-US"/>
           </a:p>
@@ -15314,7 +15314,7 @@
               <a:pPr>
                 <a:defRPr/>
               </a:pPr>
-              <a:t>‹n.›</a:t>
+              <a:t>‹#›</a:t>
             </a:fld>
             <a:endParaRPr lang="en-US"/>
           </a:p>
@@ -15387,7 +15387,7 @@
               <a:pPr>
                 <a:defRPr/>
               </a:pPr>
-              <a:t>‹n.›</a:t>
+              <a:t>‹#›</a:t>
             </a:fld>
             <a:endParaRPr lang="en-US"/>
           </a:p>
@@ -15642,7 +15642,7 @@
               <a:pPr>
                 <a:defRPr/>
               </a:pPr>
-              <a:t>‹n.›</a:t>
+              <a:t>‹#›</a:t>
             </a:fld>
             <a:endParaRPr lang="en-US"/>
           </a:p>
@@ -15876,7 +15876,7 @@
               <a:pPr>
                 <a:defRPr/>
               </a:pPr>
-              <a:t>‹n.›</a:t>
+              <a:t>‹#›</a:t>
             </a:fld>
             <a:endParaRPr lang="en-US"/>
           </a:p>
@@ -16024,7 +16024,7 @@
               <a:pPr>
                 <a:defRPr/>
               </a:pPr>
-              <a:t>‹n.›</a:t>
+              <a:t>‹#›</a:t>
             </a:fld>
             <a:endParaRPr lang="en-US"/>
           </a:p>
@@ -16182,7 +16182,7 @@
               <a:pPr>
                 <a:defRPr/>
               </a:pPr>
-              <a:t>‹n.›</a:t>
+              <a:t>‹#›</a:t>
             </a:fld>
             <a:endParaRPr lang="en-US"/>
           </a:p>
@@ -16348,7 +16348,7 @@
               <a:pPr>
                 <a:defRPr/>
               </a:pPr>
-              <a:t>‹n.›</a:t>
+              <a:t>‹#›</a:t>
             </a:fld>
             <a:endParaRPr lang="en-US"/>
           </a:p>
@@ -16496,7 +16496,7 @@
               <a:pPr>
                 <a:defRPr/>
               </a:pPr>
-              <a:t>‹n.›</a:t>
+              <a:t>‹#›</a:t>
             </a:fld>
             <a:endParaRPr lang="en-US"/>
           </a:p>
@@ -16666,7 +16666,7 @@
               <a:pPr>
                 <a:defRPr/>
               </a:pPr>
-              <a:t>‹n.›</a:t>
+              <a:t>‹#›</a:t>
             </a:fld>
             <a:endParaRPr lang="en-US"/>
           </a:p>
@@ -16932,7 +16932,7 @@
               <a:pPr>
                 <a:defRPr/>
               </a:pPr>
-              <a:t>‹n.›</a:t>
+              <a:t>‹#›</a:t>
             </a:fld>
             <a:endParaRPr lang="en-US"/>
           </a:p>
@@ -17337,7 +17337,7 @@
               <a:pPr>
                 <a:defRPr/>
               </a:pPr>
-              <a:t>‹n.›</a:t>
+              <a:t>‹#›</a:t>
             </a:fld>
             <a:endParaRPr lang="en-US"/>
           </a:p>
@@ -17742,7 +17742,7 @@
               <a:pPr>
                 <a:defRPr/>
               </a:pPr>
-              <a:t>‹n.›</a:t>
+              <a:t>‹#›</a:t>
             </a:fld>
             <a:endParaRPr lang="en-US"/>
           </a:p>
@@ -17838,7 +17838,7 @@
               <a:pPr>
                 <a:defRPr/>
               </a:pPr>
-              <a:t>‹n.›</a:t>
+              <a:t>‹#›</a:t>
             </a:fld>
             <a:endParaRPr lang="en-US"/>
           </a:p>
@@ -17911,7 +17911,7 @@
               <a:pPr>
                 <a:defRPr/>
               </a:pPr>
-              <a:t>‹n.›</a:t>
+              <a:t>‹#›</a:t>
             </a:fld>
             <a:endParaRPr lang="en-US"/>
           </a:p>
@@ -18166,7 +18166,7 @@
               <a:pPr>
                 <a:defRPr/>
               </a:pPr>
-              <a:t>‹n.›</a:t>
+              <a:t>‹#›</a:t>
             </a:fld>
             <a:endParaRPr lang="en-US"/>
           </a:p>
@@ -18400,7 +18400,7 @@
               <a:pPr>
                 <a:defRPr/>
               </a:pPr>
-              <a:t>‹n.›</a:t>
+              <a:t>‹#›</a:t>
             </a:fld>
             <a:endParaRPr lang="en-US"/>
           </a:p>
@@ -18548,7 +18548,7 @@
               <a:pPr>
                 <a:defRPr/>
               </a:pPr>
-              <a:t>‹n.›</a:t>
+              <a:t>‹#›</a:t>
             </a:fld>
             <a:endParaRPr lang="en-US"/>
           </a:p>
@@ -18706,7 +18706,7 @@
               <a:pPr>
                 <a:defRPr/>
               </a:pPr>
-              <a:t>‹n.›</a:t>
+              <a:t>‹#›</a:t>
             </a:fld>
             <a:endParaRPr lang="en-US"/>
           </a:p>
@@ -18875,7 +18875,7 @@
               <a:pPr>
                 <a:defRPr/>
               </a:pPr>
-              <a:t>‹n.›</a:t>
+              <a:t>‹#›</a:t>
             </a:fld>
             <a:endParaRPr lang="en-US"/>
           </a:p>
@@ -19031,7 +19031,7 @@
               <a:pPr>
                 <a:defRPr/>
               </a:pPr>
-              <a:t>‹n.›</a:t>
+              <a:t>‹#›</a:t>
             </a:fld>
             <a:endParaRPr lang="en-US"/>
           </a:p>
@@ -19204,7 +19204,7 @@
               <a:pPr>
                 <a:defRPr/>
               </a:pPr>
-              <a:t>‹n.›</a:t>
+              <a:t>‹#›</a:t>
             </a:fld>
             <a:endParaRPr lang="en-US"/>
           </a:p>
@@ -19476,7 +19476,7 @@
               <a:pPr>
                 <a:defRPr/>
               </a:pPr>
-              <a:t>‹n.›</a:t>
+              <a:t>‹#›</a:t>
             </a:fld>
             <a:endParaRPr lang="en-US"/>
           </a:p>
@@ -19572,7 +19572,7 @@
               <a:pPr>
                 <a:defRPr/>
               </a:pPr>
-              <a:t>‹n.›</a:t>
+              <a:t>‹#›</a:t>
             </a:fld>
             <a:endParaRPr lang="en-US"/>
           </a:p>
@@ -19989,7 +19989,7 @@
               <a:pPr>
                 <a:defRPr/>
               </a:pPr>
-              <a:t>‹n.›</a:t>
+              <a:t>‹#›</a:t>
             </a:fld>
             <a:endParaRPr lang="en-US"/>
           </a:p>
@@ -20085,7 +20085,7 @@
               <a:pPr>
                 <a:defRPr/>
               </a:pPr>
-              <a:t>‹n.›</a:t>
+              <a:t>‹#›</a:t>
             </a:fld>
             <a:endParaRPr lang="en-US"/>
           </a:p>
@@ -20158,7 +20158,7 @@
               <a:pPr>
                 <a:defRPr/>
               </a:pPr>
-              <a:t>‹n.›</a:t>
+              <a:t>‹#›</a:t>
             </a:fld>
             <a:endParaRPr lang="en-US"/>
           </a:p>
@@ -20419,7 +20419,7 @@
               <a:pPr>
                 <a:defRPr/>
               </a:pPr>
-              <a:t>‹n.›</a:t>
+              <a:t>‹#›</a:t>
             </a:fld>
             <a:endParaRPr lang="en-US"/>
           </a:p>
@@ -20659,7 +20659,7 @@
               <a:pPr>
                 <a:defRPr/>
               </a:pPr>
-              <a:t>‹n.›</a:t>
+              <a:t>‹#›</a:t>
             </a:fld>
             <a:endParaRPr lang="en-US"/>
           </a:p>
@@ -20815,7 +20815,7 @@
               <a:pPr>
                 <a:defRPr/>
               </a:pPr>
-              <a:t>‹n.›</a:t>
+              <a:t>‹#›</a:t>
             </a:fld>
             <a:endParaRPr lang="en-US"/>
           </a:p>
@@ -20976,7 +20976,7 @@
               <a:pPr>
                 <a:defRPr/>
               </a:pPr>
-              <a:t>‹n.›</a:t>
+              <a:t>‹#›</a:t>
             </a:fld>
             <a:endParaRPr lang="en-US"/>
           </a:p>
@@ -21145,7 +21145,7 @@
               <a:pPr>
                 <a:defRPr/>
               </a:pPr>
-              <a:t>‹n.›</a:t>
+              <a:t>‹#›</a:t>
             </a:fld>
             <a:endParaRPr lang="en-US"/>
           </a:p>
@@ -21301,7 +21301,7 @@
               <a:pPr>
                 <a:defRPr/>
               </a:pPr>
-              <a:t>‹n.›</a:t>
+              <a:t>‹#›</a:t>
             </a:fld>
             <a:endParaRPr lang="en-US"/>
           </a:p>
@@ -21474,7 +21474,7 @@
               <a:pPr>
                 <a:defRPr/>
               </a:pPr>
-              <a:t>‹n.›</a:t>
+              <a:t>‹#›</a:t>
             </a:fld>
             <a:endParaRPr lang="en-US"/>
           </a:p>
@@ -21547,7 +21547,7 @@
               <a:pPr>
                 <a:defRPr/>
               </a:pPr>
-              <a:t>‹n.›</a:t>
+              <a:t>‹#›</a:t>
             </a:fld>
             <a:endParaRPr lang="en-US"/>
           </a:p>
@@ -21819,7 +21819,7 @@
               <a:pPr>
                 <a:defRPr/>
               </a:pPr>
-              <a:t>‹n.›</a:t>
+              <a:t>‹#›</a:t>
             </a:fld>
             <a:endParaRPr lang="en-US"/>
           </a:p>
@@ -22236,7 +22236,7 @@
               <a:pPr>
                 <a:defRPr/>
               </a:pPr>
-              <a:t>‹n.›</a:t>
+              <a:t>‹#›</a:t>
             </a:fld>
             <a:endParaRPr lang="en-US"/>
           </a:p>
@@ -22332,7 +22332,7 @@
               <a:pPr>
                 <a:defRPr/>
               </a:pPr>
-              <a:t>‹n.›</a:t>
+              <a:t>‹#›</a:t>
             </a:fld>
             <a:endParaRPr lang="en-US"/>
           </a:p>
@@ -22405,7 +22405,7 @@
               <a:pPr>
                 <a:defRPr/>
               </a:pPr>
-              <a:t>‹n.›</a:t>
+              <a:t>‹#›</a:t>
             </a:fld>
             <a:endParaRPr lang="en-US"/>
           </a:p>
@@ -22666,7 +22666,7 @@
               <a:pPr>
                 <a:defRPr/>
               </a:pPr>
-              <a:t>‹n.›</a:t>
+              <a:t>‹#›</a:t>
             </a:fld>
             <a:endParaRPr lang="en-US"/>
           </a:p>
@@ -22906,7 +22906,7 @@
               <a:pPr>
                 <a:defRPr/>
               </a:pPr>
-              <a:t>‹n.›</a:t>
+              <a:t>‹#›</a:t>
             </a:fld>
             <a:endParaRPr lang="en-US"/>
           </a:p>
@@ -23062,7 +23062,7 @@
               <a:pPr>
                 <a:defRPr/>
               </a:pPr>
-              <a:t>‹n.›</a:t>
+              <a:t>‹#›</a:t>
             </a:fld>
             <a:endParaRPr lang="en-US"/>
           </a:p>
@@ -23223,7 +23223,7 @@
               <a:pPr>
                 <a:defRPr/>
               </a:pPr>
-              <a:t>‹n.›</a:t>
+              <a:t>‹#›</a:t>
             </a:fld>
             <a:endParaRPr lang="en-US"/>
           </a:p>
@@ -23392,7 +23392,7 @@
               <a:pPr>
                 <a:defRPr/>
               </a:pPr>
-              <a:t>‹n.›</a:t>
+              <a:t>‹#›</a:t>
             </a:fld>
             <a:endParaRPr lang="en-US"/>
           </a:p>
@@ -23548,7 +23548,7 @@
               <a:pPr>
                 <a:defRPr/>
               </a:pPr>
-              <a:t>‹n.›</a:t>
+              <a:t>‹#›</a:t>
             </a:fld>
             <a:endParaRPr lang="en-US"/>
           </a:p>
@@ -23803,7 +23803,7 @@
               <a:pPr>
                 <a:defRPr/>
               </a:pPr>
-              <a:t>‹n.›</a:t>
+              <a:t>‹#›</a:t>
             </a:fld>
             <a:endParaRPr lang="en-US"/>
           </a:p>
@@ -23976,7 +23976,7 @@
               <a:pPr>
                 <a:defRPr/>
               </a:pPr>
-              <a:t>‹n.›</a:t>
+              <a:t>‹#›</a:t>
             </a:fld>
             <a:endParaRPr lang="en-US"/>
           </a:p>
@@ -24248,7 +24248,7 @@
               <a:pPr>
                 <a:defRPr/>
               </a:pPr>
-              <a:t>‹n.›</a:t>
+              <a:t>‹#›</a:t>
             </a:fld>
             <a:endParaRPr lang="en-US"/>
           </a:p>
@@ -24665,7 +24665,7 @@
               <a:pPr>
                 <a:defRPr/>
               </a:pPr>
-              <a:t>‹n.›</a:t>
+              <a:t>‹#›</a:t>
             </a:fld>
             <a:endParaRPr lang="en-US"/>
           </a:p>
@@ -24761,7 +24761,7 @@
               <a:pPr>
                 <a:defRPr/>
               </a:pPr>
-              <a:t>‹n.›</a:t>
+              <a:t>‹#›</a:t>
             </a:fld>
             <a:endParaRPr lang="en-US"/>
           </a:p>
@@ -24834,7 +24834,7 @@
               <a:pPr>
                 <a:defRPr/>
               </a:pPr>
-              <a:t>‹n.›</a:t>
+              <a:t>‹#›</a:t>
             </a:fld>
             <a:endParaRPr lang="en-US"/>
           </a:p>
@@ -25095,7 +25095,7 @@
               <a:pPr>
                 <a:defRPr/>
               </a:pPr>
-              <a:t>‹n.›</a:t>
+              <a:t>‹#›</a:t>
             </a:fld>
             <a:endParaRPr lang="en-US"/>
           </a:p>
@@ -25335,7 +25335,7 @@
               <a:pPr>
                 <a:defRPr/>
               </a:pPr>
-              <a:t>‹n.›</a:t>
+              <a:t>‹#›</a:t>
             </a:fld>
             <a:endParaRPr lang="en-US"/>
           </a:p>
@@ -25491,7 +25491,7 @@
               <a:pPr>
                 <a:defRPr/>
               </a:pPr>
-              <a:t>‹n.›</a:t>
+              <a:t>‹#›</a:t>
             </a:fld>
             <a:endParaRPr lang="en-US"/>
           </a:p>
@@ -25652,7 +25652,7 @@
               <a:pPr>
                 <a:defRPr/>
               </a:pPr>
-              <a:t>‹n.›</a:t>
+              <a:t>‹#›</a:t>
             </a:fld>
             <a:endParaRPr lang="en-US"/>
           </a:p>
@@ -25818,7 +25818,7 @@
               <a:pPr>
                 <a:defRPr/>
               </a:pPr>
-              <a:t>‹n.›</a:t>
+              <a:t>‹#›</a:t>
             </a:fld>
             <a:endParaRPr lang="en-US"/>
           </a:p>
@@ -26052,7 +26052,7 @@
               <a:pPr>
                 <a:defRPr/>
               </a:pPr>
-              <a:t>‹n.›</a:t>
+              <a:t>‹#›</a:t>
             </a:fld>
             <a:endParaRPr lang="en-US"/>
           </a:p>
@@ -26200,7 +26200,7 @@
               <a:pPr>
                 <a:defRPr/>
               </a:pPr>
-              <a:t>‹n.›</a:t>
+              <a:t>‹#›</a:t>
             </a:fld>
             <a:endParaRPr lang="en-US"/>
           </a:p>
@@ -26370,7 +26370,7 @@
               <a:pPr>
                 <a:defRPr/>
               </a:pPr>
-              <a:t>‹n.›</a:t>
+              <a:t>‹#›</a:t>
             </a:fld>
             <a:endParaRPr lang="en-US"/>
           </a:p>
@@ -26636,7 +26636,7 @@
               <a:pPr>
                 <a:defRPr/>
               </a:pPr>
-              <a:t>‹n.›</a:t>
+              <a:t>‹#›</a:t>
             </a:fld>
             <a:endParaRPr lang="en-US"/>
           </a:p>
@@ -27041,7 +27041,7 @@
               <a:pPr>
                 <a:defRPr/>
               </a:pPr>
-              <a:t>‹n.›</a:t>
+              <a:t>‹#›</a:t>
             </a:fld>
             <a:endParaRPr lang="en-US"/>
           </a:p>
@@ -27137,7 +27137,7 @@
               <a:pPr>
                 <a:defRPr/>
               </a:pPr>
-              <a:t>‹n.›</a:t>
+              <a:t>‹#›</a:t>
             </a:fld>
             <a:endParaRPr lang="en-US"/>
           </a:p>
@@ -27210,7 +27210,7 @@
               <a:pPr>
                 <a:defRPr/>
               </a:pPr>
-              <a:t>‹n.›</a:t>
+              <a:t>‹#›</a:t>
             </a:fld>
             <a:endParaRPr lang="en-US"/>
           </a:p>
@@ -27465,7 +27465,7 @@
               <a:pPr>
                 <a:defRPr/>
               </a:pPr>
-              <a:t>‹n.›</a:t>
+              <a:t>‹#›</a:t>
             </a:fld>
             <a:endParaRPr lang="en-US"/>
           </a:p>
@@ -27699,7 +27699,7 @@
               <a:pPr>
                 <a:defRPr/>
               </a:pPr>
-              <a:t>‹n.›</a:t>
+              <a:t>‹#›</a:t>
             </a:fld>
             <a:endParaRPr lang="en-US"/>
           </a:p>
@@ -27847,7 +27847,7 @@
               <a:pPr>
                 <a:defRPr/>
               </a:pPr>
-              <a:t>‹n.›</a:t>
+              <a:t>‹#›</a:t>
             </a:fld>
             <a:endParaRPr lang="en-US"/>
           </a:p>
@@ -28005,7 +28005,7 @@
               <a:pPr>
                 <a:defRPr/>
               </a:pPr>
-              <a:t>‹n.›</a:t>
+              <a:t>‹#›</a:t>
             </a:fld>
             <a:endParaRPr lang="en-US"/>
           </a:p>
@@ -28082,14 +28082,14 @@
           <a:effectLst/>
           <a:extLst>
             <a:ext uri="{909E8E84-426E-40dd-AFC4-6F175D3DCCD1}">
-              <a14:hiddenFill xmlns:a14="http://schemas.microsoft.com/office/drawing/2010/main">
+              <a14:hiddenFill xmlns:a14="http://schemas.microsoft.com/office/drawing/2010/main" xmlns="">
                 <a:solidFill>
                   <a:srgbClr val="FFFFFF"/>
                 </a:solidFill>
               </a14:hiddenFill>
             </a:ext>
             <a:ext uri="{91240B29-F687-4f45-9708-019B960494DF}">
-              <a14:hiddenLine xmlns:a14="http://schemas.microsoft.com/office/drawing/2010/main" w="12700">
+              <a14:hiddenLine xmlns:a14="http://schemas.microsoft.com/office/drawing/2010/main" xmlns="" w="12700">
                 <a:solidFill>
                   <a:schemeClr val="tx1"/>
                 </a:solidFill>
@@ -28099,7 +28099,7 @@
               </a14:hiddenLine>
             </a:ext>
             <a:ext uri="{AF507438-7753-43e0-B8FC-AC1667EBCBE1}">
-              <a14:hiddenEffects xmlns:a14="http://schemas.microsoft.com/office/drawing/2010/main">
+              <a14:hiddenEffects xmlns:a14="http://schemas.microsoft.com/office/drawing/2010/main" xmlns="">
                 <a:effectLst>
                   <a:outerShdw dist="35921" dir="2700000" algn="ctr" rotWithShape="0">
                     <a:srgbClr val="808080"/>
@@ -28152,14 +28152,14 @@
           <a:effectLst/>
           <a:extLst>
             <a:ext uri="{909E8E84-426E-40dd-AFC4-6F175D3DCCD1}">
-              <a14:hiddenFill xmlns:a14="http://schemas.microsoft.com/office/drawing/2010/main">
+              <a14:hiddenFill xmlns:a14="http://schemas.microsoft.com/office/drawing/2010/main" xmlns="">
                 <a:solidFill>
                   <a:srgbClr val="FFFFFF"/>
                 </a:solidFill>
               </a14:hiddenFill>
             </a:ext>
             <a:ext uri="{91240B29-F687-4f45-9708-019B960494DF}">
-              <a14:hiddenLine xmlns:a14="http://schemas.microsoft.com/office/drawing/2010/main" w="12700">
+              <a14:hiddenLine xmlns:a14="http://schemas.microsoft.com/office/drawing/2010/main" xmlns="" w="12700">
                 <a:solidFill>
                   <a:schemeClr val="tx1"/>
                 </a:solidFill>
@@ -28169,7 +28169,7 @@
               </a14:hiddenLine>
             </a:ext>
             <a:ext uri="{AF507438-7753-43e0-B8FC-AC1667EBCBE1}">
-              <a14:hiddenEffects xmlns:a14="http://schemas.microsoft.com/office/drawing/2010/main">
+              <a14:hiddenEffects xmlns:a14="http://schemas.microsoft.com/office/drawing/2010/main" xmlns="">
                 <a:effectLst>
                   <a:outerShdw dist="35921" dir="2700000" algn="ctr" rotWithShape="0">
                     <a:srgbClr val="808080"/>
@@ -28258,14 +28258,14 @@
           <a:effectLst/>
           <a:extLst>
             <a:ext uri="{909E8E84-426E-40dd-AFC4-6F175D3DCCD1}">
-              <a14:hiddenFill xmlns:a14="http://schemas.microsoft.com/office/drawing/2010/main">
+              <a14:hiddenFill xmlns:a14="http://schemas.microsoft.com/office/drawing/2010/main" xmlns="">
                 <a:solidFill>
                   <a:srgbClr val="FFFFFF"/>
                 </a:solidFill>
               </a14:hiddenFill>
             </a:ext>
             <a:ext uri="{91240B29-F687-4f45-9708-019B960494DF}">
-              <a14:hiddenLine xmlns:a14="http://schemas.microsoft.com/office/drawing/2010/main" w="12700">
+              <a14:hiddenLine xmlns:a14="http://schemas.microsoft.com/office/drawing/2010/main" xmlns="" w="12700">
                 <a:solidFill>
                   <a:schemeClr val="tx1"/>
                 </a:solidFill>
@@ -28275,7 +28275,7 @@
               </a14:hiddenLine>
             </a:ext>
             <a:ext uri="{AF507438-7753-43e0-B8FC-AC1667EBCBE1}">
-              <a14:hiddenEffects xmlns:a14="http://schemas.microsoft.com/office/drawing/2010/main">
+              <a14:hiddenEffects xmlns:a14="http://schemas.microsoft.com/office/drawing/2010/main" xmlns="">
                 <a:effectLst>
                   <a:outerShdw dist="35921" dir="2700000" algn="ctr" rotWithShape="0">
                     <a:srgbClr val="808080"/>
@@ -28401,7 +28401,7 @@
               <a:pPr>
                 <a:defRPr/>
               </a:pPr>
-              <a:t>‹n.›</a:t>
+              <a:t>‹#›</a:t>
             </a:fld>
             <a:endParaRPr lang="en-US"/>
           </a:p>
@@ -28963,14 +28963,14 @@
             </a:ln>
             <a:extLst>
               <a:ext uri="{909E8E84-426E-40dd-AFC4-6F175D3DCCD1}">
-                <a14:hiddenFill xmlns:a14="http://schemas.microsoft.com/office/drawing/2010/main">
+                <a14:hiddenFill xmlns:a14="http://schemas.microsoft.com/office/drawing/2010/main" xmlns="">
                   <a:solidFill>
                     <a:srgbClr val="FFFFFF"/>
                   </a:solidFill>
                 </a14:hiddenFill>
               </a:ext>
               <a:ext uri="{91240B29-F687-4f45-9708-019B960494DF}">
-                <a14:hiddenLine xmlns:a14="http://schemas.microsoft.com/office/drawing/2010/main" w="12700">
+                <a14:hiddenLine xmlns:a14="http://schemas.microsoft.com/office/drawing/2010/main" xmlns="" w="12700">
                   <a:solidFill>
                     <a:schemeClr val="tx1"/>
                   </a:solidFill>
@@ -29009,7 +29009,7 @@
             </a:ln>
             <a:extLst>
               <a:ext uri="{909E8E84-426E-40dd-AFC4-6F175D3DCCD1}">
-                <a14:hiddenFill xmlns:a14="http://schemas.microsoft.com/office/drawing/2010/main">
+                <a14:hiddenFill xmlns:a14="http://schemas.microsoft.com/office/drawing/2010/main" xmlns="">
                   <a:noFill/>
                 </a14:hiddenFill>
               </a:ext>
@@ -29049,14 +29049,14 @@
           <a:effectLst/>
           <a:extLst>
             <a:ext uri="{909E8E84-426E-40dd-AFC4-6F175D3DCCD1}">
-              <a14:hiddenFill xmlns:a14="http://schemas.microsoft.com/office/drawing/2010/main">
+              <a14:hiddenFill xmlns:a14="http://schemas.microsoft.com/office/drawing/2010/main" xmlns="">
                 <a:solidFill>
                   <a:srgbClr val="FFFFFF"/>
                 </a:solidFill>
               </a14:hiddenFill>
             </a:ext>
             <a:ext uri="{91240B29-F687-4f45-9708-019B960494DF}">
-              <a14:hiddenLine xmlns:a14="http://schemas.microsoft.com/office/drawing/2010/main" w="12700">
+              <a14:hiddenLine xmlns:a14="http://schemas.microsoft.com/office/drawing/2010/main" xmlns="" w="12700">
                 <a:solidFill>
                   <a:schemeClr val="tx1"/>
                 </a:solidFill>
@@ -29066,7 +29066,7 @@
               </a14:hiddenLine>
             </a:ext>
             <a:ext uri="{AF507438-7753-43e0-B8FC-AC1667EBCBE1}">
-              <a14:hiddenEffects xmlns:a14="http://schemas.microsoft.com/office/drawing/2010/main">
+              <a14:hiddenEffects xmlns:a14="http://schemas.microsoft.com/office/drawing/2010/main" xmlns="">
                 <a:effectLst>
                   <a:outerShdw dist="35921" dir="2700000" algn="ctr" rotWithShape="0">
                     <a:srgbClr val="808080"/>
@@ -29119,14 +29119,14 @@
           <a:effectLst/>
           <a:extLst>
             <a:ext uri="{909E8E84-426E-40dd-AFC4-6F175D3DCCD1}">
-              <a14:hiddenFill xmlns:a14="http://schemas.microsoft.com/office/drawing/2010/main">
+              <a14:hiddenFill xmlns:a14="http://schemas.microsoft.com/office/drawing/2010/main" xmlns="">
                 <a:solidFill>
                   <a:srgbClr val="FFFFFF"/>
                 </a:solidFill>
               </a14:hiddenFill>
             </a:ext>
             <a:ext uri="{91240B29-F687-4f45-9708-019B960494DF}">
-              <a14:hiddenLine xmlns:a14="http://schemas.microsoft.com/office/drawing/2010/main" w="12700">
+              <a14:hiddenLine xmlns:a14="http://schemas.microsoft.com/office/drawing/2010/main" xmlns="" w="12700">
                 <a:solidFill>
                   <a:schemeClr val="tx1"/>
                 </a:solidFill>
@@ -29136,7 +29136,7 @@
               </a14:hiddenLine>
             </a:ext>
             <a:ext uri="{AF507438-7753-43e0-B8FC-AC1667EBCBE1}">
-              <a14:hiddenEffects xmlns:a14="http://schemas.microsoft.com/office/drawing/2010/main">
+              <a14:hiddenEffects xmlns:a14="http://schemas.microsoft.com/office/drawing/2010/main" xmlns="">
                 <a:effectLst>
                   <a:outerShdw dist="35921" dir="2700000" algn="ctr" rotWithShape="0">
                     <a:srgbClr val="808080"/>
@@ -29225,14 +29225,14 @@
           <a:effectLst/>
           <a:extLst>
             <a:ext uri="{909E8E84-426E-40dd-AFC4-6F175D3DCCD1}">
-              <a14:hiddenFill xmlns:a14="http://schemas.microsoft.com/office/drawing/2010/main">
+              <a14:hiddenFill xmlns:a14="http://schemas.microsoft.com/office/drawing/2010/main" xmlns="">
                 <a:solidFill>
                   <a:srgbClr val="FFFFFF"/>
                 </a:solidFill>
               </a14:hiddenFill>
             </a:ext>
             <a:ext uri="{91240B29-F687-4f45-9708-019B960494DF}">
-              <a14:hiddenLine xmlns:a14="http://schemas.microsoft.com/office/drawing/2010/main" w="12700">
+              <a14:hiddenLine xmlns:a14="http://schemas.microsoft.com/office/drawing/2010/main" xmlns="" w="12700">
                 <a:solidFill>
                   <a:schemeClr val="tx1"/>
                 </a:solidFill>
@@ -29242,7 +29242,7 @@
               </a14:hiddenLine>
             </a:ext>
             <a:ext uri="{AF507438-7753-43e0-B8FC-AC1667EBCBE1}">
-              <a14:hiddenEffects xmlns:a14="http://schemas.microsoft.com/office/drawing/2010/main">
+              <a14:hiddenEffects xmlns:a14="http://schemas.microsoft.com/office/drawing/2010/main" xmlns="">
                 <a:effectLst>
                   <a:outerShdw dist="35921" dir="2700000" algn="ctr" rotWithShape="0">
                     <a:srgbClr val="808080"/>
@@ -29368,7 +29368,7 @@
               <a:pPr>
                 <a:defRPr/>
               </a:pPr>
-              <a:t>‹n.›</a:t>
+              <a:t>‹#›</a:t>
             </a:fld>
             <a:endParaRPr lang="en-US"/>
           </a:p>
@@ -29398,7 +29398,7 @@
           </a:ln>
           <a:extLst>
             <a:ext uri="{91240B29-F687-4f45-9708-019B960494DF}">
-              <a14:hiddenLine xmlns:a14="http://schemas.microsoft.com/office/drawing/2010/main" w="25400">
+              <a14:hiddenLine xmlns:a14="http://schemas.microsoft.com/office/drawing/2010/main" xmlns="" w="25400">
                 <a:solidFill>
                   <a:schemeClr val="tx1"/>
                 </a:solidFill>
@@ -29452,14 +29452,14 @@
           </a:ln>
           <a:extLst>
             <a:ext uri="{909E8E84-426E-40dd-AFC4-6F175D3DCCD1}">
-              <a14:hiddenFill xmlns:a14="http://schemas.microsoft.com/office/drawing/2010/main">
+              <a14:hiddenFill xmlns:a14="http://schemas.microsoft.com/office/drawing/2010/main" xmlns="">
                 <a:solidFill>
                   <a:srgbClr val="FFFFFF"/>
                 </a:solidFill>
               </a14:hiddenFill>
             </a:ext>
             <a:ext uri="{91240B29-F687-4f45-9708-019B960494DF}">
-              <a14:hiddenLine xmlns:a14="http://schemas.microsoft.com/office/drawing/2010/main" w="12700">
+              <a14:hiddenLine xmlns:a14="http://schemas.microsoft.com/office/drawing/2010/main" xmlns="" w="12700">
                 <a:solidFill>
                   <a:schemeClr val="tx1"/>
                 </a:solidFill>
@@ -30008,7 +30008,7 @@
           </a:ln>
           <a:extLst>
             <a:ext uri="{91240B29-F687-4f45-9708-019B960494DF}">
-              <a14:hiddenLine xmlns:a14="http://schemas.microsoft.com/office/drawing/2010/main" w="25400">
+              <a14:hiddenLine xmlns:a14="http://schemas.microsoft.com/office/drawing/2010/main" xmlns="" w="25400">
                 <a:solidFill>
                   <a:schemeClr val="tx1"/>
                 </a:solidFill>
@@ -30052,14 +30052,14 @@
           <a:effectLst/>
           <a:extLst>
             <a:ext uri="{909E8E84-426E-40dd-AFC4-6F175D3DCCD1}">
-              <a14:hiddenFill xmlns:a14="http://schemas.microsoft.com/office/drawing/2010/main">
+              <a14:hiddenFill xmlns:a14="http://schemas.microsoft.com/office/drawing/2010/main" xmlns="">
                 <a:solidFill>
                   <a:srgbClr val="FFFFFF"/>
                 </a:solidFill>
               </a14:hiddenFill>
             </a:ext>
             <a:ext uri="{91240B29-F687-4f45-9708-019B960494DF}">
-              <a14:hiddenLine xmlns:a14="http://schemas.microsoft.com/office/drawing/2010/main" w="12700">
+              <a14:hiddenLine xmlns:a14="http://schemas.microsoft.com/office/drawing/2010/main" xmlns="" w="12700">
                 <a:solidFill>
                   <a:schemeClr val="tx1"/>
                 </a:solidFill>
@@ -30069,7 +30069,7 @@
               </a14:hiddenLine>
             </a:ext>
             <a:ext uri="{AF507438-7753-43e0-B8FC-AC1667EBCBE1}">
-              <a14:hiddenEffects xmlns:a14="http://schemas.microsoft.com/office/drawing/2010/main">
+              <a14:hiddenEffects xmlns:a14="http://schemas.microsoft.com/office/drawing/2010/main" xmlns="">
                 <a:effectLst>
                   <a:outerShdw dist="35921" dir="2700000" algn="ctr" rotWithShape="0">
                     <a:srgbClr val="808080"/>
@@ -30122,14 +30122,14 @@
           <a:effectLst/>
           <a:extLst>
             <a:ext uri="{909E8E84-426E-40dd-AFC4-6F175D3DCCD1}">
-              <a14:hiddenFill xmlns:a14="http://schemas.microsoft.com/office/drawing/2010/main">
+              <a14:hiddenFill xmlns:a14="http://schemas.microsoft.com/office/drawing/2010/main" xmlns="">
                 <a:solidFill>
                   <a:srgbClr val="FFFFFF"/>
                 </a:solidFill>
               </a14:hiddenFill>
             </a:ext>
             <a:ext uri="{91240B29-F687-4f45-9708-019B960494DF}">
-              <a14:hiddenLine xmlns:a14="http://schemas.microsoft.com/office/drawing/2010/main" w="12700">
+              <a14:hiddenLine xmlns:a14="http://schemas.microsoft.com/office/drawing/2010/main" xmlns="" w="12700">
                 <a:solidFill>
                   <a:schemeClr val="tx1"/>
                 </a:solidFill>
@@ -30139,7 +30139,7 @@
               </a14:hiddenLine>
             </a:ext>
             <a:ext uri="{AF507438-7753-43e0-B8FC-AC1667EBCBE1}">
-              <a14:hiddenEffects xmlns:a14="http://schemas.microsoft.com/office/drawing/2010/main">
+              <a14:hiddenEffects xmlns:a14="http://schemas.microsoft.com/office/drawing/2010/main" xmlns="">
                 <a:effectLst>
                   <a:outerShdw dist="35921" dir="2700000" algn="ctr" rotWithShape="0">
                     <a:srgbClr val="808080"/>
@@ -30238,14 +30238,14 @@
           </a:ln>
           <a:extLst>
             <a:ext uri="{909E8E84-426E-40dd-AFC4-6F175D3DCCD1}">
-              <a14:hiddenFill xmlns:a14="http://schemas.microsoft.com/office/drawing/2010/main">
+              <a14:hiddenFill xmlns:a14="http://schemas.microsoft.com/office/drawing/2010/main" xmlns="">
                 <a:solidFill>
                   <a:srgbClr val="FFFFFF"/>
                 </a:solidFill>
               </a14:hiddenFill>
             </a:ext>
             <a:ext uri="{91240B29-F687-4f45-9708-019B960494DF}">
-              <a14:hiddenLine xmlns:a14="http://schemas.microsoft.com/office/drawing/2010/main" w="12700">
+              <a14:hiddenLine xmlns:a14="http://schemas.microsoft.com/office/drawing/2010/main" xmlns="" w="12700">
                 <a:solidFill>
                   <a:schemeClr val="tx1"/>
                 </a:solidFill>
@@ -30282,14 +30282,14 @@
           <a:effectLst/>
           <a:extLst>
             <a:ext uri="{909E8E84-426E-40dd-AFC4-6F175D3DCCD1}">
-              <a14:hiddenFill xmlns:a14="http://schemas.microsoft.com/office/drawing/2010/main">
+              <a14:hiddenFill xmlns:a14="http://schemas.microsoft.com/office/drawing/2010/main" xmlns="">
                 <a:solidFill>
                   <a:srgbClr val="FFFFFF"/>
                 </a:solidFill>
               </a14:hiddenFill>
             </a:ext>
             <a:ext uri="{91240B29-F687-4f45-9708-019B960494DF}">
-              <a14:hiddenLine xmlns:a14="http://schemas.microsoft.com/office/drawing/2010/main" w="12700">
+              <a14:hiddenLine xmlns:a14="http://schemas.microsoft.com/office/drawing/2010/main" xmlns="" w="12700">
                 <a:solidFill>
                   <a:schemeClr val="tx1"/>
                 </a:solidFill>
@@ -30299,7 +30299,7 @@
               </a14:hiddenLine>
             </a:ext>
             <a:ext uri="{AF507438-7753-43e0-B8FC-AC1667EBCBE1}">
-              <a14:hiddenEffects xmlns:a14="http://schemas.microsoft.com/office/drawing/2010/main">
+              <a14:hiddenEffects xmlns:a14="http://schemas.microsoft.com/office/drawing/2010/main" xmlns="">
                 <a:effectLst>
                   <a:outerShdw dist="35921" dir="2700000" algn="ctr" rotWithShape="0">
                     <a:srgbClr val="808080"/>
@@ -30425,7 +30425,7 @@
               <a:pPr>
                 <a:defRPr/>
               </a:pPr>
-              <a:t>‹n.›</a:t>
+              <a:t>‹#›</a:t>
             </a:fld>
             <a:endParaRPr lang="en-US"/>
           </a:p>
@@ -30466,14 +30466,14 @@
           </a:ln>
           <a:extLst>
             <a:ext uri="{909E8E84-426E-40dd-AFC4-6F175D3DCCD1}">
-              <a14:hiddenFill xmlns:a14="http://schemas.microsoft.com/office/drawing/2010/main">
+              <a14:hiddenFill xmlns:a14="http://schemas.microsoft.com/office/drawing/2010/main" xmlns="">
                 <a:solidFill>
                   <a:srgbClr val="FFFFFF"/>
                 </a:solidFill>
               </a14:hiddenFill>
             </a:ext>
             <a:ext uri="{91240B29-F687-4f45-9708-019B960494DF}">
-              <a14:hiddenLine xmlns:a14="http://schemas.microsoft.com/office/drawing/2010/main" w="12700">
+              <a14:hiddenLine xmlns:a14="http://schemas.microsoft.com/office/drawing/2010/main" xmlns="" w="12700">
                 <a:solidFill>
                   <a:schemeClr val="tx1"/>
                 </a:solidFill>
@@ -31023,7 +31023,7 @@
           </a:ln>
           <a:extLst>
             <a:ext uri="{91240B29-F687-4f45-9708-019B960494DF}">
-              <a14:hiddenLine xmlns:a14="http://schemas.microsoft.com/office/drawing/2010/main" w="25400">
+              <a14:hiddenLine xmlns:a14="http://schemas.microsoft.com/office/drawing/2010/main" xmlns="" w="25400">
                 <a:solidFill>
                   <a:schemeClr val="tx1"/>
                 </a:solidFill>
@@ -31067,14 +31067,14 @@
           <a:effectLst/>
           <a:extLst>
             <a:ext uri="{909E8E84-426E-40dd-AFC4-6F175D3DCCD1}">
-              <a14:hiddenFill xmlns:a14="http://schemas.microsoft.com/office/drawing/2010/main">
+              <a14:hiddenFill xmlns:a14="http://schemas.microsoft.com/office/drawing/2010/main" xmlns="">
                 <a:solidFill>
                   <a:srgbClr val="FFFFFF"/>
                 </a:solidFill>
               </a14:hiddenFill>
             </a:ext>
             <a:ext uri="{91240B29-F687-4f45-9708-019B960494DF}">
-              <a14:hiddenLine xmlns:a14="http://schemas.microsoft.com/office/drawing/2010/main" w="12700">
+              <a14:hiddenLine xmlns:a14="http://schemas.microsoft.com/office/drawing/2010/main" xmlns="" w="12700">
                 <a:solidFill>
                   <a:schemeClr val="tx1"/>
                 </a:solidFill>
@@ -31084,7 +31084,7 @@
               </a14:hiddenLine>
             </a:ext>
             <a:ext uri="{AF507438-7753-43e0-B8FC-AC1667EBCBE1}">
-              <a14:hiddenEffects xmlns:a14="http://schemas.microsoft.com/office/drawing/2010/main">
+              <a14:hiddenEffects xmlns:a14="http://schemas.microsoft.com/office/drawing/2010/main" xmlns="">
                 <a:effectLst>
                   <a:outerShdw dist="35921" dir="2700000" algn="ctr" rotWithShape="0">
                     <a:srgbClr val="808080"/>
@@ -31210,7 +31210,7 @@
               <a:pPr>
                 <a:defRPr/>
               </a:pPr>
-              <a:t>‹n.›</a:t>
+              <a:t>‹#›</a:t>
             </a:fld>
             <a:endParaRPr lang="en-US"/>
           </a:p>
@@ -31267,14 +31267,14 @@
             </a:ln>
             <a:extLst>
               <a:ext uri="{909E8E84-426E-40dd-AFC4-6F175D3DCCD1}">
-                <a14:hiddenFill xmlns:a14="http://schemas.microsoft.com/office/drawing/2010/main">
+                <a14:hiddenFill xmlns:a14="http://schemas.microsoft.com/office/drawing/2010/main" xmlns="">
                   <a:solidFill>
                     <a:srgbClr val="FFFFFF"/>
                   </a:solidFill>
                 </a14:hiddenFill>
               </a:ext>
               <a:ext uri="{91240B29-F687-4f45-9708-019B960494DF}">
-                <a14:hiddenLine xmlns:a14="http://schemas.microsoft.com/office/drawing/2010/main" w="12700">
+                <a14:hiddenLine xmlns:a14="http://schemas.microsoft.com/office/drawing/2010/main" xmlns="" w="12700">
                   <a:solidFill>
                     <a:schemeClr val="tx1"/>
                   </a:solidFill>
@@ -31313,7 +31313,7 @@
             </a:ln>
             <a:extLst>
               <a:ext uri="{909E8E84-426E-40dd-AFC4-6F175D3DCCD1}">
-                <a14:hiddenFill xmlns:a14="http://schemas.microsoft.com/office/drawing/2010/main">
+                <a14:hiddenFill xmlns:a14="http://schemas.microsoft.com/office/drawing/2010/main" xmlns="">
                   <a:noFill/>
                 </a14:hiddenFill>
               </a:ext>
@@ -31866,14 +31866,14 @@
             </a:ln>
             <a:extLst>
               <a:ext uri="{909E8E84-426E-40dd-AFC4-6F175D3DCCD1}">
-                <a14:hiddenFill xmlns:a14="http://schemas.microsoft.com/office/drawing/2010/main">
+                <a14:hiddenFill xmlns:a14="http://schemas.microsoft.com/office/drawing/2010/main" xmlns="">
                   <a:solidFill>
                     <a:srgbClr val="FFFFFF"/>
                   </a:solidFill>
                 </a14:hiddenFill>
               </a:ext>
               <a:ext uri="{91240B29-F687-4f45-9708-019B960494DF}">
-                <a14:hiddenLine xmlns:a14="http://schemas.microsoft.com/office/drawing/2010/main" w="12700">
+                <a14:hiddenLine xmlns:a14="http://schemas.microsoft.com/office/drawing/2010/main" xmlns="" w="12700">
                   <a:solidFill>
                     <a:schemeClr val="tx1"/>
                   </a:solidFill>
@@ -31912,7 +31912,7 @@
             </a:ln>
             <a:extLst>
               <a:ext uri="{909E8E84-426E-40dd-AFC4-6F175D3DCCD1}">
-                <a14:hiddenFill xmlns:a14="http://schemas.microsoft.com/office/drawing/2010/main">
+                <a14:hiddenFill xmlns:a14="http://schemas.microsoft.com/office/drawing/2010/main" xmlns="">
                   <a:noFill/>
                 </a14:hiddenFill>
               </a:ext>
@@ -31952,14 +31952,14 @@
           <a:effectLst/>
           <a:extLst>
             <a:ext uri="{909E8E84-426E-40dd-AFC4-6F175D3DCCD1}">
-              <a14:hiddenFill xmlns:a14="http://schemas.microsoft.com/office/drawing/2010/main">
+              <a14:hiddenFill xmlns:a14="http://schemas.microsoft.com/office/drawing/2010/main" xmlns="">
                 <a:solidFill>
                   <a:srgbClr val="FFFFFF"/>
                 </a:solidFill>
               </a14:hiddenFill>
             </a:ext>
             <a:ext uri="{91240B29-F687-4f45-9708-019B960494DF}">
-              <a14:hiddenLine xmlns:a14="http://schemas.microsoft.com/office/drawing/2010/main" w="12700">
+              <a14:hiddenLine xmlns:a14="http://schemas.microsoft.com/office/drawing/2010/main" xmlns="" w="12700">
                 <a:solidFill>
                   <a:schemeClr val="tx1"/>
                 </a:solidFill>
@@ -31969,7 +31969,7 @@
               </a14:hiddenLine>
             </a:ext>
             <a:ext uri="{AF507438-7753-43e0-B8FC-AC1667EBCBE1}">
-              <a14:hiddenEffects xmlns:a14="http://schemas.microsoft.com/office/drawing/2010/main">
+              <a14:hiddenEffects xmlns:a14="http://schemas.microsoft.com/office/drawing/2010/main" xmlns="">
                 <a:effectLst>
                   <a:outerShdw dist="35921" dir="2700000" algn="ctr" rotWithShape="0">
                     <a:srgbClr val="808080"/>
@@ -32022,14 +32022,14 @@
           <a:effectLst/>
           <a:extLst>
             <a:ext uri="{909E8E84-426E-40dd-AFC4-6F175D3DCCD1}">
-              <a14:hiddenFill xmlns:a14="http://schemas.microsoft.com/office/drawing/2010/main">
+              <a14:hiddenFill xmlns:a14="http://schemas.microsoft.com/office/drawing/2010/main" xmlns="">
                 <a:solidFill>
                   <a:srgbClr val="FFFFFF"/>
                 </a:solidFill>
               </a14:hiddenFill>
             </a:ext>
             <a:ext uri="{91240B29-F687-4f45-9708-019B960494DF}">
-              <a14:hiddenLine xmlns:a14="http://schemas.microsoft.com/office/drawing/2010/main" w="12700">
+              <a14:hiddenLine xmlns:a14="http://schemas.microsoft.com/office/drawing/2010/main" xmlns="" w="12700">
                 <a:solidFill>
                   <a:schemeClr val="tx1"/>
                 </a:solidFill>
@@ -32039,7 +32039,7 @@
               </a14:hiddenLine>
             </a:ext>
             <a:ext uri="{AF507438-7753-43e0-B8FC-AC1667EBCBE1}">
-              <a14:hiddenEffects xmlns:a14="http://schemas.microsoft.com/office/drawing/2010/main">
+              <a14:hiddenEffects xmlns:a14="http://schemas.microsoft.com/office/drawing/2010/main" xmlns="">
                 <a:effectLst>
                   <a:outerShdw dist="35921" dir="2700000" algn="ctr" rotWithShape="0">
                     <a:srgbClr val="808080"/>
@@ -32128,14 +32128,14 @@
           <a:effectLst/>
           <a:extLst>
             <a:ext uri="{909E8E84-426E-40dd-AFC4-6F175D3DCCD1}">
-              <a14:hiddenFill xmlns:a14="http://schemas.microsoft.com/office/drawing/2010/main">
+              <a14:hiddenFill xmlns:a14="http://schemas.microsoft.com/office/drawing/2010/main" xmlns="">
                 <a:solidFill>
                   <a:srgbClr val="FFFFFF"/>
                 </a:solidFill>
               </a14:hiddenFill>
             </a:ext>
             <a:ext uri="{91240B29-F687-4f45-9708-019B960494DF}">
-              <a14:hiddenLine xmlns:a14="http://schemas.microsoft.com/office/drawing/2010/main" w="12700">
+              <a14:hiddenLine xmlns:a14="http://schemas.microsoft.com/office/drawing/2010/main" xmlns="" w="12700">
                 <a:solidFill>
                   <a:schemeClr val="tx1"/>
                 </a:solidFill>
@@ -32145,7 +32145,7 @@
               </a14:hiddenLine>
             </a:ext>
             <a:ext uri="{AF507438-7753-43e0-B8FC-AC1667EBCBE1}">
-              <a14:hiddenEffects xmlns:a14="http://schemas.microsoft.com/office/drawing/2010/main">
+              <a14:hiddenEffects xmlns:a14="http://schemas.microsoft.com/office/drawing/2010/main" xmlns="">
                 <a:effectLst>
                   <a:outerShdw dist="35921" dir="2700000" algn="ctr" rotWithShape="0">
                     <a:srgbClr val="808080"/>
@@ -32271,7 +32271,7 @@
               <a:pPr>
                 <a:defRPr/>
               </a:pPr>
-              <a:t>‹n.›</a:t>
+              <a:t>‹#›</a:t>
             </a:fld>
             <a:endParaRPr lang="en-US"/>
           </a:p>
@@ -32301,7 +32301,7 @@
           </a:ln>
           <a:extLst>
             <a:ext uri="{91240B29-F687-4f45-9708-019B960494DF}">
-              <a14:hiddenLine xmlns:a14="http://schemas.microsoft.com/office/drawing/2010/main" w="25400">
+              <a14:hiddenLine xmlns:a14="http://schemas.microsoft.com/office/drawing/2010/main" xmlns="" w="25400">
                 <a:solidFill>
                   <a:schemeClr val="tx1"/>
                 </a:solidFill>
@@ -32355,14 +32355,14 @@
           </a:ln>
           <a:extLst>
             <a:ext uri="{909E8E84-426E-40dd-AFC4-6F175D3DCCD1}">
-              <a14:hiddenFill xmlns:a14="http://schemas.microsoft.com/office/drawing/2010/main">
+              <a14:hiddenFill xmlns:a14="http://schemas.microsoft.com/office/drawing/2010/main" xmlns="">
                 <a:solidFill>
                   <a:srgbClr val="FFFFFF"/>
                 </a:solidFill>
               </a14:hiddenFill>
             </a:ext>
             <a:ext uri="{91240B29-F687-4f45-9708-019B960494DF}">
-              <a14:hiddenLine xmlns:a14="http://schemas.microsoft.com/office/drawing/2010/main" w="12700">
+              <a14:hiddenLine xmlns:a14="http://schemas.microsoft.com/office/drawing/2010/main" xmlns="" w="12700">
                 <a:solidFill>
                   <a:schemeClr val="tx1"/>
                 </a:solidFill>
@@ -32903,7 +32903,7 @@
           </a:ln>
           <a:extLst>
             <a:ext uri="{91240B29-F687-4f45-9708-019B960494DF}">
-              <a14:hiddenLine xmlns:a14="http://schemas.microsoft.com/office/drawing/2010/main" w="25400">
+              <a14:hiddenLine xmlns:a14="http://schemas.microsoft.com/office/drawing/2010/main" xmlns="" w="25400">
                 <a:solidFill>
                   <a:schemeClr val="tx1"/>
                 </a:solidFill>
@@ -32947,14 +32947,14 @@
           <a:effectLst/>
           <a:extLst>
             <a:ext uri="{909E8E84-426E-40dd-AFC4-6F175D3DCCD1}">
-              <a14:hiddenFill xmlns:a14="http://schemas.microsoft.com/office/drawing/2010/main">
+              <a14:hiddenFill xmlns:a14="http://schemas.microsoft.com/office/drawing/2010/main" xmlns="">
                 <a:solidFill>
                   <a:srgbClr val="FFFFFF"/>
                 </a:solidFill>
               </a14:hiddenFill>
             </a:ext>
             <a:ext uri="{91240B29-F687-4f45-9708-019B960494DF}">
-              <a14:hiddenLine xmlns:a14="http://schemas.microsoft.com/office/drawing/2010/main" w="12700">
+              <a14:hiddenLine xmlns:a14="http://schemas.microsoft.com/office/drawing/2010/main" xmlns="" w="12700">
                 <a:solidFill>
                   <a:schemeClr val="tx1"/>
                 </a:solidFill>
@@ -32964,7 +32964,7 @@
               </a14:hiddenLine>
             </a:ext>
             <a:ext uri="{AF507438-7753-43e0-B8FC-AC1667EBCBE1}">
-              <a14:hiddenEffects xmlns:a14="http://schemas.microsoft.com/office/drawing/2010/main">
+              <a14:hiddenEffects xmlns:a14="http://schemas.microsoft.com/office/drawing/2010/main" xmlns="">
                 <a:effectLst>
                   <a:outerShdw dist="35921" dir="2700000" algn="ctr" rotWithShape="0">
                     <a:srgbClr val="808080"/>
@@ -33017,14 +33017,14 @@
           <a:effectLst/>
           <a:extLst>
             <a:ext uri="{909E8E84-426E-40dd-AFC4-6F175D3DCCD1}">
-              <a14:hiddenFill xmlns:a14="http://schemas.microsoft.com/office/drawing/2010/main">
+              <a14:hiddenFill xmlns:a14="http://schemas.microsoft.com/office/drawing/2010/main" xmlns="">
                 <a:solidFill>
                   <a:srgbClr val="FFFFFF"/>
                 </a:solidFill>
               </a14:hiddenFill>
             </a:ext>
             <a:ext uri="{91240B29-F687-4f45-9708-019B960494DF}">
-              <a14:hiddenLine xmlns:a14="http://schemas.microsoft.com/office/drawing/2010/main" w="12700">
+              <a14:hiddenLine xmlns:a14="http://schemas.microsoft.com/office/drawing/2010/main" xmlns="" w="12700">
                 <a:solidFill>
                   <a:schemeClr val="tx1"/>
                 </a:solidFill>
@@ -33034,7 +33034,7 @@
               </a14:hiddenLine>
             </a:ext>
             <a:ext uri="{AF507438-7753-43e0-B8FC-AC1667EBCBE1}">
-              <a14:hiddenEffects xmlns:a14="http://schemas.microsoft.com/office/drawing/2010/main">
+              <a14:hiddenEffects xmlns:a14="http://schemas.microsoft.com/office/drawing/2010/main" xmlns="">
                 <a:effectLst>
                   <a:outerShdw dist="35921" dir="2700000" algn="ctr" rotWithShape="0">
                     <a:srgbClr val="808080"/>
@@ -33123,14 +33123,14 @@
           <a:effectLst/>
           <a:extLst>
             <a:ext uri="{909E8E84-426E-40dd-AFC4-6F175D3DCCD1}">
-              <a14:hiddenFill xmlns:a14="http://schemas.microsoft.com/office/drawing/2010/main">
+              <a14:hiddenFill xmlns:a14="http://schemas.microsoft.com/office/drawing/2010/main" xmlns="">
                 <a:solidFill>
                   <a:srgbClr val="FFFFFF"/>
                 </a:solidFill>
               </a14:hiddenFill>
             </a:ext>
             <a:ext uri="{91240B29-F687-4f45-9708-019B960494DF}">
-              <a14:hiddenLine xmlns:a14="http://schemas.microsoft.com/office/drawing/2010/main" w="12700">
+              <a14:hiddenLine xmlns:a14="http://schemas.microsoft.com/office/drawing/2010/main" xmlns="" w="12700">
                 <a:solidFill>
                   <a:schemeClr val="tx1"/>
                 </a:solidFill>
@@ -33140,7 +33140,7 @@
               </a14:hiddenLine>
             </a:ext>
             <a:ext uri="{AF507438-7753-43e0-B8FC-AC1667EBCBE1}">
-              <a14:hiddenEffects xmlns:a14="http://schemas.microsoft.com/office/drawing/2010/main">
+              <a14:hiddenEffects xmlns:a14="http://schemas.microsoft.com/office/drawing/2010/main" xmlns="">
                 <a:effectLst>
                   <a:outerShdw dist="35921" dir="2700000" algn="ctr" rotWithShape="0">
                     <a:srgbClr val="808080"/>
@@ -33266,7 +33266,7 @@
               <a:pPr>
                 <a:defRPr/>
               </a:pPr>
-              <a:t>‹n.›</a:t>
+              <a:t>‹#›</a:t>
             </a:fld>
             <a:endParaRPr lang="en-US"/>
           </a:p>
@@ -33323,14 +33323,14 @@
             </a:ln>
             <a:extLst>
               <a:ext uri="{909E8E84-426E-40dd-AFC4-6F175D3DCCD1}">
-                <a14:hiddenFill xmlns:a14="http://schemas.microsoft.com/office/drawing/2010/main">
+                <a14:hiddenFill xmlns:a14="http://schemas.microsoft.com/office/drawing/2010/main" xmlns="">
                   <a:solidFill>
                     <a:srgbClr val="FFFFFF"/>
                   </a:solidFill>
                 </a14:hiddenFill>
               </a:ext>
               <a:ext uri="{91240B29-F687-4f45-9708-019B960494DF}">
-                <a14:hiddenLine xmlns:a14="http://schemas.microsoft.com/office/drawing/2010/main" w="12700">
+                <a14:hiddenLine xmlns:a14="http://schemas.microsoft.com/office/drawing/2010/main" xmlns="" w="12700">
                   <a:solidFill>
                     <a:schemeClr val="tx1"/>
                   </a:solidFill>
@@ -33369,7 +33369,7 @@
             </a:ln>
             <a:extLst>
               <a:ext uri="{909E8E84-426E-40dd-AFC4-6F175D3DCCD1}">
-                <a14:hiddenFill xmlns:a14="http://schemas.microsoft.com/office/drawing/2010/main">
+                <a14:hiddenFill xmlns:a14="http://schemas.microsoft.com/office/drawing/2010/main" xmlns="">
                   <a:noFill/>
                 </a14:hiddenFill>
               </a:ext>
@@ -33419,14 +33419,14 @@
           </a:ln>
           <a:extLst>
             <a:ext uri="{909E8E84-426E-40dd-AFC4-6F175D3DCCD1}">
-              <a14:hiddenFill xmlns:a14="http://schemas.microsoft.com/office/drawing/2010/main">
+              <a14:hiddenFill xmlns:a14="http://schemas.microsoft.com/office/drawing/2010/main" xmlns="">
                 <a:solidFill>
                   <a:srgbClr val="FFFFFF"/>
                 </a:solidFill>
               </a14:hiddenFill>
             </a:ext>
             <a:ext uri="{91240B29-F687-4f45-9708-019B960494DF}">
-              <a14:hiddenLine xmlns:a14="http://schemas.microsoft.com/office/drawing/2010/main" w="12700">
+              <a14:hiddenLine xmlns:a14="http://schemas.microsoft.com/office/drawing/2010/main" xmlns="" w="12700">
                 <a:solidFill>
                   <a:schemeClr val="tx1"/>
                 </a:solidFill>
@@ -33967,7 +33967,7 @@
           </a:ln>
           <a:extLst>
             <a:ext uri="{91240B29-F687-4f45-9708-019B960494DF}">
-              <a14:hiddenLine xmlns:a14="http://schemas.microsoft.com/office/drawing/2010/main" w="25400">
+              <a14:hiddenLine xmlns:a14="http://schemas.microsoft.com/office/drawing/2010/main" xmlns="" w="25400">
                 <a:solidFill>
                   <a:schemeClr val="tx1"/>
                 </a:solidFill>
@@ -34011,14 +34011,14 @@
           <a:effectLst/>
           <a:extLst>
             <a:ext uri="{909E8E84-426E-40dd-AFC4-6F175D3DCCD1}">
-              <a14:hiddenFill xmlns:a14="http://schemas.microsoft.com/office/drawing/2010/main">
+              <a14:hiddenFill xmlns:a14="http://schemas.microsoft.com/office/drawing/2010/main" xmlns="">
                 <a:solidFill>
                   <a:srgbClr val="FFFFFF"/>
                 </a:solidFill>
               </a14:hiddenFill>
             </a:ext>
             <a:ext uri="{91240B29-F687-4f45-9708-019B960494DF}">
-              <a14:hiddenLine xmlns:a14="http://schemas.microsoft.com/office/drawing/2010/main" w="12700">
+              <a14:hiddenLine xmlns:a14="http://schemas.microsoft.com/office/drawing/2010/main" xmlns="" w="12700">
                 <a:solidFill>
                   <a:schemeClr val="tx1"/>
                 </a:solidFill>
@@ -34028,7 +34028,7 @@
               </a14:hiddenLine>
             </a:ext>
             <a:ext uri="{AF507438-7753-43e0-B8FC-AC1667EBCBE1}">
-              <a14:hiddenEffects xmlns:a14="http://schemas.microsoft.com/office/drawing/2010/main">
+              <a14:hiddenEffects xmlns:a14="http://schemas.microsoft.com/office/drawing/2010/main" xmlns="">
                 <a:effectLst>
                   <a:outerShdw dist="35921" dir="2700000" algn="ctr" rotWithShape="0">
                     <a:srgbClr val="808080"/>
@@ -34081,14 +34081,14 @@
           <a:effectLst/>
           <a:extLst>
             <a:ext uri="{909E8E84-426E-40dd-AFC4-6F175D3DCCD1}">
-              <a14:hiddenFill xmlns:a14="http://schemas.microsoft.com/office/drawing/2010/main">
+              <a14:hiddenFill xmlns:a14="http://schemas.microsoft.com/office/drawing/2010/main" xmlns="">
                 <a:solidFill>
                   <a:srgbClr val="FFFFFF"/>
                 </a:solidFill>
               </a14:hiddenFill>
             </a:ext>
             <a:ext uri="{91240B29-F687-4f45-9708-019B960494DF}">
-              <a14:hiddenLine xmlns:a14="http://schemas.microsoft.com/office/drawing/2010/main" w="12700">
+              <a14:hiddenLine xmlns:a14="http://schemas.microsoft.com/office/drawing/2010/main" xmlns="" w="12700">
                 <a:solidFill>
                   <a:schemeClr val="tx1"/>
                 </a:solidFill>
@@ -34098,7 +34098,7 @@
               </a14:hiddenLine>
             </a:ext>
             <a:ext uri="{AF507438-7753-43e0-B8FC-AC1667EBCBE1}">
-              <a14:hiddenEffects xmlns:a14="http://schemas.microsoft.com/office/drawing/2010/main">
+              <a14:hiddenEffects xmlns:a14="http://schemas.microsoft.com/office/drawing/2010/main" xmlns="">
                 <a:effectLst>
                   <a:outerShdw dist="35921" dir="2700000" algn="ctr" rotWithShape="0">
                     <a:srgbClr val="808080"/>
@@ -34224,7 +34224,7 @@
               <a:pPr>
                 <a:defRPr/>
               </a:pPr>
-              <a:t>‹n.›</a:t>
+              <a:t>‹#›</a:t>
             </a:fld>
             <a:endParaRPr lang="en-US"/>
           </a:p>
@@ -34281,14 +34281,14 @@
             </a:ln>
             <a:extLst>
               <a:ext uri="{909E8E84-426E-40dd-AFC4-6F175D3DCCD1}">
-                <a14:hiddenFill xmlns:a14="http://schemas.microsoft.com/office/drawing/2010/main">
+                <a14:hiddenFill xmlns:a14="http://schemas.microsoft.com/office/drawing/2010/main" xmlns="">
                   <a:solidFill>
                     <a:srgbClr val="FFFFFF"/>
                   </a:solidFill>
                 </a14:hiddenFill>
               </a:ext>
               <a:ext uri="{91240B29-F687-4f45-9708-019B960494DF}">
-                <a14:hiddenLine xmlns:a14="http://schemas.microsoft.com/office/drawing/2010/main" w="12700">
+                <a14:hiddenLine xmlns:a14="http://schemas.microsoft.com/office/drawing/2010/main" xmlns="" w="12700">
                   <a:solidFill>
                     <a:schemeClr val="tx1"/>
                   </a:solidFill>
@@ -34327,7 +34327,7 @@
             </a:ln>
             <a:extLst>
               <a:ext uri="{909E8E84-426E-40dd-AFC4-6F175D3DCCD1}">
-                <a14:hiddenFill xmlns:a14="http://schemas.microsoft.com/office/drawing/2010/main">
+                <a14:hiddenFill xmlns:a14="http://schemas.microsoft.com/office/drawing/2010/main" xmlns="">
                   <a:noFill/>
                 </a14:hiddenFill>
               </a:ext>
@@ -34367,14 +34367,14 @@
           <a:effectLst/>
           <a:extLst>
             <a:ext uri="{909E8E84-426E-40dd-AFC4-6F175D3DCCD1}">
-              <a14:hiddenFill xmlns:a14="http://schemas.microsoft.com/office/drawing/2010/main">
+              <a14:hiddenFill xmlns:a14="http://schemas.microsoft.com/office/drawing/2010/main" xmlns="">
                 <a:solidFill>
                   <a:srgbClr val="FFFFFF"/>
                 </a:solidFill>
               </a14:hiddenFill>
             </a:ext>
             <a:ext uri="{91240B29-F687-4f45-9708-019B960494DF}">
-              <a14:hiddenLine xmlns:a14="http://schemas.microsoft.com/office/drawing/2010/main" w="12700">
+              <a14:hiddenLine xmlns:a14="http://schemas.microsoft.com/office/drawing/2010/main" xmlns="" w="12700">
                 <a:solidFill>
                   <a:schemeClr val="tx1"/>
                 </a:solidFill>
@@ -34384,7 +34384,7 @@
               </a14:hiddenLine>
             </a:ext>
             <a:ext uri="{AF507438-7753-43e0-B8FC-AC1667EBCBE1}">
-              <a14:hiddenEffects xmlns:a14="http://schemas.microsoft.com/office/drawing/2010/main">
+              <a14:hiddenEffects xmlns:a14="http://schemas.microsoft.com/office/drawing/2010/main" xmlns="">
                 <a:effectLst>
                   <a:outerShdw dist="35921" dir="2700000" algn="ctr" rotWithShape="0">
                     <a:srgbClr val="808080"/>
@@ -34483,14 +34483,14 @@
           </a:ln>
           <a:extLst>
             <a:ext uri="{909E8E84-426E-40dd-AFC4-6F175D3DCCD1}">
-              <a14:hiddenFill xmlns:a14="http://schemas.microsoft.com/office/drawing/2010/main">
+              <a14:hiddenFill xmlns:a14="http://schemas.microsoft.com/office/drawing/2010/main" xmlns="">
                 <a:solidFill>
                   <a:srgbClr val="FFFFFF"/>
                 </a:solidFill>
               </a14:hiddenFill>
             </a:ext>
             <a:ext uri="{91240B29-F687-4f45-9708-019B960494DF}">
-              <a14:hiddenLine xmlns:a14="http://schemas.microsoft.com/office/drawing/2010/main" w="12700">
+              <a14:hiddenLine xmlns:a14="http://schemas.microsoft.com/office/drawing/2010/main" xmlns="" w="12700">
                 <a:solidFill>
                   <a:schemeClr val="tx1"/>
                 </a:solidFill>
@@ -35013,7 +35013,7 @@
           </a:ln>
           <a:extLst>
             <a:ext uri="{91240B29-F687-4f45-9708-019B960494DF}">
-              <a14:hiddenLine xmlns:a14="http://schemas.microsoft.com/office/drawing/2010/main" w="25400">
+              <a14:hiddenLine xmlns:a14="http://schemas.microsoft.com/office/drawing/2010/main" xmlns="" w="25400">
                 <a:solidFill>
                   <a:schemeClr val="tx1"/>
                 </a:solidFill>
@@ -35067,14 +35067,14 @@
           </a:ln>
           <a:extLst>
             <a:ext uri="{909E8E84-426E-40dd-AFC4-6F175D3DCCD1}">
-              <a14:hiddenFill xmlns:a14="http://schemas.microsoft.com/office/drawing/2010/main">
+              <a14:hiddenFill xmlns:a14="http://schemas.microsoft.com/office/drawing/2010/main" xmlns="">
                 <a:solidFill>
                   <a:srgbClr val="FFFFFF"/>
                 </a:solidFill>
               </a14:hiddenFill>
             </a:ext>
             <a:ext uri="{91240B29-F687-4f45-9708-019B960494DF}">
-              <a14:hiddenLine xmlns:a14="http://schemas.microsoft.com/office/drawing/2010/main" w="12700">
+              <a14:hiddenLine xmlns:a14="http://schemas.microsoft.com/office/drawing/2010/main" xmlns="" w="12700">
                 <a:solidFill>
                   <a:schemeClr val="tx1"/>
                 </a:solidFill>
@@ -35113,7 +35113,7 @@
           </a:ln>
           <a:extLst>
             <a:ext uri="{909E8E84-426E-40dd-AFC4-6F175D3DCCD1}">
-              <a14:hiddenFill xmlns:a14="http://schemas.microsoft.com/office/drawing/2010/main">
+              <a14:hiddenFill xmlns:a14="http://schemas.microsoft.com/office/drawing/2010/main" xmlns="">
                 <a:noFill/>
               </a14:hiddenFill>
             </a:ext>
@@ -35152,14 +35152,14 @@
           <a:effectLst/>
           <a:extLst>
             <a:ext uri="{909E8E84-426E-40dd-AFC4-6F175D3DCCD1}">
-              <a14:hiddenFill xmlns:a14="http://schemas.microsoft.com/office/drawing/2010/main">
+              <a14:hiddenFill xmlns:a14="http://schemas.microsoft.com/office/drawing/2010/main" xmlns="">
                 <a:solidFill>
                   <a:srgbClr val="FFFFFF"/>
                 </a:solidFill>
               </a14:hiddenFill>
             </a:ext>
             <a:ext uri="{91240B29-F687-4f45-9708-019B960494DF}">
-              <a14:hiddenLine xmlns:a14="http://schemas.microsoft.com/office/drawing/2010/main" w="12700">
+              <a14:hiddenLine xmlns:a14="http://schemas.microsoft.com/office/drawing/2010/main" xmlns="" w="12700">
                 <a:solidFill>
                   <a:schemeClr val="tx1"/>
                 </a:solidFill>
@@ -35169,7 +35169,7 @@
               </a14:hiddenLine>
             </a:ext>
             <a:ext uri="{AF507438-7753-43e0-B8FC-AC1667EBCBE1}">
-              <a14:hiddenEffects xmlns:a14="http://schemas.microsoft.com/office/drawing/2010/main">
+              <a14:hiddenEffects xmlns:a14="http://schemas.microsoft.com/office/drawing/2010/main" xmlns="">
                 <a:effectLst>
                   <a:outerShdw dist="35921" dir="2700000" algn="ctr" rotWithShape="0">
                     <a:srgbClr val="808080"/>
@@ -35222,14 +35222,14 @@
           <a:effectLst/>
           <a:extLst>
             <a:ext uri="{909E8E84-426E-40dd-AFC4-6F175D3DCCD1}">
-              <a14:hiddenFill xmlns:a14="http://schemas.microsoft.com/office/drawing/2010/main">
+              <a14:hiddenFill xmlns:a14="http://schemas.microsoft.com/office/drawing/2010/main" xmlns="">
                 <a:solidFill>
                   <a:srgbClr val="FFFFFF"/>
                 </a:solidFill>
               </a14:hiddenFill>
             </a:ext>
             <a:ext uri="{91240B29-F687-4f45-9708-019B960494DF}">
-              <a14:hiddenLine xmlns:a14="http://schemas.microsoft.com/office/drawing/2010/main" w="12700">
+              <a14:hiddenLine xmlns:a14="http://schemas.microsoft.com/office/drawing/2010/main" xmlns="" w="12700">
                 <a:solidFill>
                   <a:schemeClr val="tx1"/>
                 </a:solidFill>
@@ -35239,7 +35239,7 @@
               </a14:hiddenLine>
             </a:ext>
             <a:ext uri="{AF507438-7753-43e0-B8FC-AC1667EBCBE1}">
-              <a14:hiddenEffects xmlns:a14="http://schemas.microsoft.com/office/drawing/2010/main">
+              <a14:hiddenEffects xmlns:a14="http://schemas.microsoft.com/office/drawing/2010/main" xmlns="">
                 <a:effectLst>
                   <a:outerShdw dist="35921" dir="2700000" algn="ctr" rotWithShape="0">
                     <a:srgbClr val="808080"/>
@@ -35328,14 +35328,14 @@
           <a:effectLst/>
           <a:extLst>
             <a:ext uri="{909E8E84-426E-40dd-AFC4-6F175D3DCCD1}">
-              <a14:hiddenFill xmlns:a14="http://schemas.microsoft.com/office/drawing/2010/main">
+              <a14:hiddenFill xmlns:a14="http://schemas.microsoft.com/office/drawing/2010/main" xmlns="">
                 <a:solidFill>
                   <a:srgbClr val="FFFFFF"/>
                 </a:solidFill>
               </a14:hiddenFill>
             </a:ext>
             <a:ext uri="{91240B29-F687-4f45-9708-019B960494DF}">
-              <a14:hiddenLine xmlns:a14="http://schemas.microsoft.com/office/drawing/2010/main" w="12700">
+              <a14:hiddenLine xmlns:a14="http://schemas.microsoft.com/office/drawing/2010/main" xmlns="" w="12700">
                 <a:solidFill>
                   <a:schemeClr val="tx1"/>
                 </a:solidFill>
@@ -35345,7 +35345,7 @@
               </a14:hiddenLine>
             </a:ext>
             <a:ext uri="{AF507438-7753-43e0-B8FC-AC1667EBCBE1}">
-              <a14:hiddenEffects xmlns:a14="http://schemas.microsoft.com/office/drawing/2010/main">
+              <a14:hiddenEffects xmlns:a14="http://schemas.microsoft.com/office/drawing/2010/main" xmlns="">
                 <a:effectLst>
                   <a:outerShdw dist="35921" dir="2700000" algn="ctr" rotWithShape="0">
                     <a:srgbClr val="808080"/>
@@ -35471,7 +35471,7 @@
               <a:pPr>
                 <a:defRPr/>
               </a:pPr>
-              <a:t>‹n.›</a:t>
+              <a:t>‹#›</a:t>
             </a:fld>
             <a:endParaRPr lang="en-US"/>
           </a:p>
@@ -35512,14 +35512,14 @@
           </a:ln>
           <a:extLst>
             <a:ext uri="{909E8E84-426E-40dd-AFC4-6F175D3DCCD1}">
-              <a14:hiddenFill xmlns:a14="http://schemas.microsoft.com/office/drawing/2010/main">
+              <a14:hiddenFill xmlns:a14="http://schemas.microsoft.com/office/drawing/2010/main" xmlns="">
                 <a:solidFill>
                   <a:srgbClr val="FFFFFF"/>
                 </a:solidFill>
               </a14:hiddenFill>
             </a:ext>
             <a:ext uri="{91240B29-F687-4f45-9708-019B960494DF}">
-              <a14:hiddenLine xmlns:a14="http://schemas.microsoft.com/office/drawing/2010/main" w="12700">
+              <a14:hiddenLine xmlns:a14="http://schemas.microsoft.com/office/drawing/2010/main" xmlns="" w="12700">
                 <a:solidFill>
                   <a:schemeClr val="tx1"/>
                 </a:solidFill>
@@ -36042,7 +36042,7 @@
           </a:ln>
           <a:extLst>
             <a:ext uri="{91240B29-F687-4f45-9708-019B960494DF}">
-              <a14:hiddenLine xmlns:a14="http://schemas.microsoft.com/office/drawing/2010/main" w="25400">
+              <a14:hiddenLine xmlns:a14="http://schemas.microsoft.com/office/drawing/2010/main" xmlns="" w="25400">
                 <a:solidFill>
                   <a:schemeClr val="tx1"/>
                 </a:solidFill>
@@ -36086,14 +36086,14 @@
           <a:effectLst/>
           <a:extLst>
             <a:ext uri="{909E8E84-426E-40dd-AFC4-6F175D3DCCD1}">
-              <a14:hiddenFill xmlns:a14="http://schemas.microsoft.com/office/drawing/2010/main">
+              <a14:hiddenFill xmlns:a14="http://schemas.microsoft.com/office/drawing/2010/main" xmlns="">
                 <a:solidFill>
                   <a:srgbClr val="FFFFFF"/>
                 </a:solidFill>
               </a14:hiddenFill>
             </a:ext>
             <a:ext uri="{91240B29-F687-4f45-9708-019B960494DF}">
-              <a14:hiddenLine xmlns:a14="http://schemas.microsoft.com/office/drawing/2010/main" w="12700">
+              <a14:hiddenLine xmlns:a14="http://schemas.microsoft.com/office/drawing/2010/main" xmlns="" w="12700">
                 <a:solidFill>
                   <a:schemeClr val="tx1"/>
                 </a:solidFill>
@@ -36103,7 +36103,7 @@
               </a14:hiddenLine>
             </a:ext>
             <a:ext uri="{AF507438-7753-43e0-B8FC-AC1667EBCBE1}">
-              <a14:hiddenEffects xmlns:a14="http://schemas.microsoft.com/office/drawing/2010/main">
+              <a14:hiddenEffects xmlns:a14="http://schemas.microsoft.com/office/drawing/2010/main" xmlns="">
                 <a:effectLst>
                   <a:outerShdw dist="35921" dir="2700000" algn="ctr" rotWithShape="0">
                     <a:srgbClr val="808080"/>
@@ -36156,14 +36156,14 @@
           <a:effectLst/>
           <a:extLst>
             <a:ext uri="{909E8E84-426E-40dd-AFC4-6F175D3DCCD1}">
-              <a14:hiddenFill xmlns:a14="http://schemas.microsoft.com/office/drawing/2010/main">
+              <a14:hiddenFill xmlns:a14="http://schemas.microsoft.com/office/drawing/2010/main" xmlns="">
                 <a:solidFill>
                   <a:srgbClr val="FFFFFF"/>
                 </a:solidFill>
               </a14:hiddenFill>
             </a:ext>
             <a:ext uri="{91240B29-F687-4f45-9708-019B960494DF}">
-              <a14:hiddenLine xmlns:a14="http://schemas.microsoft.com/office/drawing/2010/main" w="12700">
+              <a14:hiddenLine xmlns:a14="http://schemas.microsoft.com/office/drawing/2010/main" xmlns="" w="12700">
                 <a:solidFill>
                   <a:schemeClr val="tx1"/>
                 </a:solidFill>
@@ -36173,7 +36173,7 @@
               </a14:hiddenLine>
             </a:ext>
             <a:ext uri="{AF507438-7753-43e0-B8FC-AC1667EBCBE1}">
-              <a14:hiddenEffects xmlns:a14="http://schemas.microsoft.com/office/drawing/2010/main">
+              <a14:hiddenEffects xmlns:a14="http://schemas.microsoft.com/office/drawing/2010/main" xmlns="">
                 <a:effectLst>
                   <a:outerShdw dist="35921" dir="2700000" algn="ctr" rotWithShape="0">
                     <a:srgbClr val="808080"/>
@@ -36262,14 +36262,14 @@
           <a:effectLst/>
           <a:extLst>
             <a:ext uri="{909E8E84-426E-40dd-AFC4-6F175D3DCCD1}">
-              <a14:hiddenFill xmlns:a14="http://schemas.microsoft.com/office/drawing/2010/main">
+              <a14:hiddenFill xmlns:a14="http://schemas.microsoft.com/office/drawing/2010/main" xmlns="">
                 <a:solidFill>
                   <a:srgbClr val="FFFFFF"/>
                 </a:solidFill>
               </a14:hiddenFill>
             </a:ext>
             <a:ext uri="{91240B29-F687-4f45-9708-019B960494DF}">
-              <a14:hiddenLine xmlns:a14="http://schemas.microsoft.com/office/drawing/2010/main" w="12700">
+              <a14:hiddenLine xmlns:a14="http://schemas.microsoft.com/office/drawing/2010/main" xmlns="" w="12700">
                 <a:solidFill>
                   <a:schemeClr val="tx1"/>
                 </a:solidFill>
@@ -36279,7 +36279,7 @@
               </a14:hiddenLine>
             </a:ext>
             <a:ext uri="{AF507438-7753-43e0-B8FC-AC1667EBCBE1}">
-              <a14:hiddenEffects xmlns:a14="http://schemas.microsoft.com/office/drawing/2010/main">
+              <a14:hiddenEffects xmlns:a14="http://schemas.microsoft.com/office/drawing/2010/main" xmlns="">
                 <a:effectLst>
                   <a:outerShdw dist="35921" dir="2700000" algn="ctr" rotWithShape="0">
                     <a:srgbClr val="808080"/>
@@ -36405,7 +36405,7 @@
               <a:pPr>
                 <a:defRPr/>
               </a:pPr>
-              <a:t>‹n.›</a:t>
+              <a:t>‹#›</a:t>
             </a:fld>
             <a:endParaRPr lang="en-US"/>
           </a:p>
@@ -36446,14 +36446,14 @@
           </a:ln>
           <a:extLst>
             <a:ext uri="{909E8E84-426E-40dd-AFC4-6F175D3DCCD1}">
-              <a14:hiddenFill xmlns:a14="http://schemas.microsoft.com/office/drawing/2010/main">
+              <a14:hiddenFill xmlns:a14="http://schemas.microsoft.com/office/drawing/2010/main" xmlns="">
                 <a:solidFill>
                   <a:srgbClr val="FFFFFF"/>
                 </a:solidFill>
               </a14:hiddenFill>
             </a:ext>
             <a:ext uri="{91240B29-F687-4f45-9708-019B960494DF}">
-              <a14:hiddenLine xmlns:a14="http://schemas.microsoft.com/office/drawing/2010/main" w="12700">
+              <a14:hiddenLine xmlns:a14="http://schemas.microsoft.com/office/drawing/2010/main" xmlns="" w="12700">
                 <a:solidFill>
                   <a:schemeClr val="tx1"/>
                 </a:solidFill>
@@ -36500,14 +36500,14 @@
           </a:ln>
           <a:extLst>
             <a:ext uri="{909E8E84-426E-40dd-AFC4-6F175D3DCCD1}">
-              <a14:hiddenFill xmlns:a14="http://schemas.microsoft.com/office/drawing/2010/main">
+              <a14:hiddenFill xmlns:a14="http://schemas.microsoft.com/office/drawing/2010/main" xmlns="">
                 <a:solidFill>
                   <a:srgbClr val="FFFFFF"/>
                 </a:solidFill>
               </a14:hiddenFill>
             </a:ext>
             <a:ext uri="{91240B29-F687-4f45-9708-019B960494DF}">
-              <a14:hiddenLine xmlns:a14="http://schemas.microsoft.com/office/drawing/2010/main" w="12700">
+              <a14:hiddenLine xmlns:a14="http://schemas.microsoft.com/office/drawing/2010/main" xmlns="" w="12700">
                 <a:solidFill>
                   <a:schemeClr val="tx1"/>
                 </a:solidFill>
@@ -37048,7 +37048,7 @@
           </a:ln>
           <a:extLst>
             <a:ext uri="{91240B29-F687-4f45-9708-019B960494DF}">
-              <a14:hiddenLine xmlns:a14="http://schemas.microsoft.com/office/drawing/2010/main" w="25400">
+              <a14:hiddenLine xmlns:a14="http://schemas.microsoft.com/office/drawing/2010/main" xmlns="" w="25400">
                 <a:solidFill>
                   <a:schemeClr val="tx1"/>
                 </a:solidFill>
@@ -37092,14 +37092,14 @@
           <a:effectLst/>
           <a:extLst>
             <a:ext uri="{909E8E84-426E-40dd-AFC4-6F175D3DCCD1}">
-              <a14:hiddenFill xmlns:a14="http://schemas.microsoft.com/office/drawing/2010/main">
+              <a14:hiddenFill xmlns:a14="http://schemas.microsoft.com/office/drawing/2010/main" xmlns="">
                 <a:solidFill>
                   <a:srgbClr val="FFFFFF"/>
                 </a:solidFill>
               </a14:hiddenFill>
             </a:ext>
             <a:ext uri="{91240B29-F687-4f45-9708-019B960494DF}">
-              <a14:hiddenLine xmlns:a14="http://schemas.microsoft.com/office/drawing/2010/main" w="12700">
+              <a14:hiddenLine xmlns:a14="http://schemas.microsoft.com/office/drawing/2010/main" xmlns="" w="12700">
                 <a:solidFill>
                   <a:schemeClr val="tx1"/>
                 </a:solidFill>
@@ -37109,7 +37109,7 @@
               </a14:hiddenLine>
             </a:ext>
             <a:ext uri="{AF507438-7753-43e0-B8FC-AC1667EBCBE1}">
-              <a14:hiddenEffects xmlns:a14="http://schemas.microsoft.com/office/drawing/2010/main">
+              <a14:hiddenEffects xmlns:a14="http://schemas.microsoft.com/office/drawing/2010/main" xmlns="">
                 <a:effectLst>
                   <a:outerShdw dist="35921" dir="2700000" algn="ctr" rotWithShape="0">
                     <a:srgbClr val="808080"/>
@@ -37162,14 +37162,14 @@
           <a:effectLst/>
           <a:extLst>
             <a:ext uri="{909E8E84-426E-40dd-AFC4-6F175D3DCCD1}">
-              <a14:hiddenFill xmlns:a14="http://schemas.microsoft.com/office/drawing/2010/main">
+              <a14:hiddenFill xmlns:a14="http://schemas.microsoft.com/office/drawing/2010/main" xmlns="">
                 <a:solidFill>
                   <a:srgbClr val="FFFFFF"/>
                 </a:solidFill>
               </a14:hiddenFill>
             </a:ext>
             <a:ext uri="{91240B29-F687-4f45-9708-019B960494DF}">
-              <a14:hiddenLine xmlns:a14="http://schemas.microsoft.com/office/drawing/2010/main" w="12700">
+              <a14:hiddenLine xmlns:a14="http://schemas.microsoft.com/office/drawing/2010/main" xmlns="" w="12700">
                 <a:solidFill>
                   <a:schemeClr val="tx1"/>
                 </a:solidFill>
@@ -37179,7 +37179,7 @@
               </a14:hiddenLine>
             </a:ext>
             <a:ext uri="{AF507438-7753-43e0-B8FC-AC1667EBCBE1}">
-              <a14:hiddenEffects xmlns:a14="http://schemas.microsoft.com/office/drawing/2010/main">
+              <a14:hiddenEffects xmlns:a14="http://schemas.microsoft.com/office/drawing/2010/main" xmlns="">
                 <a:effectLst>
                   <a:outerShdw dist="35921" dir="2700000" algn="ctr" rotWithShape="0">
                     <a:srgbClr val="808080"/>
@@ -37305,7 +37305,7 @@
               <a:pPr>
                 <a:defRPr/>
               </a:pPr>
-              <a:t>‹n.›</a:t>
+              <a:t>‹#›</a:t>
             </a:fld>
             <a:endParaRPr lang="en-US"/>
           </a:p>
@@ -37346,14 +37346,14 @@
           </a:ln>
           <a:extLst>
             <a:ext uri="{909E8E84-426E-40dd-AFC4-6F175D3DCCD1}">
-              <a14:hiddenFill xmlns:a14="http://schemas.microsoft.com/office/drawing/2010/main">
+              <a14:hiddenFill xmlns:a14="http://schemas.microsoft.com/office/drawing/2010/main" xmlns="">
                 <a:solidFill>
                   <a:srgbClr val="FFFFFF"/>
                 </a:solidFill>
               </a14:hiddenFill>
             </a:ext>
             <a:ext uri="{91240B29-F687-4f45-9708-019B960494DF}">
-              <a14:hiddenLine xmlns:a14="http://schemas.microsoft.com/office/drawing/2010/main" w="12700">
+              <a14:hiddenLine xmlns:a14="http://schemas.microsoft.com/office/drawing/2010/main" xmlns="" w="12700">
                 <a:solidFill>
                   <a:schemeClr val="tx1"/>
                 </a:solidFill>
@@ -37400,14 +37400,14 @@
           </a:ln>
           <a:extLst>
             <a:ext uri="{909E8E84-426E-40dd-AFC4-6F175D3DCCD1}">
-              <a14:hiddenFill xmlns:a14="http://schemas.microsoft.com/office/drawing/2010/main">
+              <a14:hiddenFill xmlns:a14="http://schemas.microsoft.com/office/drawing/2010/main" xmlns="">
                 <a:solidFill>
                   <a:srgbClr val="FFFFFF"/>
                 </a:solidFill>
               </a14:hiddenFill>
             </a:ext>
             <a:ext uri="{91240B29-F687-4f45-9708-019B960494DF}">
-              <a14:hiddenLine xmlns:a14="http://schemas.microsoft.com/office/drawing/2010/main" w="12700">
+              <a14:hiddenLine xmlns:a14="http://schemas.microsoft.com/office/drawing/2010/main" xmlns="" w="12700">
                 <a:solidFill>
                   <a:schemeClr val="tx1"/>
                 </a:solidFill>
@@ -37949,14 +37949,14 @@
           <a:effectLst/>
           <a:extLst>
             <a:ext uri="{909E8E84-426E-40dd-AFC4-6F175D3DCCD1}">
-              <a14:hiddenFill xmlns:a14="http://schemas.microsoft.com/office/drawing/2010/main">
+              <a14:hiddenFill xmlns:a14="http://schemas.microsoft.com/office/drawing/2010/main" xmlns="">
                 <a:solidFill>
                   <a:srgbClr val="FFFFFF"/>
                 </a:solidFill>
               </a14:hiddenFill>
             </a:ext>
             <a:ext uri="{91240B29-F687-4f45-9708-019B960494DF}">
-              <a14:hiddenLine xmlns:a14="http://schemas.microsoft.com/office/drawing/2010/main" w="12700">
+              <a14:hiddenLine xmlns:a14="http://schemas.microsoft.com/office/drawing/2010/main" xmlns="" w="12700">
                 <a:solidFill>
                   <a:schemeClr val="tx1"/>
                 </a:solidFill>
@@ -37966,7 +37966,7 @@
               </a14:hiddenLine>
             </a:ext>
             <a:ext uri="{AF507438-7753-43e0-B8FC-AC1667EBCBE1}">
-              <a14:hiddenEffects xmlns:a14="http://schemas.microsoft.com/office/drawing/2010/main">
+              <a14:hiddenEffects xmlns:a14="http://schemas.microsoft.com/office/drawing/2010/main" xmlns="">
                 <a:effectLst>
                   <a:outerShdw dist="35921" dir="2700000" algn="ctr" rotWithShape="0">
                     <a:srgbClr val="808080"/>
@@ -38019,14 +38019,14 @@
           <a:effectLst/>
           <a:extLst>
             <a:ext uri="{909E8E84-426E-40dd-AFC4-6F175D3DCCD1}">
-              <a14:hiddenFill xmlns:a14="http://schemas.microsoft.com/office/drawing/2010/main">
+              <a14:hiddenFill xmlns:a14="http://schemas.microsoft.com/office/drawing/2010/main" xmlns="">
                 <a:solidFill>
                   <a:srgbClr val="FFFFFF"/>
                 </a:solidFill>
               </a14:hiddenFill>
             </a:ext>
             <a:ext uri="{91240B29-F687-4f45-9708-019B960494DF}">
-              <a14:hiddenLine xmlns:a14="http://schemas.microsoft.com/office/drawing/2010/main" w="12700">
+              <a14:hiddenLine xmlns:a14="http://schemas.microsoft.com/office/drawing/2010/main" xmlns="" w="12700">
                 <a:solidFill>
                   <a:schemeClr val="tx1"/>
                 </a:solidFill>
@@ -38036,7 +38036,7 @@
               </a14:hiddenLine>
             </a:ext>
             <a:ext uri="{AF507438-7753-43e0-B8FC-AC1667EBCBE1}">
-              <a14:hiddenEffects xmlns:a14="http://schemas.microsoft.com/office/drawing/2010/main">
+              <a14:hiddenEffects xmlns:a14="http://schemas.microsoft.com/office/drawing/2010/main" xmlns="">
                 <a:effectLst>
                   <a:outerShdw dist="35921" dir="2700000" algn="ctr" rotWithShape="0">
                     <a:srgbClr val="808080"/>
@@ -38162,7 +38162,7 @@
               <a:pPr>
                 <a:defRPr/>
               </a:pPr>
-              <a:t>‹n.›</a:t>
+              <a:t>‹#›</a:t>
             </a:fld>
             <a:endParaRPr lang="en-US"/>
           </a:p>
@@ -38203,14 +38203,14 @@
           </a:ln>
           <a:extLst>
             <a:ext uri="{909E8E84-426E-40dd-AFC4-6F175D3DCCD1}">
-              <a14:hiddenFill xmlns:a14="http://schemas.microsoft.com/office/drawing/2010/main">
+              <a14:hiddenFill xmlns:a14="http://schemas.microsoft.com/office/drawing/2010/main" xmlns="">
                 <a:solidFill>
                   <a:srgbClr val="FFFFFF"/>
                 </a:solidFill>
               </a14:hiddenFill>
             </a:ext>
             <a:ext uri="{91240B29-F687-4f45-9708-019B960494DF}">
-              <a14:hiddenLine xmlns:a14="http://schemas.microsoft.com/office/drawing/2010/main" w="12700">
+              <a14:hiddenLine xmlns:a14="http://schemas.microsoft.com/office/drawing/2010/main" xmlns="" w="12700">
                 <a:solidFill>
                   <a:schemeClr val="tx1"/>
                 </a:solidFill>
@@ -38795,7 +38795,7 @@
           </a:ln>
           <a:extLst>
             <a:ext uri="{91240B29-F687-4f45-9708-019B960494DF}">
-              <a14:hiddenLine xmlns:a14="http://schemas.microsoft.com/office/drawing/2010/main" w="25400">
+              <a14:hiddenLine xmlns:a14="http://schemas.microsoft.com/office/drawing/2010/main" xmlns="" w="25400">
                 <a:solidFill>
                   <a:schemeClr val="tx1"/>
                 </a:solidFill>
@@ -38839,14 +38839,14 @@
           <a:effectLst/>
           <a:extLst>
             <a:ext uri="{909E8E84-426E-40dd-AFC4-6F175D3DCCD1}">
-              <a14:hiddenFill xmlns:a14="http://schemas.microsoft.com/office/drawing/2010/main">
+              <a14:hiddenFill xmlns:a14="http://schemas.microsoft.com/office/drawing/2010/main" xmlns="">
                 <a:solidFill>
                   <a:srgbClr val="FFFFFF"/>
                 </a:solidFill>
               </a14:hiddenFill>
             </a:ext>
             <a:ext uri="{91240B29-F687-4f45-9708-019B960494DF}">
-              <a14:hiddenLine xmlns:a14="http://schemas.microsoft.com/office/drawing/2010/main" w="12700">
+              <a14:hiddenLine xmlns:a14="http://schemas.microsoft.com/office/drawing/2010/main" xmlns="" w="12700">
                 <a:solidFill>
                   <a:schemeClr val="tx1"/>
                 </a:solidFill>
@@ -38856,7 +38856,7 @@
               </a14:hiddenLine>
             </a:ext>
             <a:ext uri="{AF507438-7753-43e0-B8FC-AC1667EBCBE1}">
-              <a14:hiddenEffects xmlns:a14="http://schemas.microsoft.com/office/drawing/2010/main">
+              <a14:hiddenEffects xmlns:a14="http://schemas.microsoft.com/office/drawing/2010/main" xmlns="">
                 <a:effectLst>
                   <a:outerShdw dist="35921" dir="2700000" algn="ctr" rotWithShape="0">
                     <a:srgbClr val="808080"/>
@@ -38909,14 +38909,14 @@
           <a:effectLst/>
           <a:extLst>
             <a:ext uri="{909E8E84-426E-40dd-AFC4-6F175D3DCCD1}">
-              <a14:hiddenFill xmlns:a14="http://schemas.microsoft.com/office/drawing/2010/main">
+              <a14:hiddenFill xmlns:a14="http://schemas.microsoft.com/office/drawing/2010/main" xmlns="">
                 <a:solidFill>
                   <a:srgbClr val="FFFFFF"/>
                 </a:solidFill>
               </a14:hiddenFill>
             </a:ext>
             <a:ext uri="{91240B29-F687-4f45-9708-019B960494DF}">
-              <a14:hiddenLine xmlns:a14="http://schemas.microsoft.com/office/drawing/2010/main" w="12700">
+              <a14:hiddenLine xmlns:a14="http://schemas.microsoft.com/office/drawing/2010/main" xmlns="" w="12700">
                 <a:solidFill>
                   <a:schemeClr val="tx1"/>
                 </a:solidFill>
@@ -38926,7 +38926,7 @@
               </a14:hiddenLine>
             </a:ext>
             <a:ext uri="{AF507438-7753-43e0-B8FC-AC1667EBCBE1}">
-              <a14:hiddenEffects xmlns:a14="http://schemas.microsoft.com/office/drawing/2010/main">
+              <a14:hiddenEffects xmlns:a14="http://schemas.microsoft.com/office/drawing/2010/main" xmlns="">
                 <a:effectLst>
                   <a:outerShdw dist="35921" dir="2700000" algn="ctr" rotWithShape="0">
                     <a:srgbClr val="808080"/>
@@ -39052,7 +39052,7 @@
               <a:pPr>
                 <a:defRPr/>
               </a:pPr>
-              <a:t>‹n.›</a:t>
+              <a:t>‹#›</a:t>
             </a:fld>
             <a:endParaRPr lang="en-US"/>
           </a:p>
@@ -39093,14 +39093,14 @@
           </a:ln>
           <a:extLst>
             <a:ext uri="{909E8E84-426E-40dd-AFC4-6F175D3DCCD1}">
-              <a14:hiddenFill xmlns:a14="http://schemas.microsoft.com/office/drawing/2010/main">
+              <a14:hiddenFill xmlns:a14="http://schemas.microsoft.com/office/drawing/2010/main" xmlns="">
                 <a:solidFill>
                   <a:srgbClr val="FFFFFF"/>
                 </a:solidFill>
               </a14:hiddenFill>
             </a:ext>
             <a:ext uri="{91240B29-F687-4f45-9708-019B960494DF}">
-              <a14:hiddenLine xmlns:a14="http://schemas.microsoft.com/office/drawing/2010/main" w="12700">
+              <a14:hiddenLine xmlns:a14="http://schemas.microsoft.com/office/drawing/2010/main" xmlns="" w="12700">
                 <a:solidFill>
                   <a:schemeClr val="tx1"/>
                 </a:solidFill>
@@ -39139,7 +39139,7 @@
           </a:ln>
           <a:extLst>
             <a:ext uri="{909E8E84-426E-40dd-AFC4-6F175D3DCCD1}">
-              <a14:hiddenFill xmlns:a14="http://schemas.microsoft.com/office/drawing/2010/main">
+              <a14:hiddenFill xmlns:a14="http://schemas.microsoft.com/office/drawing/2010/main" xmlns="">
                 <a:noFill/>
               </a14:hiddenFill>
             </a:ext>
@@ -39188,14 +39188,14 @@
           </a:ln>
           <a:extLst>
             <a:ext uri="{909E8E84-426E-40dd-AFC4-6F175D3DCCD1}">
-              <a14:hiddenFill xmlns:a14="http://schemas.microsoft.com/office/drawing/2010/main">
+              <a14:hiddenFill xmlns:a14="http://schemas.microsoft.com/office/drawing/2010/main" xmlns="">
                 <a:solidFill>
                   <a:srgbClr val="FFFFFF"/>
                 </a:solidFill>
               </a14:hiddenFill>
             </a:ext>
             <a:ext uri="{91240B29-F687-4f45-9708-019B960494DF}">
-              <a14:hiddenLine xmlns:a14="http://schemas.microsoft.com/office/drawing/2010/main" w="12700">
+              <a14:hiddenLine xmlns:a14="http://schemas.microsoft.com/office/drawing/2010/main" xmlns="" w="12700">
                 <a:solidFill>
                   <a:schemeClr val="tx1"/>
                 </a:solidFill>
@@ -39718,7 +39718,7 @@
           </a:ln>
           <a:extLst>
             <a:ext uri="{91240B29-F687-4f45-9708-019B960494DF}">
-              <a14:hiddenLine xmlns:a14="http://schemas.microsoft.com/office/drawing/2010/main" w="25400">
+              <a14:hiddenLine xmlns:a14="http://schemas.microsoft.com/office/drawing/2010/main" xmlns="" w="25400">
                 <a:solidFill>
                   <a:schemeClr val="tx1"/>
                 </a:solidFill>
@@ -39788,14 +39788,14 @@
             </a:ln>
             <a:extLst>
               <a:ext uri="{909E8E84-426E-40dd-AFC4-6F175D3DCCD1}">
-                <a14:hiddenFill xmlns:a14="http://schemas.microsoft.com/office/drawing/2010/main">
+                <a14:hiddenFill xmlns:a14="http://schemas.microsoft.com/office/drawing/2010/main" xmlns="">
                   <a:solidFill>
                     <a:srgbClr val="FFFFFF"/>
                   </a:solidFill>
                 </a14:hiddenFill>
               </a:ext>
               <a:ext uri="{91240B29-F687-4f45-9708-019B960494DF}">
-                <a14:hiddenLine xmlns:a14="http://schemas.microsoft.com/office/drawing/2010/main" w="12700">
+                <a14:hiddenLine xmlns:a14="http://schemas.microsoft.com/office/drawing/2010/main" xmlns="" w="12700">
                   <a:solidFill>
                     <a:schemeClr val="tx1"/>
                   </a:solidFill>
@@ -39834,7 +39834,7 @@
             </a:ln>
             <a:extLst>
               <a:ext uri="{909E8E84-426E-40dd-AFC4-6F175D3DCCD1}">
-                <a14:hiddenFill xmlns:a14="http://schemas.microsoft.com/office/drawing/2010/main">
+                <a14:hiddenFill xmlns:a14="http://schemas.microsoft.com/office/drawing/2010/main" xmlns="">
                   <a:noFill/>
                 </a14:hiddenFill>
               </a:ext>
@@ -39874,14 +39874,14 @@
           <a:effectLst/>
           <a:extLst>
             <a:ext uri="{909E8E84-426E-40dd-AFC4-6F175D3DCCD1}">
-              <a14:hiddenFill xmlns:a14="http://schemas.microsoft.com/office/drawing/2010/main">
+              <a14:hiddenFill xmlns:a14="http://schemas.microsoft.com/office/drawing/2010/main" xmlns="">
                 <a:solidFill>
                   <a:srgbClr val="FFFFFF"/>
                 </a:solidFill>
               </a14:hiddenFill>
             </a:ext>
             <a:ext uri="{91240B29-F687-4f45-9708-019B960494DF}">
-              <a14:hiddenLine xmlns:a14="http://schemas.microsoft.com/office/drawing/2010/main" w="12700">
+              <a14:hiddenLine xmlns:a14="http://schemas.microsoft.com/office/drawing/2010/main" xmlns="" w="12700">
                 <a:solidFill>
                   <a:schemeClr val="tx1"/>
                 </a:solidFill>
@@ -39891,7 +39891,7 @@
               </a14:hiddenLine>
             </a:ext>
             <a:ext uri="{AF507438-7753-43e0-B8FC-AC1667EBCBE1}">
-              <a14:hiddenEffects xmlns:a14="http://schemas.microsoft.com/office/drawing/2010/main">
+              <a14:hiddenEffects xmlns:a14="http://schemas.microsoft.com/office/drawing/2010/main" xmlns="">
                 <a:effectLst>
                   <a:outerShdw dist="35921" dir="2700000" algn="ctr" rotWithShape="0">
                     <a:srgbClr val="808080"/>
@@ -39944,14 +39944,14 @@
           <a:effectLst/>
           <a:extLst>
             <a:ext uri="{909E8E84-426E-40dd-AFC4-6F175D3DCCD1}">
-              <a14:hiddenFill xmlns:a14="http://schemas.microsoft.com/office/drawing/2010/main">
+              <a14:hiddenFill xmlns:a14="http://schemas.microsoft.com/office/drawing/2010/main" xmlns="">
                 <a:solidFill>
                   <a:srgbClr val="FFFFFF"/>
                 </a:solidFill>
               </a14:hiddenFill>
             </a:ext>
             <a:ext uri="{91240B29-F687-4f45-9708-019B960494DF}">
-              <a14:hiddenLine xmlns:a14="http://schemas.microsoft.com/office/drawing/2010/main" w="12700">
+              <a14:hiddenLine xmlns:a14="http://schemas.microsoft.com/office/drawing/2010/main" xmlns="" w="12700">
                 <a:solidFill>
                   <a:schemeClr val="tx1"/>
                 </a:solidFill>
@@ -39961,7 +39961,7 @@
               </a14:hiddenLine>
             </a:ext>
             <a:ext uri="{AF507438-7753-43e0-B8FC-AC1667EBCBE1}">
-              <a14:hiddenEffects xmlns:a14="http://schemas.microsoft.com/office/drawing/2010/main">
+              <a14:hiddenEffects xmlns:a14="http://schemas.microsoft.com/office/drawing/2010/main" xmlns="">
                 <a:effectLst>
                   <a:outerShdw dist="35921" dir="2700000" algn="ctr" rotWithShape="0">
                     <a:srgbClr val="808080"/>
@@ -40050,14 +40050,14 @@
           <a:effectLst/>
           <a:extLst>
             <a:ext uri="{909E8E84-426E-40dd-AFC4-6F175D3DCCD1}">
-              <a14:hiddenFill xmlns:a14="http://schemas.microsoft.com/office/drawing/2010/main">
+              <a14:hiddenFill xmlns:a14="http://schemas.microsoft.com/office/drawing/2010/main" xmlns="">
                 <a:solidFill>
                   <a:srgbClr val="FFFFFF"/>
                 </a:solidFill>
               </a14:hiddenFill>
             </a:ext>
             <a:ext uri="{91240B29-F687-4f45-9708-019B960494DF}">
-              <a14:hiddenLine xmlns:a14="http://schemas.microsoft.com/office/drawing/2010/main" w="12700">
+              <a14:hiddenLine xmlns:a14="http://schemas.microsoft.com/office/drawing/2010/main" xmlns="" w="12700">
                 <a:solidFill>
                   <a:schemeClr val="tx1"/>
                 </a:solidFill>
@@ -40067,7 +40067,7 @@
               </a14:hiddenLine>
             </a:ext>
             <a:ext uri="{AF507438-7753-43e0-B8FC-AC1667EBCBE1}">
-              <a14:hiddenEffects xmlns:a14="http://schemas.microsoft.com/office/drawing/2010/main">
+              <a14:hiddenEffects xmlns:a14="http://schemas.microsoft.com/office/drawing/2010/main" xmlns="">
                 <a:effectLst>
                   <a:outerShdw dist="35921" dir="2700000" algn="ctr" rotWithShape="0">
                     <a:srgbClr val="808080"/>
@@ -40193,7 +40193,7 @@
               <a:pPr>
                 <a:defRPr/>
               </a:pPr>
-              <a:t>‹n.›</a:t>
+              <a:t>‹#›</a:t>
             </a:fld>
             <a:endParaRPr lang="en-US"/>
           </a:p>
@@ -40234,14 +40234,14 @@
           </a:ln>
           <a:extLst>
             <a:ext uri="{909E8E84-426E-40dd-AFC4-6F175D3DCCD1}">
-              <a14:hiddenFill xmlns:a14="http://schemas.microsoft.com/office/drawing/2010/main">
+              <a14:hiddenFill xmlns:a14="http://schemas.microsoft.com/office/drawing/2010/main" xmlns="">
                 <a:solidFill>
                   <a:srgbClr val="FFFFFF"/>
                 </a:solidFill>
               </a14:hiddenFill>
             </a:ext>
             <a:ext uri="{91240B29-F687-4f45-9708-019B960494DF}">
-              <a14:hiddenLine xmlns:a14="http://schemas.microsoft.com/office/drawing/2010/main" w="12700">
+              <a14:hiddenLine xmlns:a14="http://schemas.microsoft.com/office/drawing/2010/main" xmlns="" w="12700">
                 <a:solidFill>
                   <a:schemeClr val="tx1"/>
                 </a:solidFill>
@@ -40785,14 +40785,14 @@
           </a:ln>
           <a:extLst>
             <a:ext uri="{909E8E84-426E-40dd-AFC4-6F175D3DCCD1}">
-              <a14:hiddenFill xmlns:a14="http://schemas.microsoft.com/office/drawing/2010/main">
+              <a14:hiddenFill xmlns:a14="http://schemas.microsoft.com/office/drawing/2010/main" xmlns="">
                 <a:solidFill>
                   <a:srgbClr val="FFFFFF"/>
                 </a:solidFill>
               </a14:hiddenFill>
             </a:ext>
             <a:ext uri="{91240B29-F687-4f45-9708-019B960494DF}">
-              <a14:hiddenLine xmlns:a14="http://schemas.microsoft.com/office/drawing/2010/main" w="12700">
+              <a14:hiddenLine xmlns:a14="http://schemas.microsoft.com/office/drawing/2010/main" xmlns="" w="12700">
                 <a:solidFill>
                   <a:schemeClr val="tx1"/>
                 </a:solidFill>
@@ -40828,7 +40828,7 @@
           </a:ln>
           <a:extLst>
             <a:ext uri="{91240B29-F687-4f45-9708-019B960494DF}">
-              <a14:hiddenLine xmlns:a14="http://schemas.microsoft.com/office/drawing/2010/main" w="25400">
+              <a14:hiddenLine xmlns:a14="http://schemas.microsoft.com/office/drawing/2010/main" xmlns="" w="25400">
                 <a:solidFill>
                   <a:schemeClr val="tx1"/>
                 </a:solidFill>
@@ -40895,17 +40895,8 @@
               <a:rPr lang="it-IT" sz="5000" dirty="0" smtClean="0">
                 <a:latin typeface="Myriad Pro It"/>
               </a:rPr>
-              <a:t>Lezione </a:t>
-            </a:r>
-            <a:r>
-              <a:rPr lang="it-IT" sz="5000" dirty="0" smtClean="0">
-                <a:latin typeface="Myriad Pro It"/>
-              </a:rPr>
-              <a:t>#5</a:t>
-            </a:r>
-            <a:endParaRPr lang="it-IT" sz="5000" dirty="0" smtClean="0">
-              <a:latin typeface="Myriad Pro It"/>
-            </a:endParaRPr>
+              <a:t>Lezione #5</a:t>
+            </a:r>
           </a:p>
         </p:txBody>
       </p:sp>
@@ -40930,7 +40921,7 @@
   <p:timing>
     <p:tnLst>
       <p:par>
-        <p:cTn xmlns:p14="http://schemas.microsoft.com/office/powerpoint/2010/main" id="1" dur="indefinite" restart="never" nodeType="tmRoot"/>
+        <p:cTn id="1" dur="indefinite" restart="never" nodeType="tmRoot"/>
       </p:par>
     </p:tnLst>
   </p:timing>
@@ -41037,14 +41028,14 @@
             </a:ln>
             <a:extLst>
               <a:ext uri="{909E8E84-426E-40dd-AFC4-6F175D3DCCD1}">
-                <a14:hiddenFill xmlns:a14="http://schemas.microsoft.com/office/drawing/2010/main">
+                <a14:hiddenFill xmlns:a14="http://schemas.microsoft.com/office/drawing/2010/main" xmlns="">
                   <a:solidFill>
                     <a:srgbClr val="FFFFFF"/>
                   </a:solidFill>
                 </a14:hiddenFill>
               </a:ext>
               <a:ext uri="{91240B29-F687-4f45-9708-019B960494DF}">
-                <a14:hiddenLine xmlns:a14="http://schemas.microsoft.com/office/drawing/2010/main" w="12700">
+                <a14:hiddenLine xmlns:a14="http://schemas.microsoft.com/office/drawing/2010/main" xmlns="" w="12700">
                   <a:solidFill>
                     <a:schemeClr val="tx1"/>
                   </a:solidFill>
@@ -41083,7 +41074,7 @@
             </a:ln>
             <a:extLst>
               <a:ext uri="{909E8E84-426E-40dd-AFC4-6F175D3DCCD1}">
-                <a14:hiddenFill xmlns:a14="http://schemas.microsoft.com/office/drawing/2010/main">
+                <a14:hiddenFill xmlns:a14="http://schemas.microsoft.com/office/drawing/2010/main" xmlns="">
                   <a:noFill/>
                 </a14:hiddenFill>
               </a:ext>
@@ -41122,7 +41113,7 @@
           </a:ln>
           <a:extLst>
             <a:ext uri="{91240B29-F687-4f45-9708-019B960494DF}">
-              <a14:hiddenLine xmlns:a14="http://schemas.microsoft.com/office/drawing/2010/main" w="25400">
+              <a14:hiddenLine xmlns:a14="http://schemas.microsoft.com/office/drawing/2010/main" xmlns="" w="25400">
                 <a:solidFill>
                   <a:schemeClr val="tx1"/>
                 </a:solidFill>
@@ -41492,8 +41483,8 @@
         </p:nvSpPr>
         <p:spPr>
           <a:xfrm>
-            <a:off x="2592066" y="7074818"/>
-            <a:ext cx="12882515" cy="2400657"/>
+            <a:off x="1322043" y="7074818"/>
+            <a:ext cx="15573494" cy="2400657"/>
           </a:xfrm>
           <a:prstGeom prst="rect">
             <a:avLst/>
@@ -41548,7 +41539,28 @@
                 <a:latin typeface="Monaco"/>
                 <a:cs typeface="Monaco"/>
               </a:rPr>
-              <a:t> = $nome . $cognome</a:t>
+              <a:t> = $nome </a:t>
+            </a:r>
+            <a:r>
+              <a:rPr lang="it-IT" sz="5000" dirty="0" smtClean="0">
+                <a:latin typeface="Monaco"/>
+                <a:cs typeface="Monaco"/>
+              </a:rPr>
+              <a:t>. ” ” . </a:t>
+            </a:r>
+            <a:r>
+              <a:rPr lang="it-IT" sz="5000" dirty="0" smtClean="0">
+                <a:latin typeface="Monaco"/>
+                <a:cs typeface="Monaco"/>
+              </a:rPr>
+              <a:t>$</a:t>
+            </a:r>
+            <a:r>
+              <a:rPr lang="it-IT" sz="5000" dirty="0" smtClean="0">
+                <a:latin typeface="Monaco"/>
+                <a:cs typeface="Monaco"/>
+              </a:rPr>
+              <a:t>cognome;</a:t>
             </a:r>
             <a:endParaRPr lang="it-IT" sz="5000" dirty="0">
               <a:latin typeface="Monaco"/>
@@ -41623,7 +41635,7 @@
   <p:timing>
     <p:tnLst>
       <p:par>
-        <p:cTn xmlns:p14="http://schemas.microsoft.com/office/powerpoint/2010/main" id="1" dur="indefinite" restart="never" nodeType="tmRoot"/>
+        <p:cTn id="1" dur="indefinite" restart="never" nodeType="tmRoot"/>
       </p:par>
     </p:tnLst>
   </p:timing>
@@ -41730,14 +41742,14 @@
             </a:ln>
             <a:extLst>
               <a:ext uri="{909E8E84-426E-40dd-AFC4-6F175D3DCCD1}">
-                <a14:hiddenFill xmlns:a14="http://schemas.microsoft.com/office/drawing/2010/main">
+                <a14:hiddenFill xmlns:a14="http://schemas.microsoft.com/office/drawing/2010/main" xmlns="">
                   <a:solidFill>
                     <a:srgbClr val="FFFFFF"/>
                   </a:solidFill>
                 </a14:hiddenFill>
               </a:ext>
               <a:ext uri="{91240B29-F687-4f45-9708-019B960494DF}">
-                <a14:hiddenLine xmlns:a14="http://schemas.microsoft.com/office/drawing/2010/main" w="12700">
+                <a14:hiddenLine xmlns:a14="http://schemas.microsoft.com/office/drawing/2010/main" xmlns="" w="12700">
                   <a:solidFill>
                     <a:schemeClr val="tx1"/>
                   </a:solidFill>
@@ -41776,7 +41788,7 @@
             </a:ln>
             <a:extLst>
               <a:ext uri="{909E8E84-426E-40dd-AFC4-6F175D3DCCD1}">
-                <a14:hiddenFill xmlns:a14="http://schemas.microsoft.com/office/drawing/2010/main">
+                <a14:hiddenFill xmlns:a14="http://schemas.microsoft.com/office/drawing/2010/main" xmlns="">
                   <a:noFill/>
                 </a14:hiddenFill>
               </a:ext>
@@ -41815,7 +41827,7 @@
           </a:ln>
           <a:extLst>
             <a:ext uri="{91240B29-F687-4f45-9708-019B960494DF}">
-              <a14:hiddenLine xmlns:a14="http://schemas.microsoft.com/office/drawing/2010/main" w="25400">
+              <a14:hiddenLine xmlns:a14="http://schemas.microsoft.com/office/drawing/2010/main" xmlns="" w="25400">
                 <a:solidFill>
                   <a:schemeClr val="tx1"/>
                 </a:solidFill>
@@ -42325,7 +42337,7 @@
   <p:timing>
     <p:tnLst>
       <p:par>
-        <p:cTn xmlns:p14="http://schemas.microsoft.com/office/powerpoint/2010/main" id="1" dur="indefinite" restart="never" nodeType="tmRoot"/>
+        <p:cTn id="1" dur="indefinite" restart="never" nodeType="tmRoot"/>
       </p:par>
     </p:tnLst>
   </p:timing>
@@ -42432,14 +42444,14 @@
             </a:ln>
             <a:extLst>
               <a:ext uri="{909E8E84-426E-40dd-AFC4-6F175D3DCCD1}">
-                <a14:hiddenFill xmlns:a14="http://schemas.microsoft.com/office/drawing/2010/main">
+                <a14:hiddenFill xmlns:a14="http://schemas.microsoft.com/office/drawing/2010/main" xmlns="">
                   <a:solidFill>
                     <a:srgbClr val="FFFFFF"/>
                   </a:solidFill>
                 </a14:hiddenFill>
               </a:ext>
               <a:ext uri="{91240B29-F687-4f45-9708-019B960494DF}">
-                <a14:hiddenLine xmlns:a14="http://schemas.microsoft.com/office/drawing/2010/main" w="12700">
+                <a14:hiddenLine xmlns:a14="http://schemas.microsoft.com/office/drawing/2010/main" xmlns="" w="12700">
                   <a:solidFill>
                     <a:schemeClr val="tx1"/>
                   </a:solidFill>
@@ -42478,7 +42490,7 @@
             </a:ln>
             <a:extLst>
               <a:ext uri="{909E8E84-426E-40dd-AFC4-6F175D3DCCD1}">
-                <a14:hiddenFill xmlns:a14="http://schemas.microsoft.com/office/drawing/2010/main">
+                <a14:hiddenFill xmlns:a14="http://schemas.microsoft.com/office/drawing/2010/main" xmlns="">
                   <a:noFill/>
                 </a14:hiddenFill>
               </a:ext>
@@ -42517,7 +42529,7 @@
           </a:ln>
           <a:extLst>
             <a:ext uri="{91240B29-F687-4f45-9708-019B960494DF}">
-              <a14:hiddenLine xmlns:a14="http://schemas.microsoft.com/office/drawing/2010/main" w="25400">
+              <a14:hiddenLine xmlns:a14="http://schemas.microsoft.com/office/drawing/2010/main" xmlns="" w="25400">
                 <a:solidFill>
                   <a:schemeClr val="tx1"/>
                 </a:solidFill>
@@ -42931,7 +42943,7 @@
   <p:timing>
     <p:tnLst>
       <p:par>
-        <p:cTn xmlns:p14="http://schemas.microsoft.com/office/powerpoint/2010/main" id="1" dur="indefinite" restart="never" nodeType="tmRoot"/>
+        <p:cTn id="1" dur="indefinite" restart="never" nodeType="tmRoot"/>
       </p:par>
     </p:tnLst>
   </p:timing>
@@ -43038,14 +43050,14 @@
             </a:ln>
             <a:extLst>
               <a:ext uri="{909E8E84-426E-40dd-AFC4-6F175D3DCCD1}">
-                <a14:hiddenFill xmlns:a14="http://schemas.microsoft.com/office/drawing/2010/main">
+                <a14:hiddenFill xmlns:a14="http://schemas.microsoft.com/office/drawing/2010/main" xmlns="">
                   <a:solidFill>
                     <a:srgbClr val="FFFFFF"/>
                   </a:solidFill>
                 </a14:hiddenFill>
               </a:ext>
               <a:ext uri="{91240B29-F687-4f45-9708-019B960494DF}">
-                <a14:hiddenLine xmlns:a14="http://schemas.microsoft.com/office/drawing/2010/main" w="12700">
+                <a14:hiddenLine xmlns:a14="http://schemas.microsoft.com/office/drawing/2010/main" xmlns="" w="12700">
                   <a:solidFill>
                     <a:schemeClr val="tx1"/>
                   </a:solidFill>
@@ -43084,7 +43096,7 @@
             </a:ln>
             <a:extLst>
               <a:ext uri="{909E8E84-426E-40dd-AFC4-6F175D3DCCD1}">
-                <a14:hiddenFill xmlns:a14="http://schemas.microsoft.com/office/drawing/2010/main">
+                <a14:hiddenFill xmlns:a14="http://schemas.microsoft.com/office/drawing/2010/main" xmlns="">
                   <a:noFill/>
                 </a14:hiddenFill>
               </a:ext>
@@ -43123,7 +43135,7 @@
           </a:ln>
           <a:extLst>
             <a:ext uri="{91240B29-F687-4f45-9708-019B960494DF}">
-              <a14:hiddenLine xmlns:a14="http://schemas.microsoft.com/office/drawing/2010/main" w="25400">
+              <a14:hiddenLine xmlns:a14="http://schemas.microsoft.com/office/drawing/2010/main" xmlns="" w="25400">
                 <a:solidFill>
                   <a:schemeClr val="tx1"/>
                 </a:solidFill>
@@ -43495,7 +43507,7 @@
   <p:timing>
     <p:tnLst>
       <p:par>
-        <p:cTn xmlns:p14="http://schemas.microsoft.com/office/powerpoint/2010/main" id="1" dur="indefinite" restart="never" nodeType="tmRoot"/>
+        <p:cTn id="1" dur="indefinite" restart="never" nodeType="tmRoot"/>
       </p:par>
     </p:tnLst>
   </p:timing>
@@ -43602,14 +43614,14 @@
             </a:ln>
             <a:extLst>
               <a:ext uri="{909E8E84-426E-40dd-AFC4-6F175D3DCCD1}">
-                <a14:hiddenFill xmlns:a14="http://schemas.microsoft.com/office/drawing/2010/main">
+                <a14:hiddenFill xmlns:a14="http://schemas.microsoft.com/office/drawing/2010/main" xmlns="">
                   <a:solidFill>
                     <a:srgbClr val="FFFFFF"/>
                   </a:solidFill>
                 </a14:hiddenFill>
               </a:ext>
               <a:ext uri="{91240B29-F687-4f45-9708-019B960494DF}">
-                <a14:hiddenLine xmlns:a14="http://schemas.microsoft.com/office/drawing/2010/main" w="12700">
+                <a14:hiddenLine xmlns:a14="http://schemas.microsoft.com/office/drawing/2010/main" xmlns="" w="12700">
                   <a:solidFill>
                     <a:schemeClr val="tx1"/>
                   </a:solidFill>
@@ -43648,7 +43660,7 @@
             </a:ln>
             <a:extLst>
               <a:ext uri="{909E8E84-426E-40dd-AFC4-6F175D3DCCD1}">
-                <a14:hiddenFill xmlns:a14="http://schemas.microsoft.com/office/drawing/2010/main">
+                <a14:hiddenFill xmlns:a14="http://schemas.microsoft.com/office/drawing/2010/main" xmlns="">
                   <a:noFill/>
                 </a14:hiddenFill>
               </a:ext>
@@ -43687,7 +43699,7 @@
           </a:ln>
           <a:extLst>
             <a:ext uri="{91240B29-F687-4f45-9708-019B960494DF}">
-              <a14:hiddenLine xmlns:a14="http://schemas.microsoft.com/office/drawing/2010/main" w="25400">
+              <a14:hiddenLine xmlns:a14="http://schemas.microsoft.com/office/drawing/2010/main" xmlns="" w="25400">
                 <a:solidFill>
                   <a:schemeClr val="tx1"/>
                 </a:solidFill>
@@ -44166,7 +44178,7 @@
   <p:timing>
     <p:tnLst>
       <p:par>
-        <p:cTn xmlns:p14="http://schemas.microsoft.com/office/powerpoint/2010/main" id="1" dur="indefinite" restart="never" nodeType="tmRoot"/>
+        <p:cTn id="1" dur="indefinite" restart="never" nodeType="tmRoot"/>
       </p:par>
     </p:tnLst>
   </p:timing>
@@ -44273,14 +44285,14 @@
             </a:ln>
             <a:extLst>
               <a:ext uri="{909E8E84-426E-40dd-AFC4-6F175D3DCCD1}">
-                <a14:hiddenFill xmlns:a14="http://schemas.microsoft.com/office/drawing/2010/main">
+                <a14:hiddenFill xmlns:a14="http://schemas.microsoft.com/office/drawing/2010/main" xmlns="">
                   <a:solidFill>
                     <a:srgbClr val="FFFFFF"/>
                   </a:solidFill>
                 </a14:hiddenFill>
               </a:ext>
               <a:ext uri="{91240B29-F687-4f45-9708-019B960494DF}">
-                <a14:hiddenLine xmlns:a14="http://schemas.microsoft.com/office/drawing/2010/main" w="12700">
+                <a14:hiddenLine xmlns:a14="http://schemas.microsoft.com/office/drawing/2010/main" xmlns="" w="12700">
                   <a:solidFill>
                     <a:schemeClr val="tx1"/>
                   </a:solidFill>
@@ -44319,7 +44331,7 @@
             </a:ln>
             <a:extLst>
               <a:ext uri="{909E8E84-426E-40dd-AFC4-6F175D3DCCD1}">
-                <a14:hiddenFill xmlns:a14="http://schemas.microsoft.com/office/drawing/2010/main">
+                <a14:hiddenFill xmlns:a14="http://schemas.microsoft.com/office/drawing/2010/main" xmlns="">
                   <a:noFill/>
                 </a14:hiddenFill>
               </a:ext>
@@ -44358,7 +44370,7 @@
           </a:ln>
           <a:extLst>
             <a:ext uri="{91240B29-F687-4f45-9708-019B960494DF}">
-              <a14:hiddenLine xmlns:a14="http://schemas.microsoft.com/office/drawing/2010/main" w="25400">
+              <a14:hiddenLine xmlns:a14="http://schemas.microsoft.com/office/drawing/2010/main" xmlns="" w="25400">
                 <a:solidFill>
                   <a:schemeClr val="tx1"/>
                 </a:solidFill>
@@ -44451,7 +44463,7 @@
   <p:timing>
     <p:tnLst>
       <p:par>
-        <p:cTn xmlns:p14="http://schemas.microsoft.com/office/powerpoint/2010/main" id="1" dur="indefinite" restart="never" nodeType="tmRoot"/>
+        <p:cTn id="1" dur="indefinite" restart="never" nodeType="tmRoot"/>
       </p:par>
     </p:tnLst>
   </p:timing>
@@ -44627,14 +44639,14 @@
             </a:ln>
             <a:extLst>
               <a:ext uri="{909E8E84-426E-40dd-AFC4-6F175D3DCCD1}">
-                <a14:hiddenFill xmlns:a14="http://schemas.microsoft.com/office/drawing/2010/main">
+                <a14:hiddenFill xmlns:a14="http://schemas.microsoft.com/office/drawing/2010/main" xmlns="">
                   <a:solidFill>
                     <a:srgbClr val="FFFFFF"/>
                   </a:solidFill>
                 </a14:hiddenFill>
               </a:ext>
               <a:ext uri="{91240B29-F687-4f45-9708-019B960494DF}">
-                <a14:hiddenLine xmlns:a14="http://schemas.microsoft.com/office/drawing/2010/main" w="12700">
+                <a14:hiddenLine xmlns:a14="http://schemas.microsoft.com/office/drawing/2010/main" xmlns="" w="12700">
                   <a:solidFill>
                     <a:schemeClr val="tx1"/>
                   </a:solidFill>
@@ -44673,7 +44685,7 @@
             </a:ln>
             <a:extLst>
               <a:ext uri="{909E8E84-426E-40dd-AFC4-6F175D3DCCD1}">
-                <a14:hiddenFill xmlns:a14="http://schemas.microsoft.com/office/drawing/2010/main">
+                <a14:hiddenFill xmlns:a14="http://schemas.microsoft.com/office/drawing/2010/main" xmlns="">
                   <a:noFill/>
                 </a14:hiddenFill>
               </a:ext>
@@ -44712,7 +44724,7 @@
           </a:ln>
           <a:extLst>
             <a:ext uri="{91240B29-F687-4f45-9708-019B960494DF}">
-              <a14:hiddenLine xmlns:a14="http://schemas.microsoft.com/office/drawing/2010/main" w="25400">
+              <a14:hiddenLine xmlns:a14="http://schemas.microsoft.com/office/drawing/2010/main" xmlns="" w="25400">
                 <a:solidFill>
                   <a:schemeClr val="tx1"/>
                 </a:solidFill>
@@ -45071,7 +45083,7 @@
   <p:timing>
     <p:tnLst>
       <p:par>
-        <p:cTn xmlns:p14="http://schemas.microsoft.com/office/powerpoint/2010/main" id="1" dur="indefinite" restart="never" nodeType="tmRoot"/>
+        <p:cTn id="1" dur="indefinite" restart="never" nodeType="tmRoot"/>
       </p:par>
     </p:tnLst>
   </p:timing>
@@ -45178,14 +45190,14 @@
             </a:ln>
             <a:extLst>
               <a:ext uri="{909E8E84-426E-40dd-AFC4-6F175D3DCCD1}">
-                <a14:hiddenFill xmlns:a14="http://schemas.microsoft.com/office/drawing/2010/main">
+                <a14:hiddenFill xmlns:a14="http://schemas.microsoft.com/office/drawing/2010/main" xmlns="">
                   <a:solidFill>
                     <a:srgbClr val="FFFFFF"/>
                   </a:solidFill>
                 </a14:hiddenFill>
               </a:ext>
               <a:ext uri="{91240B29-F687-4f45-9708-019B960494DF}">
-                <a14:hiddenLine xmlns:a14="http://schemas.microsoft.com/office/drawing/2010/main" w="12700">
+                <a14:hiddenLine xmlns:a14="http://schemas.microsoft.com/office/drawing/2010/main" xmlns="" w="12700">
                   <a:solidFill>
                     <a:schemeClr val="tx1"/>
                   </a:solidFill>
@@ -45224,7 +45236,7 @@
             </a:ln>
             <a:extLst>
               <a:ext uri="{909E8E84-426E-40dd-AFC4-6F175D3DCCD1}">
-                <a14:hiddenFill xmlns:a14="http://schemas.microsoft.com/office/drawing/2010/main">
+                <a14:hiddenFill xmlns:a14="http://schemas.microsoft.com/office/drawing/2010/main" xmlns="">
                   <a:noFill/>
                 </a14:hiddenFill>
               </a:ext>
@@ -45263,7 +45275,7 @@
           </a:ln>
           <a:extLst>
             <a:ext uri="{91240B29-F687-4f45-9708-019B960494DF}">
-              <a14:hiddenLine xmlns:a14="http://schemas.microsoft.com/office/drawing/2010/main" w="25400">
+              <a14:hiddenLine xmlns:a14="http://schemas.microsoft.com/office/drawing/2010/main" xmlns="" w="25400">
                 <a:solidFill>
                   <a:schemeClr val="tx1"/>
                 </a:solidFill>
@@ -45320,7 +45332,7 @@
           <a:effectLst/>
           <a:extLst>
             <a:ext uri="{91240B29-F687-4f45-9708-019B960494DF}">
-              <a14:hiddenLine xmlns:a14="http://schemas.microsoft.com/office/drawing/2010/main" w="9525">
+              <a14:hiddenLine xmlns:a14="http://schemas.microsoft.com/office/drawing/2010/main" xmlns="" w="9525">
                 <a:solidFill>
                   <a:schemeClr val="tx1"/>
                 </a:solidFill>
@@ -45330,7 +45342,7 @@
               </a14:hiddenLine>
             </a:ext>
             <a:ext uri="{AF507438-7753-43e0-B8FC-AC1667EBCBE1}">
-              <a14:hiddenEffects xmlns:a14="http://schemas.microsoft.com/office/drawing/2010/main">
+              <a14:hiddenEffects xmlns:a14="http://schemas.microsoft.com/office/drawing/2010/main" xmlns="">
                 <a:effectLst>
                   <a:outerShdw dist="35921" dir="2700000" algn="ctr" rotWithShape="0">
                     <a:schemeClr val="bg2"/>
@@ -45642,19 +45654,7 @@
               <a:rPr lang="it-IT" altLang="it-IT" sz="3200" dirty="0">
                 <a:latin typeface="Myriad Pro It"/>
               </a:rPr>
-              <a:t>Pacchetto per </a:t>
-            </a:r>
-            <a:r>
-              <a:rPr lang="it-IT" altLang="it-IT" sz="3200" dirty="0">
-                <a:latin typeface="Myriad Pro It"/>
-              </a:rPr>
-              <a:t>Mac OS X che </a:t>
-            </a:r>
-            <a:r>
-              <a:rPr lang="it-IT" altLang="it-IT" sz="3200" dirty="0">
-                <a:latin typeface="Myriad Pro It"/>
-              </a:rPr>
-              <a:t>include il server web Apache, PHP e il database </a:t>
+              <a:t>Pacchetto per Mac OS X che include il server web Apache, PHP e il database </a:t>
             </a:r>
             <a:r>
               <a:rPr lang="it-IT" altLang="it-IT" sz="3200" dirty="0" err="1">
@@ -45751,7 +45751,7 @@
   <p:timing>
     <p:tnLst>
       <p:par>
-        <p:cTn xmlns:p14="http://schemas.microsoft.com/office/powerpoint/2010/main" id="1" dur="indefinite" restart="never" nodeType="tmRoot"/>
+        <p:cTn id="1" dur="indefinite" restart="never" nodeType="tmRoot"/>
       </p:par>
     </p:tnLst>
   </p:timing>
@@ -45804,7 +45804,7 @@
           <a:effectLst/>
           <a:extLst>
             <a:ext uri="{AF507438-7753-43e0-B8FC-AC1667EBCBE1}">
-              <a14:hiddenEffects xmlns:a14="http://schemas.microsoft.com/office/drawing/2010/main">
+              <a14:hiddenEffects xmlns:a14="http://schemas.microsoft.com/office/drawing/2010/main" xmlns="">
                 <a:effectLst>
                   <a:outerShdw dist="35921" dir="2700000" algn="ctr" rotWithShape="0">
                     <a:schemeClr val="bg2"/>
@@ -45883,7 +45883,7 @@
           <a:effectLst/>
           <a:extLst>
             <a:ext uri="{AF507438-7753-43e0-B8FC-AC1667EBCBE1}">
-              <a14:hiddenEffects xmlns:a14="http://schemas.microsoft.com/office/drawing/2010/main">
+              <a14:hiddenEffects xmlns:a14="http://schemas.microsoft.com/office/drawing/2010/main" xmlns="">
                 <a:effectLst>
                   <a:outerShdw dist="35921" dir="2700000" algn="ctr" rotWithShape="0">
                     <a:schemeClr val="bg2"/>
@@ -45962,7 +45962,7 @@
           <a:effectLst/>
           <a:extLst>
             <a:ext uri="{AF507438-7753-43e0-B8FC-AC1667EBCBE1}">
-              <a14:hiddenEffects xmlns:a14="http://schemas.microsoft.com/office/drawing/2010/main">
+              <a14:hiddenEffects xmlns:a14="http://schemas.microsoft.com/office/drawing/2010/main" xmlns="">
                 <a:effectLst>
                   <a:outerShdw dist="35921" dir="2700000" algn="ctr" rotWithShape="0">
                     <a:schemeClr val="bg2"/>
@@ -46041,7 +46041,7 @@
           <a:effectLst/>
           <a:extLst>
             <a:ext uri="{AF507438-7753-43e0-B8FC-AC1667EBCBE1}">
-              <a14:hiddenEffects xmlns:a14="http://schemas.microsoft.com/office/drawing/2010/main">
+              <a14:hiddenEffects xmlns:a14="http://schemas.microsoft.com/office/drawing/2010/main" xmlns="">
                 <a:effectLst>
                   <a:outerShdw dist="35921" dir="2700000" algn="ctr" rotWithShape="0">
                     <a:schemeClr val="bg2"/>
@@ -46174,14 +46174,14 @@
             </a:ln>
             <a:extLst>
               <a:ext uri="{909E8E84-426E-40dd-AFC4-6F175D3DCCD1}">
-                <a14:hiddenFill xmlns:a14="http://schemas.microsoft.com/office/drawing/2010/main">
+                <a14:hiddenFill xmlns:a14="http://schemas.microsoft.com/office/drawing/2010/main" xmlns="">
                   <a:solidFill>
                     <a:srgbClr val="FFFFFF"/>
                   </a:solidFill>
                 </a14:hiddenFill>
               </a:ext>
               <a:ext uri="{91240B29-F687-4f45-9708-019B960494DF}">
-                <a14:hiddenLine xmlns:a14="http://schemas.microsoft.com/office/drawing/2010/main" w="12700">
+                <a14:hiddenLine xmlns:a14="http://schemas.microsoft.com/office/drawing/2010/main" xmlns="" w="12700">
                   <a:solidFill>
                     <a:schemeClr val="tx1"/>
                   </a:solidFill>
@@ -46220,7 +46220,7 @@
             </a:ln>
             <a:extLst>
               <a:ext uri="{909E8E84-426E-40dd-AFC4-6F175D3DCCD1}">
-                <a14:hiddenFill xmlns:a14="http://schemas.microsoft.com/office/drawing/2010/main">
+                <a14:hiddenFill xmlns:a14="http://schemas.microsoft.com/office/drawing/2010/main" xmlns="">
                   <a:noFill/>
                 </a14:hiddenFill>
               </a:ext>
@@ -46259,7 +46259,7 @@
           </a:ln>
           <a:extLst>
             <a:ext uri="{91240B29-F687-4f45-9708-019B960494DF}">
-              <a14:hiddenLine xmlns:a14="http://schemas.microsoft.com/office/drawing/2010/main" w="25400">
+              <a14:hiddenLine xmlns:a14="http://schemas.microsoft.com/office/drawing/2010/main" xmlns="" w="25400">
                 <a:solidFill>
                   <a:schemeClr val="tx1"/>
                 </a:solidFill>
@@ -46324,7 +46324,7 @@
           <a:effectLst/>
           <a:extLst>
             <a:ext uri="{AF507438-7753-43e0-B8FC-AC1667EBCBE1}">
-              <a14:hiddenEffects xmlns:a14="http://schemas.microsoft.com/office/drawing/2010/main">
+              <a14:hiddenEffects xmlns:a14="http://schemas.microsoft.com/office/drawing/2010/main" xmlns="">
                 <a:effectLst>
                   <a:outerShdw dist="35921" dir="2700000" algn="ctr" rotWithShape="0">
                     <a:schemeClr val="bg2"/>
@@ -47156,7 +47156,7 @@
   <p:timing>
     <p:tnLst>
       <p:par>
-        <p:cTn xmlns:p14="http://schemas.microsoft.com/office/powerpoint/2010/main" id="1" dur="indefinite" restart="never" nodeType="tmRoot"/>
+        <p:cTn id="1" dur="indefinite" restart="never" nodeType="tmRoot"/>
       </p:par>
     </p:tnLst>
   </p:timing>
@@ -47263,14 +47263,14 @@
             </a:ln>
             <a:extLst>
               <a:ext uri="{909E8E84-426E-40dd-AFC4-6F175D3DCCD1}">
-                <a14:hiddenFill xmlns:a14="http://schemas.microsoft.com/office/drawing/2010/main">
+                <a14:hiddenFill xmlns:a14="http://schemas.microsoft.com/office/drawing/2010/main" xmlns="">
                   <a:solidFill>
                     <a:srgbClr val="FFFFFF"/>
                   </a:solidFill>
                 </a14:hiddenFill>
               </a:ext>
               <a:ext uri="{91240B29-F687-4f45-9708-019B960494DF}">
-                <a14:hiddenLine xmlns:a14="http://schemas.microsoft.com/office/drawing/2010/main" w="12700">
+                <a14:hiddenLine xmlns:a14="http://schemas.microsoft.com/office/drawing/2010/main" xmlns="" w="12700">
                   <a:solidFill>
                     <a:schemeClr val="tx1"/>
                   </a:solidFill>
@@ -47309,7 +47309,7 @@
             </a:ln>
             <a:extLst>
               <a:ext uri="{909E8E84-426E-40dd-AFC4-6F175D3DCCD1}">
-                <a14:hiddenFill xmlns:a14="http://schemas.microsoft.com/office/drawing/2010/main">
+                <a14:hiddenFill xmlns:a14="http://schemas.microsoft.com/office/drawing/2010/main" xmlns="">
                   <a:noFill/>
                 </a14:hiddenFill>
               </a:ext>
@@ -47348,7 +47348,7 @@
           </a:ln>
           <a:extLst>
             <a:ext uri="{91240B29-F687-4f45-9708-019B960494DF}">
-              <a14:hiddenLine xmlns:a14="http://schemas.microsoft.com/office/drawing/2010/main" w="25400">
+              <a14:hiddenLine xmlns:a14="http://schemas.microsoft.com/office/drawing/2010/main" xmlns="" w="25400">
                 <a:solidFill>
                   <a:schemeClr val="tx1"/>
                 </a:solidFill>
@@ -47447,12 +47447,6 @@
               </a:rPr>
               <a:t>Hardware – CPU, Disco</a:t>
             </a:r>
-            <a:endParaRPr lang="it-IT" sz="5000" dirty="0" smtClean="0">
-              <a:solidFill>
-                <a:schemeClr val="tx1"/>
-              </a:solidFill>
-              <a:latin typeface="Myriad Pro It"/>
-            </a:endParaRPr>
           </a:p>
           <a:p>
             <a:pPr marL="2253927" lvl="2" indent="-914400" algn="l">
@@ -47646,7 +47640,7 @@
   <p:timing>
     <p:tnLst>
       <p:par>
-        <p:cTn xmlns:p14="http://schemas.microsoft.com/office/powerpoint/2010/main" id="1" dur="indefinite" restart="never" nodeType="tmRoot"/>
+        <p:cTn id="1" dur="indefinite" restart="never" nodeType="tmRoot"/>
       </p:par>
     </p:tnLst>
   </p:timing>
@@ -47753,14 +47747,14 @@
             </a:ln>
             <a:extLst>
               <a:ext uri="{909E8E84-426E-40dd-AFC4-6F175D3DCCD1}">
-                <a14:hiddenFill xmlns:a14="http://schemas.microsoft.com/office/drawing/2010/main">
+                <a14:hiddenFill xmlns:a14="http://schemas.microsoft.com/office/drawing/2010/main" xmlns="">
                   <a:solidFill>
                     <a:srgbClr val="FFFFFF"/>
                   </a:solidFill>
                 </a14:hiddenFill>
               </a:ext>
               <a:ext uri="{91240B29-F687-4f45-9708-019B960494DF}">
-                <a14:hiddenLine xmlns:a14="http://schemas.microsoft.com/office/drawing/2010/main" w="12700">
+                <a14:hiddenLine xmlns:a14="http://schemas.microsoft.com/office/drawing/2010/main" xmlns="" w="12700">
                   <a:solidFill>
                     <a:schemeClr val="tx1"/>
                   </a:solidFill>
@@ -47799,7 +47793,7 @@
             </a:ln>
             <a:extLst>
               <a:ext uri="{909E8E84-426E-40dd-AFC4-6F175D3DCCD1}">
-                <a14:hiddenFill xmlns:a14="http://schemas.microsoft.com/office/drawing/2010/main">
+                <a14:hiddenFill xmlns:a14="http://schemas.microsoft.com/office/drawing/2010/main" xmlns="">
                   <a:noFill/>
                 </a14:hiddenFill>
               </a:ext>
@@ -47838,7 +47832,7 @@
           </a:ln>
           <a:extLst>
             <a:ext uri="{91240B29-F687-4f45-9708-019B960494DF}">
-              <a14:hiddenLine xmlns:a14="http://schemas.microsoft.com/office/drawing/2010/main" w="25400">
+              <a14:hiddenLine xmlns:a14="http://schemas.microsoft.com/office/drawing/2010/main" xmlns="" w="25400">
                 <a:solidFill>
                   <a:schemeClr val="tx1"/>
                 </a:solidFill>
@@ -47977,13 +47971,31 @@
               <a:t>purpose</a:t>
             </a:r>
             <a:r>
+              <a:rPr lang="it-IT" sz="5000" smtClean="0">
+                <a:solidFill>
+                  <a:schemeClr val="tx1"/>
+                </a:solidFill>
+                <a:latin typeface="Myriad Pro It"/>
+              </a:rPr>
+              <a:t>” </a:t>
+            </a:r>
+            <a:r>
+              <a:rPr lang="it-IT" sz="5000">
+                <a:solidFill>
+                  <a:schemeClr val="tx1"/>
+                </a:solidFill>
+                <a:latin typeface="Myriad Pro It"/>
+              </a:rPr>
+              <a:t>particolarmente usato per </a:t>
+            </a:r>
+            <a:r>
               <a:rPr lang="it-IT" sz="5000" dirty="0" smtClean="0">
                 <a:solidFill>
                   <a:schemeClr val="tx1"/>
                 </a:solidFill>
                 <a:latin typeface="Myriad Pro It"/>
               </a:rPr>
-              <a:t>” usato particolarmente per creare siti web dinamici</a:t>
+              <a:t>creare siti web dinamici</a:t>
             </a:r>
           </a:p>
           <a:p>
@@ -48057,7 +48069,7 @@
   <p:timing>
     <p:tnLst>
       <p:par>
-        <p:cTn xmlns:p14="http://schemas.microsoft.com/office/powerpoint/2010/main" id="1" dur="indefinite" restart="never" nodeType="tmRoot"/>
+        <p:cTn id="1" dur="indefinite" restart="never" nodeType="tmRoot"/>
       </p:par>
     </p:tnLst>
   </p:timing>
@@ -48164,14 +48176,14 @@
             </a:ln>
             <a:extLst>
               <a:ext uri="{909E8E84-426E-40dd-AFC4-6F175D3DCCD1}">
-                <a14:hiddenFill xmlns:a14="http://schemas.microsoft.com/office/drawing/2010/main">
+                <a14:hiddenFill xmlns:a14="http://schemas.microsoft.com/office/drawing/2010/main" xmlns="">
                   <a:solidFill>
                     <a:srgbClr val="FFFFFF"/>
                   </a:solidFill>
                 </a14:hiddenFill>
               </a:ext>
               <a:ext uri="{91240B29-F687-4f45-9708-019B960494DF}">
-                <a14:hiddenLine xmlns:a14="http://schemas.microsoft.com/office/drawing/2010/main" w="12700">
+                <a14:hiddenLine xmlns:a14="http://schemas.microsoft.com/office/drawing/2010/main" xmlns="" w="12700">
                   <a:solidFill>
                     <a:schemeClr val="tx1"/>
                   </a:solidFill>
@@ -48210,7 +48222,7 @@
             </a:ln>
             <a:extLst>
               <a:ext uri="{909E8E84-426E-40dd-AFC4-6F175D3DCCD1}">
-                <a14:hiddenFill xmlns:a14="http://schemas.microsoft.com/office/drawing/2010/main">
+                <a14:hiddenFill xmlns:a14="http://schemas.microsoft.com/office/drawing/2010/main" xmlns="">
                   <a:noFill/>
                 </a14:hiddenFill>
               </a:ext>
@@ -48249,7 +48261,7 @@
           </a:ln>
           <a:extLst>
             <a:ext uri="{91240B29-F687-4f45-9708-019B960494DF}">
-              <a14:hiddenLine xmlns:a14="http://schemas.microsoft.com/office/drawing/2010/main" w="25400">
+              <a14:hiddenLine xmlns:a14="http://schemas.microsoft.com/office/drawing/2010/main" xmlns="" w="25400">
                 <a:solidFill>
                   <a:schemeClr val="tx1"/>
                 </a:solidFill>
@@ -48457,7 +48469,7 @@
   <p:timing>
     <p:tnLst>
       <p:par>
-        <p:cTn xmlns:p14="http://schemas.microsoft.com/office/powerpoint/2010/main" id="1" dur="indefinite" restart="never" nodeType="tmRoot"/>
+        <p:cTn id="1" dur="indefinite" restart="never" nodeType="tmRoot"/>
       </p:par>
     </p:tnLst>
   </p:timing>
@@ -48564,14 +48576,14 @@
             </a:ln>
             <a:extLst>
               <a:ext uri="{909E8E84-426E-40dd-AFC4-6F175D3DCCD1}">
-                <a14:hiddenFill xmlns:a14="http://schemas.microsoft.com/office/drawing/2010/main">
+                <a14:hiddenFill xmlns:a14="http://schemas.microsoft.com/office/drawing/2010/main" xmlns="">
                   <a:solidFill>
                     <a:srgbClr val="FFFFFF"/>
                   </a:solidFill>
                 </a14:hiddenFill>
               </a:ext>
               <a:ext uri="{91240B29-F687-4f45-9708-019B960494DF}">
-                <a14:hiddenLine xmlns:a14="http://schemas.microsoft.com/office/drawing/2010/main" w="12700">
+                <a14:hiddenLine xmlns:a14="http://schemas.microsoft.com/office/drawing/2010/main" xmlns="" w="12700">
                   <a:solidFill>
                     <a:schemeClr val="tx1"/>
                   </a:solidFill>
@@ -48610,7 +48622,7 @@
             </a:ln>
             <a:extLst>
               <a:ext uri="{909E8E84-426E-40dd-AFC4-6F175D3DCCD1}">
-                <a14:hiddenFill xmlns:a14="http://schemas.microsoft.com/office/drawing/2010/main">
+                <a14:hiddenFill xmlns:a14="http://schemas.microsoft.com/office/drawing/2010/main" xmlns="">
                   <a:noFill/>
                 </a14:hiddenFill>
               </a:ext>
@@ -48649,7 +48661,7 @@
           </a:ln>
           <a:extLst>
             <a:ext uri="{91240B29-F687-4f45-9708-019B960494DF}">
-              <a14:hiddenLine xmlns:a14="http://schemas.microsoft.com/office/drawing/2010/main" w="25400">
+              <a14:hiddenLine xmlns:a14="http://schemas.microsoft.com/office/drawing/2010/main" xmlns="" w="25400">
                 <a:solidFill>
                   <a:schemeClr val="tx1"/>
                 </a:solidFill>
@@ -48894,7 +48906,7 @@
   <p:timing>
     <p:tnLst>
       <p:par>
-        <p:cTn xmlns:p14="http://schemas.microsoft.com/office/powerpoint/2010/main" id="1" dur="indefinite" restart="never" nodeType="tmRoot"/>
+        <p:cTn id="1" dur="indefinite" restart="never" nodeType="tmRoot"/>
       </p:par>
     </p:tnLst>
   </p:timing>
@@ -49001,14 +49013,14 @@
             </a:ln>
             <a:extLst>
               <a:ext uri="{909E8E84-426E-40dd-AFC4-6F175D3DCCD1}">
-                <a14:hiddenFill xmlns:a14="http://schemas.microsoft.com/office/drawing/2010/main">
+                <a14:hiddenFill xmlns:a14="http://schemas.microsoft.com/office/drawing/2010/main" xmlns="">
                   <a:solidFill>
                     <a:srgbClr val="FFFFFF"/>
                   </a:solidFill>
                 </a14:hiddenFill>
               </a:ext>
               <a:ext uri="{91240B29-F687-4f45-9708-019B960494DF}">
-                <a14:hiddenLine xmlns:a14="http://schemas.microsoft.com/office/drawing/2010/main" w="12700">
+                <a14:hiddenLine xmlns:a14="http://schemas.microsoft.com/office/drawing/2010/main" xmlns="" w="12700">
                   <a:solidFill>
                     <a:schemeClr val="tx1"/>
                   </a:solidFill>
@@ -49047,7 +49059,7 @@
             </a:ln>
             <a:extLst>
               <a:ext uri="{909E8E84-426E-40dd-AFC4-6F175D3DCCD1}">
-                <a14:hiddenFill xmlns:a14="http://schemas.microsoft.com/office/drawing/2010/main">
+                <a14:hiddenFill xmlns:a14="http://schemas.microsoft.com/office/drawing/2010/main" xmlns="">
                   <a:noFill/>
                 </a14:hiddenFill>
               </a:ext>
@@ -49086,7 +49098,7 @@
           </a:ln>
           <a:extLst>
             <a:ext uri="{91240B29-F687-4f45-9708-019B960494DF}">
-              <a14:hiddenLine xmlns:a14="http://schemas.microsoft.com/office/drawing/2010/main" w="25400">
+              <a14:hiddenLine xmlns:a14="http://schemas.microsoft.com/office/drawing/2010/main" xmlns="" w="25400">
                 <a:solidFill>
                   <a:schemeClr val="tx1"/>
                 </a:solidFill>
@@ -49185,8 +49197,8 @@
         </p:nvSpPr>
         <p:spPr>
           <a:xfrm>
-            <a:off x="4635606" y="3258394"/>
-            <a:ext cx="8649899" cy="861774"/>
+            <a:off x="4443934" y="3258394"/>
+            <a:ext cx="9033243" cy="861774"/>
           </a:xfrm>
           <a:prstGeom prst="rect">
             <a:avLst/>
@@ -49202,21 +49214,21 @@
           <a:lstStyle/>
           <a:p>
             <a:r>
-              <a:rPr lang="it-IT" sz="5000" dirty="0">
+              <a:rPr lang="it-IT" sz="5000" dirty="0" smtClean="0">
                 <a:latin typeface="Monaco"/>
                 <a:cs typeface="Monaco"/>
               </a:rPr>
-              <a:t>&lt;</a:t>
-            </a:r>
-            <a:r>
-              <a:rPr lang="it-IT" sz="5000" dirty="0" err="1">
+              <a:t>&lt;?</a:t>
+            </a:r>
+            <a:r>
+              <a:rPr lang="it-IT" sz="5000" dirty="0" err="1" smtClean="0">
                 <a:latin typeface="Monaco"/>
                 <a:cs typeface="Monaco"/>
               </a:rPr>
               <a:t>php</a:t>
             </a:r>
             <a:r>
-              <a:rPr lang="it-IT" sz="5000" dirty="0">
+              <a:rPr lang="it-IT" sz="5000" dirty="0" smtClean="0">
                 <a:latin typeface="Monaco"/>
                 <a:cs typeface="Monaco"/>
               </a:rPr>
@@ -49391,25 +49403,7 @@
                 </a:solidFill>
                 <a:latin typeface="Myriad Pro It"/>
               </a:rPr>
-              <a:t>I </a:t>
-            </a:r>
-            <a:r>
-              <a:rPr lang="it-IT" sz="5000" dirty="0">
-                <a:solidFill>
-                  <a:schemeClr val="tx1"/>
-                </a:solidFill>
-                <a:latin typeface="Myriad Pro It"/>
-              </a:rPr>
-              <a:t>commenti</a:t>
-            </a:r>
-            <a:r>
-              <a:rPr lang="it-IT" sz="5000" dirty="0">
-                <a:solidFill>
-                  <a:schemeClr val="tx1"/>
-                </a:solidFill>
-                <a:latin typeface="Myriad Pro It"/>
-              </a:rPr>
-              <a:t> si possono scrivere in due modi</a:t>
+              <a:t>I commenti si possono scrivere in due modi</a:t>
             </a:r>
           </a:p>
           <a:p>
@@ -49506,7 +49500,7 @@
   <p:timing>
     <p:tnLst>
       <p:par>
-        <p:cTn xmlns:p14="http://schemas.microsoft.com/office/powerpoint/2010/main" id="1" dur="indefinite" restart="never" nodeType="tmRoot"/>
+        <p:cTn id="1" dur="indefinite" restart="never" nodeType="tmRoot"/>
       </p:par>
     </p:tnLst>
   </p:timing>
@@ -49613,14 +49607,14 @@
             </a:ln>
             <a:extLst>
               <a:ext uri="{909E8E84-426E-40dd-AFC4-6F175D3DCCD1}">
-                <a14:hiddenFill xmlns:a14="http://schemas.microsoft.com/office/drawing/2010/main">
+                <a14:hiddenFill xmlns:a14="http://schemas.microsoft.com/office/drawing/2010/main" xmlns="">
                   <a:solidFill>
                     <a:srgbClr val="FFFFFF"/>
                   </a:solidFill>
                 </a14:hiddenFill>
               </a:ext>
               <a:ext uri="{91240B29-F687-4f45-9708-019B960494DF}">
-                <a14:hiddenLine xmlns:a14="http://schemas.microsoft.com/office/drawing/2010/main" w="12700">
+                <a14:hiddenLine xmlns:a14="http://schemas.microsoft.com/office/drawing/2010/main" xmlns="" w="12700">
                   <a:solidFill>
                     <a:schemeClr val="tx1"/>
                   </a:solidFill>
@@ -49659,7 +49653,7 @@
             </a:ln>
             <a:extLst>
               <a:ext uri="{909E8E84-426E-40dd-AFC4-6F175D3DCCD1}">
-                <a14:hiddenFill xmlns:a14="http://schemas.microsoft.com/office/drawing/2010/main">
+                <a14:hiddenFill xmlns:a14="http://schemas.microsoft.com/office/drawing/2010/main" xmlns="">
                   <a:noFill/>
                 </a14:hiddenFill>
               </a:ext>
@@ -49698,7 +49692,7 @@
           </a:ln>
           <a:extLst>
             <a:ext uri="{91240B29-F687-4f45-9708-019B960494DF}">
-              <a14:hiddenLine xmlns:a14="http://schemas.microsoft.com/office/drawing/2010/main" w="25400">
+              <a14:hiddenLine xmlns:a14="http://schemas.microsoft.com/office/drawing/2010/main" xmlns="" w="25400">
                 <a:solidFill>
                   <a:schemeClr val="tx1"/>
                 </a:solidFill>
@@ -50295,7 +50289,7 @@
   <p:timing>
     <p:tnLst>
       <p:par>
-        <p:cTn xmlns:p14="http://schemas.microsoft.com/office/powerpoint/2010/main" id="1" dur="indefinite" restart="never" nodeType="tmRoot"/>
+        <p:cTn id="1" dur="indefinite" restart="never" nodeType="tmRoot"/>
       </p:par>
     </p:tnLst>
   </p:timing>
@@ -50402,14 +50396,14 @@
             </a:ln>
             <a:extLst>
               <a:ext uri="{909E8E84-426E-40dd-AFC4-6F175D3DCCD1}">
-                <a14:hiddenFill xmlns:a14="http://schemas.microsoft.com/office/drawing/2010/main">
+                <a14:hiddenFill xmlns:a14="http://schemas.microsoft.com/office/drawing/2010/main" xmlns="">
                   <a:solidFill>
                     <a:srgbClr val="FFFFFF"/>
                   </a:solidFill>
                 </a14:hiddenFill>
               </a:ext>
               <a:ext uri="{91240B29-F687-4f45-9708-019B960494DF}">
-                <a14:hiddenLine xmlns:a14="http://schemas.microsoft.com/office/drawing/2010/main" w="12700">
+                <a14:hiddenLine xmlns:a14="http://schemas.microsoft.com/office/drawing/2010/main" xmlns="" w="12700">
                   <a:solidFill>
                     <a:schemeClr val="tx1"/>
                   </a:solidFill>
@@ -50448,7 +50442,7 @@
             </a:ln>
             <a:extLst>
               <a:ext uri="{909E8E84-426E-40dd-AFC4-6F175D3DCCD1}">
-                <a14:hiddenFill xmlns:a14="http://schemas.microsoft.com/office/drawing/2010/main">
+                <a14:hiddenFill xmlns:a14="http://schemas.microsoft.com/office/drawing/2010/main" xmlns="">
                   <a:noFill/>
                 </a14:hiddenFill>
               </a:ext>
@@ -50487,7 +50481,7 @@
           </a:ln>
           <a:extLst>
             <a:ext uri="{91240B29-F687-4f45-9708-019B960494DF}">
-              <a14:hiddenLine xmlns:a14="http://schemas.microsoft.com/office/drawing/2010/main" w="25400">
+              <a14:hiddenLine xmlns:a14="http://schemas.microsoft.com/office/drawing/2010/main" xmlns="" w="25400">
                 <a:solidFill>
                   <a:schemeClr val="tx1"/>
                 </a:solidFill>
@@ -51266,7 +51260,7 @@
   <p:timing>
     <p:tnLst>
       <p:par>
-        <p:cTn xmlns:p14="http://schemas.microsoft.com/office/powerpoint/2010/main" id="1" dur="indefinite" restart="never" nodeType="tmRoot"/>
+        <p:cTn id="1" dur="indefinite" restart="never" nodeType="tmRoot"/>
       </p:par>
     </p:tnLst>
   </p:timing>
@@ -51525,7 +51519,7 @@
         <a:effectLst/>
         <a:extLst>
           <a:ext uri="{AF507438-7753-43e0-B8FC-AC1667EBCBE1}">
-            <a14:hiddenEffects xmlns:a14="http://schemas.microsoft.com/office/drawing/2010/main">
+            <a14:hiddenEffects xmlns:a14="http://schemas.microsoft.com/office/drawing/2010/main" xmlns="">
               <a:effectLst>
                 <a:outerShdw dist="35921" dir="2700000" algn="ctr" rotWithShape="0">
                   <a:schemeClr val="bg2"/>
@@ -51603,7 +51597,7 @@
         <a:effectLst/>
         <a:extLst>
           <a:ext uri="{AF507438-7753-43e0-B8FC-AC1667EBCBE1}">
-            <a14:hiddenEffects xmlns:a14="http://schemas.microsoft.com/office/drawing/2010/main">
+            <a14:hiddenEffects xmlns:a14="http://schemas.microsoft.com/office/drawing/2010/main" xmlns="">
               <a:effectLst>
                 <a:outerShdw dist="35921" dir="2700000" algn="ctr" rotWithShape="0">
                   <a:schemeClr val="bg2"/>
@@ -51949,7 +51943,7 @@
         <a:effectLst/>
         <a:extLst>
           <a:ext uri="{AF507438-7753-43e0-B8FC-AC1667EBCBE1}">
-            <a14:hiddenEffects xmlns:a14="http://schemas.microsoft.com/office/drawing/2010/main">
+            <a14:hiddenEffects xmlns:a14="http://schemas.microsoft.com/office/drawing/2010/main" xmlns="">
               <a:effectLst>
                 <a:outerShdw dist="35921" dir="2700000" algn="ctr" rotWithShape="0">
                   <a:schemeClr val="bg2"/>
@@ -52027,7 +52021,7 @@
         <a:effectLst/>
         <a:extLst>
           <a:ext uri="{AF507438-7753-43e0-B8FC-AC1667EBCBE1}">
-            <a14:hiddenEffects xmlns:a14="http://schemas.microsoft.com/office/drawing/2010/main">
+            <a14:hiddenEffects xmlns:a14="http://schemas.microsoft.com/office/drawing/2010/main" xmlns="">
               <a:effectLst>
                 <a:outerShdw dist="35921" dir="2700000" algn="ctr" rotWithShape="0">
                   <a:schemeClr val="bg2"/>
@@ -52373,7 +52367,7 @@
         <a:effectLst/>
         <a:extLst>
           <a:ext uri="{AF507438-7753-43e0-B8FC-AC1667EBCBE1}">
-            <a14:hiddenEffects xmlns:a14="http://schemas.microsoft.com/office/drawing/2010/main">
+            <a14:hiddenEffects xmlns:a14="http://schemas.microsoft.com/office/drawing/2010/main" xmlns="">
               <a:effectLst>
                 <a:outerShdw dist="35921" dir="2700000" algn="ctr" rotWithShape="0">
                   <a:schemeClr val="bg2"/>
@@ -52451,7 +52445,7 @@
         <a:effectLst/>
         <a:extLst>
           <a:ext uri="{AF507438-7753-43e0-B8FC-AC1667EBCBE1}">
-            <a14:hiddenEffects xmlns:a14="http://schemas.microsoft.com/office/drawing/2010/main">
+            <a14:hiddenEffects xmlns:a14="http://schemas.microsoft.com/office/drawing/2010/main" xmlns="">
               <a:effectLst>
                 <a:outerShdw dist="35921" dir="2700000" algn="ctr" rotWithShape="0">
                   <a:schemeClr val="bg2"/>
@@ -52797,7 +52791,7 @@
         <a:effectLst/>
         <a:extLst>
           <a:ext uri="{AF507438-7753-43e0-B8FC-AC1667EBCBE1}">
-            <a14:hiddenEffects xmlns:a14="http://schemas.microsoft.com/office/drawing/2010/main">
+            <a14:hiddenEffects xmlns:a14="http://schemas.microsoft.com/office/drawing/2010/main" xmlns="">
               <a:effectLst>
                 <a:outerShdw dist="35921" dir="2700000" algn="ctr" rotWithShape="0">
                   <a:schemeClr val="bg2"/>
@@ -52875,7 +52869,7 @@
         <a:effectLst/>
         <a:extLst>
           <a:ext uri="{AF507438-7753-43e0-B8FC-AC1667EBCBE1}">
-            <a14:hiddenEffects xmlns:a14="http://schemas.microsoft.com/office/drawing/2010/main">
+            <a14:hiddenEffects xmlns:a14="http://schemas.microsoft.com/office/drawing/2010/main" xmlns="">
               <a:effectLst>
                 <a:outerShdw dist="35921" dir="2700000" algn="ctr" rotWithShape="0">
                   <a:schemeClr val="bg2"/>
@@ -53221,7 +53215,7 @@
         <a:effectLst/>
         <a:extLst>
           <a:ext uri="{AF507438-7753-43e0-B8FC-AC1667EBCBE1}">
-            <a14:hiddenEffects xmlns:a14="http://schemas.microsoft.com/office/drawing/2010/main">
+            <a14:hiddenEffects xmlns:a14="http://schemas.microsoft.com/office/drawing/2010/main" xmlns="">
               <a:effectLst>
                 <a:outerShdw dist="35921" dir="2700000" algn="ctr" rotWithShape="0">
                   <a:schemeClr val="bg2"/>
@@ -53299,7 +53293,7 @@
         <a:effectLst/>
         <a:extLst>
           <a:ext uri="{AF507438-7753-43e0-B8FC-AC1667EBCBE1}">
-            <a14:hiddenEffects xmlns:a14="http://schemas.microsoft.com/office/drawing/2010/main">
+            <a14:hiddenEffects xmlns:a14="http://schemas.microsoft.com/office/drawing/2010/main" xmlns="">
               <a:effectLst>
                 <a:outerShdw dist="35921" dir="2700000" algn="ctr" rotWithShape="0">
                   <a:schemeClr val="bg2"/>
@@ -53645,7 +53639,7 @@
         <a:effectLst/>
         <a:extLst>
           <a:ext uri="{AF507438-7753-43e0-B8FC-AC1667EBCBE1}">
-            <a14:hiddenEffects xmlns:a14="http://schemas.microsoft.com/office/drawing/2010/main">
+            <a14:hiddenEffects xmlns:a14="http://schemas.microsoft.com/office/drawing/2010/main" xmlns="">
               <a:effectLst>
                 <a:outerShdw dist="35921" dir="2700000" algn="ctr" rotWithShape="0">
                   <a:schemeClr val="bg2"/>
@@ -53723,7 +53717,7 @@
         <a:effectLst/>
         <a:extLst>
           <a:ext uri="{AF507438-7753-43e0-B8FC-AC1667EBCBE1}">
-            <a14:hiddenEffects xmlns:a14="http://schemas.microsoft.com/office/drawing/2010/main">
+            <a14:hiddenEffects xmlns:a14="http://schemas.microsoft.com/office/drawing/2010/main" xmlns="">
               <a:effectLst>
                 <a:outerShdw dist="35921" dir="2700000" algn="ctr" rotWithShape="0">
                   <a:schemeClr val="bg2"/>
@@ -54069,7 +54063,7 @@
         <a:effectLst/>
         <a:extLst>
           <a:ext uri="{AF507438-7753-43e0-B8FC-AC1667EBCBE1}">
-            <a14:hiddenEffects xmlns:a14="http://schemas.microsoft.com/office/drawing/2010/main">
+            <a14:hiddenEffects xmlns:a14="http://schemas.microsoft.com/office/drawing/2010/main" xmlns="">
               <a:effectLst>
                 <a:outerShdw dist="35921" dir="2700000" algn="ctr" rotWithShape="0">
                   <a:schemeClr val="bg2"/>
@@ -54147,7 +54141,7 @@
         <a:effectLst/>
         <a:extLst>
           <a:ext uri="{AF507438-7753-43e0-B8FC-AC1667EBCBE1}">
-            <a14:hiddenEffects xmlns:a14="http://schemas.microsoft.com/office/drawing/2010/main">
+            <a14:hiddenEffects xmlns:a14="http://schemas.microsoft.com/office/drawing/2010/main" xmlns="">
               <a:effectLst>
                 <a:outerShdw dist="35921" dir="2700000" algn="ctr" rotWithShape="0">
                   <a:schemeClr val="bg2"/>
@@ -54493,7 +54487,7 @@
         <a:effectLst/>
         <a:extLst>
           <a:ext uri="{AF507438-7753-43e0-B8FC-AC1667EBCBE1}">
-            <a14:hiddenEffects xmlns:a14="http://schemas.microsoft.com/office/drawing/2010/main">
+            <a14:hiddenEffects xmlns:a14="http://schemas.microsoft.com/office/drawing/2010/main" xmlns="">
               <a:effectLst>
                 <a:outerShdw dist="35921" dir="2700000" algn="ctr" rotWithShape="0">
                   <a:schemeClr val="bg2"/>
@@ -54571,7 +54565,7 @@
         <a:effectLst/>
         <a:extLst>
           <a:ext uri="{AF507438-7753-43e0-B8FC-AC1667EBCBE1}">
-            <a14:hiddenEffects xmlns:a14="http://schemas.microsoft.com/office/drawing/2010/main">
+            <a14:hiddenEffects xmlns:a14="http://schemas.microsoft.com/office/drawing/2010/main" xmlns="">
               <a:effectLst>
                 <a:outerShdw dist="35921" dir="2700000" algn="ctr" rotWithShape="0">
                   <a:schemeClr val="bg2"/>
@@ -54917,7 +54911,7 @@
         <a:effectLst/>
         <a:extLst>
           <a:ext uri="{AF507438-7753-43e0-B8FC-AC1667EBCBE1}">
-            <a14:hiddenEffects xmlns:a14="http://schemas.microsoft.com/office/drawing/2010/main">
+            <a14:hiddenEffects xmlns:a14="http://schemas.microsoft.com/office/drawing/2010/main" xmlns="">
               <a:effectLst>
                 <a:outerShdw dist="35921" dir="2700000" algn="ctr" rotWithShape="0">
                   <a:schemeClr val="bg2"/>
@@ -54995,7 +54989,7 @@
         <a:effectLst/>
         <a:extLst>
           <a:ext uri="{AF507438-7753-43e0-B8FC-AC1667EBCBE1}">
-            <a14:hiddenEffects xmlns:a14="http://schemas.microsoft.com/office/drawing/2010/main">
+            <a14:hiddenEffects xmlns:a14="http://schemas.microsoft.com/office/drawing/2010/main" xmlns="">
               <a:effectLst>
                 <a:outerShdw dist="35921" dir="2700000" algn="ctr" rotWithShape="0">
                   <a:schemeClr val="bg2"/>
@@ -55341,7 +55335,7 @@
         <a:effectLst/>
         <a:extLst>
           <a:ext uri="{AF507438-7753-43e0-B8FC-AC1667EBCBE1}">
-            <a14:hiddenEffects xmlns:a14="http://schemas.microsoft.com/office/drawing/2010/main">
+            <a14:hiddenEffects xmlns:a14="http://schemas.microsoft.com/office/drawing/2010/main" xmlns="">
               <a:effectLst>
                 <a:outerShdw dist="35921" dir="2700000" algn="ctr" rotWithShape="0">
                   <a:schemeClr val="bg2"/>
@@ -55419,7 +55413,7 @@
         <a:effectLst/>
         <a:extLst>
           <a:ext uri="{AF507438-7753-43e0-B8FC-AC1667EBCBE1}">
-            <a14:hiddenEffects xmlns:a14="http://schemas.microsoft.com/office/drawing/2010/main">
+            <a14:hiddenEffects xmlns:a14="http://schemas.microsoft.com/office/drawing/2010/main" xmlns="">
               <a:effectLst>
                 <a:outerShdw dist="35921" dir="2700000" algn="ctr" rotWithShape="0">
                   <a:schemeClr val="bg2"/>
@@ -55765,7 +55759,7 @@
         <a:effectLst/>
         <a:extLst>
           <a:ext uri="{AF507438-7753-43e0-B8FC-AC1667EBCBE1}">
-            <a14:hiddenEffects xmlns:a14="http://schemas.microsoft.com/office/drawing/2010/main">
+            <a14:hiddenEffects xmlns:a14="http://schemas.microsoft.com/office/drawing/2010/main" xmlns="">
               <a:effectLst>
                 <a:outerShdw dist="35921" dir="2700000" algn="ctr" rotWithShape="0">
                   <a:schemeClr val="bg2"/>
@@ -55843,7 +55837,7 @@
         <a:effectLst/>
         <a:extLst>
           <a:ext uri="{AF507438-7753-43e0-B8FC-AC1667EBCBE1}">
-            <a14:hiddenEffects xmlns:a14="http://schemas.microsoft.com/office/drawing/2010/main">
+            <a14:hiddenEffects xmlns:a14="http://schemas.microsoft.com/office/drawing/2010/main" xmlns="">
               <a:effectLst>
                 <a:outerShdw dist="35921" dir="2700000" algn="ctr" rotWithShape="0">
                   <a:schemeClr val="bg2"/>
@@ -56189,7 +56183,7 @@
         <a:effectLst/>
         <a:extLst>
           <a:ext uri="{AF507438-7753-43e0-B8FC-AC1667EBCBE1}">
-            <a14:hiddenEffects xmlns:a14="http://schemas.microsoft.com/office/drawing/2010/main">
+            <a14:hiddenEffects xmlns:a14="http://schemas.microsoft.com/office/drawing/2010/main" xmlns="">
               <a:effectLst>
                 <a:outerShdw dist="35921" dir="2700000" algn="ctr" rotWithShape="0">
                   <a:schemeClr val="bg2"/>
@@ -56267,7 +56261,7 @@
         <a:effectLst/>
         <a:extLst>
           <a:ext uri="{AF507438-7753-43e0-B8FC-AC1667EBCBE1}">
-            <a14:hiddenEffects xmlns:a14="http://schemas.microsoft.com/office/drawing/2010/main">
+            <a14:hiddenEffects xmlns:a14="http://schemas.microsoft.com/office/drawing/2010/main" xmlns="">
               <a:effectLst>
                 <a:outerShdw dist="35921" dir="2700000" algn="ctr" rotWithShape="0">
                   <a:schemeClr val="bg2"/>
@@ -56613,7 +56607,7 @@
         <a:effectLst/>
         <a:extLst>
           <a:ext uri="{AF507438-7753-43e0-B8FC-AC1667EBCBE1}">
-            <a14:hiddenEffects xmlns:a14="http://schemas.microsoft.com/office/drawing/2010/main">
+            <a14:hiddenEffects xmlns:a14="http://schemas.microsoft.com/office/drawing/2010/main" xmlns="">
               <a:effectLst>
                 <a:outerShdw dist="35921" dir="2700000" algn="ctr" rotWithShape="0">
                   <a:schemeClr val="bg2"/>
@@ -56691,7 +56685,7 @@
         <a:effectLst/>
         <a:extLst>
           <a:ext uri="{AF507438-7753-43e0-B8FC-AC1667EBCBE1}">
-            <a14:hiddenEffects xmlns:a14="http://schemas.microsoft.com/office/drawing/2010/main">
+            <a14:hiddenEffects xmlns:a14="http://schemas.microsoft.com/office/drawing/2010/main" xmlns="">
               <a:effectLst>
                 <a:outerShdw dist="35921" dir="2700000" algn="ctr" rotWithShape="0">
                   <a:schemeClr val="bg2"/>

--- a/Lezioni_5_6_7/Lezione_5/Slide.pptx
+++ b/Lezioni_5_6_7/Lezione_5/Slide.pptx
@@ -28082,14 +28082,14 @@
           <a:effectLst/>
           <a:extLst>
             <a:ext uri="{909E8E84-426E-40dd-AFC4-6F175D3DCCD1}">
-              <a14:hiddenFill xmlns:a14="http://schemas.microsoft.com/office/drawing/2010/main" xmlns="">
+              <a14:hiddenFill xmlns="" xmlns:a14="http://schemas.microsoft.com/office/drawing/2010/main">
                 <a:solidFill>
                   <a:srgbClr val="FFFFFF"/>
                 </a:solidFill>
               </a14:hiddenFill>
             </a:ext>
             <a:ext uri="{91240B29-F687-4f45-9708-019B960494DF}">
-              <a14:hiddenLine xmlns:a14="http://schemas.microsoft.com/office/drawing/2010/main" xmlns="" w="12700">
+              <a14:hiddenLine xmlns="" xmlns:a14="http://schemas.microsoft.com/office/drawing/2010/main" w="12700">
                 <a:solidFill>
                   <a:schemeClr val="tx1"/>
                 </a:solidFill>
@@ -28099,7 +28099,7 @@
               </a14:hiddenLine>
             </a:ext>
             <a:ext uri="{AF507438-7753-43e0-B8FC-AC1667EBCBE1}">
-              <a14:hiddenEffects xmlns:a14="http://schemas.microsoft.com/office/drawing/2010/main" xmlns="">
+              <a14:hiddenEffects xmlns="" xmlns:a14="http://schemas.microsoft.com/office/drawing/2010/main">
                 <a:effectLst>
                   <a:outerShdw dist="35921" dir="2700000" algn="ctr" rotWithShape="0">
                     <a:srgbClr val="808080"/>
@@ -28152,14 +28152,14 @@
           <a:effectLst/>
           <a:extLst>
             <a:ext uri="{909E8E84-426E-40dd-AFC4-6F175D3DCCD1}">
-              <a14:hiddenFill xmlns:a14="http://schemas.microsoft.com/office/drawing/2010/main" xmlns="">
+              <a14:hiddenFill xmlns="" xmlns:a14="http://schemas.microsoft.com/office/drawing/2010/main">
                 <a:solidFill>
                   <a:srgbClr val="FFFFFF"/>
                 </a:solidFill>
               </a14:hiddenFill>
             </a:ext>
             <a:ext uri="{91240B29-F687-4f45-9708-019B960494DF}">
-              <a14:hiddenLine xmlns:a14="http://schemas.microsoft.com/office/drawing/2010/main" xmlns="" w="12700">
+              <a14:hiddenLine xmlns="" xmlns:a14="http://schemas.microsoft.com/office/drawing/2010/main" w="12700">
                 <a:solidFill>
                   <a:schemeClr val="tx1"/>
                 </a:solidFill>
@@ -28169,7 +28169,7 @@
               </a14:hiddenLine>
             </a:ext>
             <a:ext uri="{AF507438-7753-43e0-B8FC-AC1667EBCBE1}">
-              <a14:hiddenEffects xmlns:a14="http://schemas.microsoft.com/office/drawing/2010/main" xmlns="">
+              <a14:hiddenEffects xmlns="" xmlns:a14="http://schemas.microsoft.com/office/drawing/2010/main">
                 <a:effectLst>
                   <a:outerShdw dist="35921" dir="2700000" algn="ctr" rotWithShape="0">
                     <a:srgbClr val="808080"/>
@@ -28258,14 +28258,14 @@
           <a:effectLst/>
           <a:extLst>
             <a:ext uri="{909E8E84-426E-40dd-AFC4-6F175D3DCCD1}">
-              <a14:hiddenFill xmlns:a14="http://schemas.microsoft.com/office/drawing/2010/main" xmlns="">
+              <a14:hiddenFill xmlns="" xmlns:a14="http://schemas.microsoft.com/office/drawing/2010/main">
                 <a:solidFill>
                   <a:srgbClr val="FFFFFF"/>
                 </a:solidFill>
               </a14:hiddenFill>
             </a:ext>
             <a:ext uri="{91240B29-F687-4f45-9708-019B960494DF}">
-              <a14:hiddenLine xmlns:a14="http://schemas.microsoft.com/office/drawing/2010/main" xmlns="" w="12700">
+              <a14:hiddenLine xmlns="" xmlns:a14="http://schemas.microsoft.com/office/drawing/2010/main" w="12700">
                 <a:solidFill>
                   <a:schemeClr val="tx1"/>
                 </a:solidFill>
@@ -28275,7 +28275,7 @@
               </a14:hiddenLine>
             </a:ext>
             <a:ext uri="{AF507438-7753-43e0-B8FC-AC1667EBCBE1}">
-              <a14:hiddenEffects xmlns:a14="http://schemas.microsoft.com/office/drawing/2010/main" xmlns="">
+              <a14:hiddenEffects xmlns="" xmlns:a14="http://schemas.microsoft.com/office/drawing/2010/main">
                 <a:effectLst>
                   <a:outerShdw dist="35921" dir="2700000" algn="ctr" rotWithShape="0">
                     <a:srgbClr val="808080"/>
@@ -28963,14 +28963,14 @@
             </a:ln>
             <a:extLst>
               <a:ext uri="{909E8E84-426E-40dd-AFC4-6F175D3DCCD1}">
-                <a14:hiddenFill xmlns:a14="http://schemas.microsoft.com/office/drawing/2010/main" xmlns="">
+                <a14:hiddenFill xmlns="" xmlns:a14="http://schemas.microsoft.com/office/drawing/2010/main">
                   <a:solidFill>
                     <a:srgbClr val="FFFFFF"/>
                   </a:solidFill>
                 </a14:hiddenFill>
               </a:ext>
               <a:ext uri="{91240B29-F687-4f45-9708-019B960494DF}">
-                <a14:hiddenLine xmlns:a14="http://schemas.microsoft.com/office/drawing/2010/main" xmlns="" w="12700">
+                <a14:hiddenLine xmlns="" xmlns:a14="http://schemas.microsoft.com/office/drawing/2010/main" w="12700">
                   <a:solidFill>
                     <a:schemeClr val="tx1"/>
                   </a:solidFill>
@@ -29009,7 +29009,7 @@
             </a:ln>
             <a:extLst>
               <a:ext uri="{909E8E84-426E-40dd-AFC4-6F175D3DCCD1}">
-                <a14:hiddenFill xmlns:a14="http://schemas.microsoft.com/office/drawing/2010/main" xmlns="">
+                <a14:hiddenFill xmlns="" xmlns:a14="http://schemas.microsoft.com/office/drawing/2010/main">
                   <a:noFill/>
                 </a14:hiddenFill>
               </a:ext>
@@ -29049,14 +29049,14 @@
           <a:effectLst/>
           <a:extLst>
             <a:ext uri="{909E8E84-426E-40dd-AFC4-6F175D3DCCD1}">
-              <a14:hiddenFill xmlns:a14="http://schemas.microsoft.com/office/drawing/2010/main" xmlns="">
+              <a14:hiddenFill xmlns="" xmlns:a14="http://schemas.microsoft.com/office/drawing/2010/main">
                 <a:solidFill>
                   <a:srgbClr val="FFFFFF"/>
                 </a:solidFill>
               </a14:hiddenFill>
             </a:ext>
             <a:ext uri="{91240B29-F687-4f45-9708-019B960494DF}">
-              <a14:hiddenLine xmlns:a14="http://schemas.microsoft.com/office/drawing/2010/main" xmlns="" w="12700">
+              <a14:hiddenLine xmlns="" xmlns:a14="http://schemas.microsoft.com/office/drawing/2010/main" w="12700">
                 <a:solidFill>
                   <a:schemeClr val="tx1"/>
                 </a:solidFill>
@@ -29066,7 +29066,7 @@
               </a14:hiddenLine>
             </a:ext>
             <a:ext uri="{AF507438-7753-43e0-B8FC-AC1667EBCBE1}">
-              <a14:hiddenEffects xmlns:a14="http://schemas.microsoft.com/office/drawing/2010/main" xmlns="">
+              <a14:hiddenEffects xmlns="" xmlns:a14="http://schemas.microsoft.com/office/drawing/2010/main">
                 <a:effectLst>
                   <a:outerShdw dist="35921" dir="2700000" algn="ctr" rotWithShape="0">
                     <a:srgbClr val="808080"/>
@@ -29119,14 +29119,14 @@
           <a:effectLst/>
           <a:extLst>
             <a:ext uri="{909E8E84-426E-40dd-AFC4-6F175D3DCCD1}">
-              <a14:hiddenFill xmlns:a14="http://schemas.microsoft.com/office/drawing/2010/main" xmlns="">
+              <a14:hiddenFill xmlns="" xmlns:a14="http://schemas.microsoft.com/office/drawing/2010/main">
                 <a:solidFill>
                   <a:srgbClr val="FFFFFF"/>
                 </a:solidFill>
               </a14:hiddenFill>
             </a:ext>
             <a:ext uri="{91240B29-F687-4f45-9708-019B960494DF}">
-              <a14:hiddenLine xmlns:a14="http://schemas.microsoft.com/office/drawing/2010/main" xmlns="" w="12700">
+              <a14:hiddenLine xmlns="" xmlns:a14="http://schemas.microsoft.com/office/drawing/2010/main" w="12700">
                 <a:solidFill>
                   <a:schemeClr val="tx1"/>
                 </a:solidFill>
@@ -29136,7 +29136,7 @@
               </a14:hiddenLine>
             </a:ext>
             <a:ext uri="{AF507438-7753-43e0-B8FC-AC1667EBCBE1}">
-              <a14:hiddenEffects xmlns:a14="http://schemas.microsoft.com/office/drawing/2010/main" xmlns="">
+              <a14:hiddenEffects xmlns="" xmlns:a14="http://schemas.microsoft.com/office/drawing/2010/main">
                 <a:effectLst>
                   <a:outerShdw dist="35921" dir="2700000" algn="ctr" rotWithShape="0">
                     <a:srgbClr val="808080"/>
@@ -29225,14 +29225,14 @@
           <a:effectLst/>
           <a:extLst>
             <a:ext uri="{909E8E84-426E-40dd-AFC4-6F175D3DCCD1}">
-              <a14:hiddenFill xmlns:a14="http://schemas.microsoft.com/office/drawing/2010/main" xmlns="">
+              <a14:hiddenFill xmlns="" xmlns:a14="http://schemas.microsoft.com/office/drawing/2010/main">
                 <a:solidFill>
                   <a:srgbClr val="FFFFFF"/>
                 </a:solidFill>
               </a14:hiddenFill>
             </a:ext>
             <a:ext uri="{91240B29-F687-4f45-9708-019B960494DF}">
-              <a14:hiddenLine xmlns:a14="http://schemas.microsoft.com/office/drawing/2010/main" xmlns="" w="12700">
+              <a14:hiddenLine xmlns="" xmlns:a14="http://schemas.microsoft.com/office/drawing/2010/main" w="12700">
                 <a:solidFill>
                   <a:schemeClr val="tx1"/>
                 </a:solidFill>
@@ -29242,7 +29242,7 @@
               </a14:hiddenLine>
             </a:ext>
             <a:ext uri="{AF507438-7753-43e0-B8FC-AC1667EBCBE1}">
-              <a14:hiddenEffects xmlns:a14="http://schemas.microsoft.com/office/drawing/2010/main" xmlns="">
+              <a14:hiddenEffects xmlns="" xmlns:a14="http://schemas.microsoft.com/office/drawing/2010/main">
                 <a:effectLst>
                   <a:outerShdw dist="35921" dir="2700000" algn="ctr" rotWithShape="0">
                     <a:srgbClr val="808080"/>
@@ -29398,7 +29398,7 @@
           </a:ln>
           <a:extLst>
             <a:ext uri="{91240B29-F687-4f45-9708-019B960494DF}">
-              <a14:hiddenLine xmlns:a14="http://schemas.microsoft.com/office/drawing/2010/main" xmlns="" w="25400">
+              <a14:hiddenLine xmlns="" xmlns:a14="http://schemas.microsoft.com/office/drawing/2010/main" w="25400">
                 <a:solidFill>
                   <a:schemeClr val="tx1"/>
                 </a:solidFill>
@@ -29452,14 +29452,14 @@
           </a:ln>
           <a:extLst>
             <a:ext uri="{909E8E84-426E-40dd-AFC4-6F175D3DCCD1}">
-              <a14:hiddenFill xmlns:a14="http://schemas.microsoft.com/office/drawing/2010/main" xmlns="">
+              <a14:hiddenFill xmlns="" xmlns:a14="http://schemas.microsoft.com/office/drawing/2010/main">
                 <a:solidFill>
                   <a:srgbClr val="FFFFFF"/>
                 </a:solidFill>
               </a14:hiddenFill>
             </a:ext>
             <a:ext uri="{91240B29-F687-4f45-9708-019B960494DF}">
-              <a14:hiddenLine xmlns:a14="http://schemas.microsoft.com/office/drawing/2010/main" xmlns="" w="12700">
+              <a14:hiddenLine xmlns="" xmlns:a14="http://schemas.microsoft.com/office/drawing/2010/main" w="12700">
                 <a:solidFill>
                   <a:schemeClr val="tx1"/>
                 </a:solidFill>
@@ -30008,7 +30008,7 @@
           </a:ln>
           <a:extLst>
             <a:ext uri="{91240B29-F687-4f45-9708-019B960494DF}">
-              <a14:hiddenLine xmlns:a14="http://schemas.microsoft.com/office/drawing/2010/main" xmlns="" w="25400">
+              <a14:hiddenLine xmlns="" xmlns:a14="http://schemas.microsoft.com/office/drawing/2010/main" w="25400">
                 <a:solidFill>
                   <a:schemeClr val="tx1"/>
                 </a:solidFill>
@@ -30052,14 +30052,14 @@
           <a:effectLst/>
           <a:extLst>
             <a:ext uri="{909E8E84-426E-40dd-AFC4-6F175D3DCCD1}">
-              <a14:hiddenFill xmlns:a14="http://schemas.microsoft.com/office/drawing/2010/main" xmlns="">
+              <a14:hiddenFill xmlns="" xmlns:a14="http://schemas.microsoft.com/office/drawing/2010/main">
                 <a:solidFill>
                   <a:srgbClr val="FFFFFF"/>
                 </a:solidFill>
               </a14:hiddenFill>
             </a:ext>
             <a:ext uri="{91240B29-F687-4f45-9708-019B960494DF}">
-              <a14:hiddenLine xmlns:a14="http://schemas.microsoft.com/office/drawing/2010/main" xmlns="" w="12700">
+              <a14:hiddenLine xmlns="" xmlns:a14="http://schemas.microsoft.com/office/drawing/2010/main" w="12700">
                 <a:solidFill>
                   <a:schemeClr val="tx1"/>
                 </a:solidFill>
@@ -30069,7 +30069,7 @@
               </a14:hiddenLine>
             </a:ext>
             <a:ext uri="{AF507438-7753-43e0-B8FC-AC1667EBCBE1}">
-              <a14:hiddenEffects xmlns:a14="http://schemas.microsoft.com/office/drawing/2010/main" xmlns="">
+              <a14:hiddenEffects xmlns="" xmlns:a14="http://schemas.microsoft.com/office/drawing/2010/main">
                 <a:effectLst>
                   <a:outerShdw dist="35921" dir="2700000" algn="ctr" rotWithShape="0">
                     <a:srgbClr val="808080"/>
@@ -30122,14 +30122,14 @@
           <a:effectLst/>
           <a:extLst>
             <a:ext uri="{909E8E84-426E-40dd-AFC4-6F175D3DCCD1}">
-              <a14:hiddenFill xmlns:a14="http://schemas.microsoft.com/office/drawing/2010/main" xmlns="">
+              <a14:hiddenFill xmlns="" xmlns:a14="http://schemas.microsoft.com/office/drawing/2010/main">
                 <a:solidFill>
                   <a:srgbClr val="FFFFFF"/>
                 </a:solidFill>
               </a14:hiddenFill>
             </a:ext>
             <a:ext uri="{91240B29-F687-4f45-9708-019B960494DF}">
-              <a14:hiddenLine xmlns:a14="http://schemas.microsoft.com/office/drawing/2010/main" xmlns="" w="12700">
+              <a14:hiddenLine xmlns="" xmlns:a14="http://schemas.microsoft.com/office/drawing/2010/main" w="12700">
                 <a:solidFill>
                   <a:schemeClr val="tx1"/>
                 </a:solidFill>
@@ -30139,7 +30139,7 @@
               </a14:hiddenLine>
             </a:ext>
             <a:ext uri="{AF507438-7753-43e0-B8FC-AC1667EBCBE1}">
-              <a14:hiddenEffects xmlns:a14="http://schemas.microsoft.com/office/drawing/2010/main" xmlns="">
+              <a14:hiddenEffects xmlns="" xmlns:a14="http://schemas.microsoft.com/office/drawing/2010/main">
                 <a:effectLst>
                   <a:outerShdw dist="35921" dir="2700000" algn="ctr" rotWithShape="0">
                     <a:srgbClr val="808080"/>
@@ -30238,14 +30238,14 @@
           </a:ln>
           <a:extLst>
             <a:ext uri="{909E8E84-426E-40dd-AFC4-6F175D3DCCD1}">
-              <a14:hiddenFill xmlns:a14="http://schemas.microsoft.com/office/drawing/2010/main" xmlns="">
+              <a14:hiddenFill xmlns="" xmlns:a14="http://schemas.microsoft.com/office/drawing/2010/main">
                 <a:solidFill>
                   <a:srgbClr val="FFFFFF"/>
                 </a:solidFill>
               </a14:hiddenFill>
             </a:ext>
             <a:ext uri="{91240B29-F687-4f45-9708-019B960494DF}">
-              <a14:hiddenLine xmlns:a14="http://schemas.microsoft.com/office/drawing/2010/main" xmlns="" w="12700">
+              <a14:hiddenLine xmlns="" xmlns:a14="http://schemas.microsoft.com/office/drawing/2010/main" w="12700">
                 <a:solidFill>
                   <a:schemeClr val="tx1"/>
                 </a:solidFill>
@@ -30282,14 +30282,14 @@
           <a:effectLst/>
           <a:extLst>
             <a:ext uri="{909E8E84-426E-40dd-AFC4-6F175D3DCCD1}">
-              <a14:hiddenFill xmlns:a14="http://schemas.microsoft.com/office/drawing/2010/main" xmlns="">
+              <a14:hiddenFill xmlns="" xmlns:a14="http://schemas.microsoft.com/office/drawing/2010/main">
                 <a:solidFill>
                   <a:srgbClr val="FFFFFF"/>
                 </a:solidFill>
               </a14:hiddenFill>
             </a:ext>
             <a:ext uri="{91240B29-F687-4f45-9708-019B960494DF}">
-              <a14:hiddenLine xmlns:a14="http://schemas.microsoft.com/office/drawing/2010/main" xmlns="" w="12700">
+              <a14:hiddenLine xmlns="" xmlns:a14="http://schemas.microsoft.com/office/drawing/2010/main" w="12700">
                 <a:solidFill>
                   <a:schemeClr val="tx1"/>
                 </a:solidFill>
@@ -30299,7 +30299,7 @@
               </a14:hiddenLine>
             </a:ext>
             <a:ext uri="{AF507438-7753-43e0-B8FC-AC1667EBCBE1}">
-              <a14:hiddenEffects xmlns:a14="http://schemas.microsoft.com/office/drawing/2010/main" xmlns="">
+              <a14:hiddenEffects xmlns="" xmlns:a14="http://schemas.microsoft.com/office/drawing/2010/main">
                 <a:effectLst>
                   <a:outerShdw dist="35921" dir="2700000" algn="ctr" rotWithShape="0">
                     <a:srgbClr val="808080"/>
@@ -30466,14 +30466,14 @@
           </a:ln>
           <a:extLst>
             <a:ext uri="{909E8E84-426E-40dd-AFC4-6F175D3DCCD1}">
-              <a14:hiddenFill xmlns:a14="http://schemas.microsoft.com/office/drawing/2010/main" xmlns="">
+              <a14:hiddenFill xmlns="" xmlns:a14="http://schemas.microsoft.com/office/drawing/2010/main">
                 <a:solidFill>
                   <a:srgbClr val="FFFFFF"/>
                 </a:solidFill>
               </a14:hiddenFill>
             </a:ext>
             <a:ext uri="{91240B29-F687-4f45-9708-019B960494DF}">
-              <a14:hiddenLine xmlns:a14="http://schemas.microsoft.com/office/drawing/2010/main" xmlns="" w="12700">
+              <a14:hiddenLine xmlns="" xmlns:a14="http://schemas.microsoft.com/office/drawing/2010/main" w="12700">
                 <a:solidFill>
                   <a:schemeClr val="tx1"/>
                 </a:solidFill>
@@ -31023,7 +31023,7 @@
           </a:ln>
           <a:extLst>
             <a:ext uri="{91240B29-F687-4f45-9708-019B960494DF}">
-              <a14:hiddenLine xmlns:a14="http://schemas.microsoft.com/office/drawing/2010/main" xmlns="" w="25400">
+              <a14:hiddenLine xmlns="" xmlns:a14="http://schemas.microsoft.com/office/drawing/2010/main" w="25400">
                 <a:solidFill>
                   <a:schemeClr val="tx1"/>
                 </a:solidFill>
@@ -31067,14 +31067,14 @@
           <a:effectLst/>
           <a:extLst>
             <a:ext uri="{909E8E84-426E-40dd-AFC4-6F175D3DCCD1}">
-              <a14:hiddenFill xmlns:a14="http://schemas.microsoft.com/office/drawing/2010/main" xmlns="">
+              <a14:hiddenFill xmlns="" xmlns:a14="http://schemas.microsoft.com/office/drawing/2010/main">
                 <a:solidFill>
                   <a:srgbClr val="FFFFFF"/>
                 </a:solidFill>
               </a14:hiddenFill>
             </a:ext>
             <a:ext uri="{91240B29-F687-4f45-9708-019B960494DF}">
-              <a14:hiddenLine xmlns:a14="http://schemas.microsoft.com/office/drawing/2010/main" xmlns="" w="12700">
+              <a14:hiddenLine xmlns="" xmlns:a14="http://schemas.microsoft.com/office/drawing/2010/main" w="12700">
                 <a:solidFill>
                   <a:schemeClr val="tx1"/>
                 </a:solidFill>
@@ -31084,7 +31084,7 @@
               </a14:hiddenLine>
             </a:ext>
             <a:ext uri="{AF507438-7753-43e0-B8FC-AC1667EBCBE1}">
-              <a14:hiddenEffects xmlns:a14="http://schemas.microsoft.com/office/drawing/2010/main" xmlns="">
+              <a14:hiddenEffects xmlns="" xmlns:a14="http://schemas.microsoft.com/office/drawing/2010/main">
                 <a:effectLst>
                   <a:outerShdw dist="35921" dir="2700000" algn="ctr" rotWithShape="0">
                     <a:srgbClr val="808080"/>
@@ -31267,14 +31267,14 @@
             </a:ln>
             <a:extLst>
               <a:ext uri="{909E8E84-426E-40dd-AFC4-6F175D3DCCD1}">
-                <a14:hiddenFill xmlns:a14="http://schemas.microsoft.com/office/drawing/2010/main" xmlns="">
+                <a14:hiddenFill xmlns="" xmlns:a14="http://schemas.microsoft.com/office/drawing/2010/main">
                   <a:solidFill>
                     <a:srgbClr val="FFFFFF"/>
                   </a:solidFill>
                 </a14:hiddenFill>
               </a:ext>
               <a:ext uri="{91240B29-F687-4f45-9708-019B960494DF}">
-                <a14:hiddenLine xmlns:a14="http://schemas.microsoft.com/office/drawing/2010/main" xmlns="" w="12700">
+                <a14:hiddenLine xmlns="" xmlns:a14="http://schemas.microsoft.com/office/drawing/2010/main" w="12700">
                   <a:solidFill>
                     <a:schemeClr val="tx1"/>
                   </a:solidFill>
@@ -31313,7 +31313,7 @@
             </a:ln>
             <a:extLst>
               <a:ext uri="{909E8E84-426E-40dd-AFC4-6F175D3DCCD1}">
-                <a14:hiddenFill xmlns:a14="http://schemas.microsoft.com/office/drawing/2010/main" xmlns="">
+                <a14:hiddenFill xmlns="" xmlns:a14="http://schemas.microsoft.com/office/drawing/2010/main">
                   <a:noFill/>
                 </a14:hiddenFill>
               </a:ext>
@@ -31866,14 +31866,14 @@
             </a:ln>
             <a:extLst>
               <a:ext uri="{909E8E84-426E-40dd-AFC4-6F175D3DCCD1}">
-                <a14:hiddenFill xmlns:a14="http://schemas.microsoft.com/office/drawing/2010/main" xmlns="">
+                <a14:hiddenFill xmlns="" xmlns:a14="http://schemas.microsoft.com/office/drawing/2010/main">
                   <a:solidFill>
                     <a:srgbClr val="FFFFFF"/>
                   </a:solidFill>
                 </a14:hiddenFill>
               </a:ext>
               <a:ext uri="{91240B29-F687-4f45-9708-019B960494DF}">
-                <a14:hiddenLine xmlns:a14="http://schemas.microsoft.com/office/drawing/2010/main" xmlns="" w="12700">
+                <a14:hiddenLine xmlns="" xmlns:a14="http://schemas.microsoft.com/office/drawing/2010/main" w="12700">
                   <a:solidFill>
                     <a:schemeClr val="tx1"/>
                   </a:solidFill>
@@ -31912,7 +31912,7 @@
             </a:ln>
             <a:extLst>
               <a:ext uri="{909E8E84-426E-40dd-AFC4-6F175D3DCCD1}">
-                <a14:hiddenFill xmlns:a14="http://schemas.microsoft.com/office/drawing/2010/main" xmlns="">
+                <a14:hiddenFill xmlns="" xmlns:a14="http://schemas.microsoft.com/office/drawing/2010/main">
                   <a:noFill/>
                 </a14:hiddenFill>
               </a:ext>
@@ -31952,14 +31952,14 @@
           <a:effectLst/>
           <a:extLst>
             <a:ext uri="{909E8E84-426E-40dd-AFC4-6F175D3DCCD1}">
-              <a14:hiddenFill xmlns:a14="http://schemas.microsoft.com/office/drawing/2010/main" xmlns="">
+              <a14:hiddenFill xmlns="" xmlns:a14="http://schemas.microsoft.com/office/drawing/2010/main">
                 <a:solidFill>
                   <a:srgbClr val="FFFFFF"/>
                 </a:solidFill>
               </a14:hiddenFill>
             </a:ext>
             <a:ext uri="{91240B29-F687-4f45-9708-019B960494DF}">
-              <a14:hiddenLine xmlns:a14="http://schemas.microsoft.com/office/drawing/2010/main" xmlns="" w="12700">
+              <a14:hiddenLine xmlns="" xmlns:a14="http://schemas.microsoft.com/office/drawing/2010/main" w="12700">
                 <a:solidFill>
                   <a:schemeClr val="tx1"/>
                 </a:solidFill>
@@ -31969,7 +31969,7 @@
               </a14:hiddenLine>
             </a:ext>
             <a:ext uri="{AF507438-7753-43e0-B8FC-AC1667EBCBE1}">
-              <a14:hiddenEffects xmlns:a14="http://schemas.microsoft.com/office/drawing/2010/main" xmlns="">
+              <a14:hiddenEffects xmlns="" xmlns:a14="http://schemas.microsoft.com/office/drawing/2010/main">
                 <a:effectLst>
                   <a:outerShdw dist="35921" dir="2700000" algn="ctr" rotWithShape="0">
                     <a:srgbClr val="808080"/>
@@ -32022,14 +32022,14 @@
           <a:effectLst/>
           <a:extLst>
             <a:ext uri="{909E8E84-426E-40dd-AFC4-6F175D3DCCD1}">
-              <a14:hiddenFill xmlns:a14="http://schemas.microsoft.com/office/drawing/2010/main" xmlns="">
+              <a14:hiddenFill xmlns="" xmlns:a14="http://schemas.microsoft.com/office/drawing/2010/main">
                 <a:solidFill>
                   <a:srgbClr val="FFFFFF"/>
                 </a:solidFill>
               </a14:hiddenFill>
             </a:ext>
             <a:ext uri="{91240B29-F687-4f45-9708-019B960494DF}">
-              <a14:hiddenLine xmlns:a14="http://schemas.microsoft.com/office/drawing/2010/main" xmlns="" w="12700">
+              <a14:hiddenLine xmlns="" xmlns:a14="http://schemas.microsoft.com/office/drawing/2010/main" w="12700">
                 <a:solidFill>
                   <a:schemeClr val="tx1"/>
                 </a:solidFill>
@@ -32039,7 +32039,7 @@
               </a14:hiddenLine>
             </a:ext>
             <a:ext uri="{AF507438-7753-43e0-B8FC-AC1667EBCBE1}">
-              <a14:hiddenEffects xmlns:a14="http://schemas.microsoft.com/office/drawing/2010/main" xmlns="">
+              <a14:hiddenEffects xmlns="" xmlns:a14="http://schemas.microsoft.com/office/drawing/2010/main">
                 <a:effectLst>
                   <a:outerShdw dist="35921" dir="2700000" algn="ctr" rotWithShape="0">
                     <a:srgbClr val="808080"/>
@@ -32128,14 +32128,14 @@
           <a:effectLst/>
           <a:extLst>
             <a:ext uri="{909E8E84-426E-40dd-AFC4-6F175D3DCCD1}">
-              <a14:hiddenFill xmlns:a14="http://schemas.microsoft.com/office/drawing/2010/main" xmlns="">
+              <a14:hiddenFill xmlns="" xmlns:a14="http://schemas.microsoft.com/office/drawing/2010/main">
                 <a:solidFill>
                   <a:srgbClr val="FFFFFF"/>
                 </a:solidFill>
               </a14:hiddenFill>
             </a:ext>
             <a:ext uri="{91240B29-F687-4f45-9708-019B960494DF}">
-              <a14:hiddenLine xmlns:a14="http://schemas.microsoft.com/office/drawing/2010/main" xmlns="" w="12700">
+              <a14:hiddenLine xmlns="" xmlns:a14="http://schemas.microsoft.com/office/drawing/2010/main" w="12700">
                 <a:solidFill>
                   <a:schemeClr val="tx1"/>
                 </a:solidFill>
@@ -32145,7 +32145,7 @@
               </a14:hiddenLine>
             </a:ext>
             <a:ext uri="{AF507438-7753-43e0-B8FC-AC1667EBCBE1}">
-              <a14:hiddenEffects xmlns:a14="http://schemas.microsoft.com/office/drawing/2010/main" xmlns="">
+              <a14:hiddenEffects xmlns="" xmlns:a14="http://schemas.microsoft.com/office/drawing/2010/main">
                 <a:effectLst>
                   <a:outerShdw dist="35921" dir="2700000" algn="ctr" rotWithShape="0">
                     <a:srgbClr val="808080"/>
@@ -32301,7 +32301,7 @@
           </a:ln>
           <a:extLst>
             <a:ext uri="{91240B29-F687-4f45-9708-019B960494DF}">
-              <a14:hiddenLine xmlns:a14="http://schemas.microsoft.com/office/drawing/2010/main" xmlns="" w="25400">
+              <a14:hiddenLine xmlns="" xmlns:a14="http://schemas.microsoft.com/office/drawing/2010/main" w="25400">
                 <a:solidFill>
                   <a:schemeClr val="tx1"/>
                 </a:solidFill>
@@ -32355,14 +32355,14 @@
           </a:ln>
           <a:extLst>
             <a:ext uri="{909E8E84-426E-40dd-AFC4-6F175D3DCCD1}">
-              <a14:hiddenFill xmlns:a14="http://schemas.microsoft.com/office/drawing/2010/main" xmlns="">
+              <a14:hiddenFill xmlns="" xmlns:a14="http://schemas.microsoft.com/office/drawing/2010/main">
                 <a:solidFill>
                   <a:srgbClr val="FFFFFF"/>
                 </a:solidFill>
               </a14:hiddenFill>
             </a:ext>
             <a:ext uri="{91240B29-F687-4f45-9708-019B960494DF}">
-              <a14:hiddenLine xmlns:a14="http://schemas.microsoft.com/office/drawing/2010/main" xmlns="" w="12700">
+              <a14:hiddenLine xmlns="" xmlns:a14="http://schemas.microsoft.com/office/drawing/2010/main" w="12700">
                 <a:solidFill>
                   <a:schemeClr val="tx1"/>
                 </a:solidFill>
@@ -32903,7 +32903,7 @@
           </a:ln>
           <a:extLst>
             <a:ext uri="{91240B29-F687-4f45-9708-019B960494DF}">
-              <a14:hiddenLine xmlns:a14="http://schemas.microsoft.com/office/drawing/2010/main" xmlns="" w="25400">
+              <a14:hiddenLine xmlns="" xmlns:a14="http://schemas.microsoft.com/office/drawing/2010/main" w="25400">
                 <a:solidFill>
                   <a:schemeClr val="tx1"/>
                 </a:solidFill>
@@ -32947,14 +32947,14 @@
           <a:effectLst/>
           <a:extLst>
             <a:ext uri="{909E8E84-426E-40dd-AFC4-6F175D3DCCD1}">
-              <a14:hiddenFill xmlns:a14="http://schemas.microsoft.com/office/drawing/2010/main" xmlns="">
+              <a14:hiddenFill xmlns="" xmlns:a14="http://schemas.microsoft.com/office/drawing/2010/main">
                 <a:solidFill>
                   <a:srgbClr val="FFFFFF"/>
                 </a:solidFill>
               </a14:hiddenFill>
             </a:ext>
             <a:ext uri="{91240B29-F687-4f45-9708-019B960494DF}">
-              <a14:hiddenLine xmlns:a14="http://schemas.microsoft.com/office/drawing/2010/main" xmlns="" w="12700">
+              <a14:hiddenLine xmlns="" xmlns:a14="http://schemas.microsoft.com/office/drawing/2010/main" w="12700">
                 <a:solidFill>
                   <a:schemeClr val="tx1"/>
                 </a:solidFill>
@@ -32964,7 +32964,7 @@
               </a14:hiddenLine>
             </a:ext>
             <a:ext uri="{AF507438-7753-43e0-B8FC-AC1667EBCBE1}">
-              <a14:hiddenEffects xmlns:a14="http://schemas.microsoft.com/office/drawing/2010/main" xmlns="">
+              <a14:hiddenEffects xmlns="" xmlns:a14="http://schemas.microsoft.com/office/drawing/2010/main">
                 <a:effectLst>
                   <a:outerShdw dist="35921" dir="2700000" algn="ctr" rotWithShape="0">
                     <a:srgbClr val="808080"/>
@@ -33017,14 +33017,14 @@
           <a:effectLst/>
           <a:extLst>
             <a:ext uri="{909E8E84-426E-40dd-AFC4-6F175D3DCCD1}">
-              <a14:hiddenFill xmlns:a14="http://schemas.microsoft.com/office/drawing/2010/main" xmlns="">
+              <a14:hiddenFill xmlns="" xmlns:a14="http://schemas.microsoft.com/office/drawing/2010/main">
                 <a:solidFill>
                   <a:srgbClr val="FFFFFF"/>
                 </a:solidFill>
               </a14:hiddenFill>
             </a:ext>
             <a:ext uri="{91240B29-F687-4f45-9708-019B960494DF}">
-              <a14:hiddenLine xmlns:a14="http://schemas.microsoft.com/office/drawing/2010/main" xmlns="" w="12700">
+              <a14:hiddenLine xmlns="" xmlns:a14="http://schemas.microsoft.com/office/drawing/2010/main" w="12700">
                 <a:solidFill>
                   <a:schemeClr val="tx1"/>
                 </a:solidFill>
@@ -33034,7 +33034,7 @@
               </a14:hiddenLine>
             </a:ext>
             <a:ext uri="{AF507438-7753-43e0-B8FC-AC1667EBCBE1}">
-              <a14:hiddenEffects xmlns:a14="http://schemas.microsoft.com/office/drawing/2010/main" xmlns="">
+              <a14:hiddenEffects xmlns="" xmlns:a14="http://schemas.microsoft.com/office/drawing/2010/main">
                 <a:effectLst>
                   <a:outerShdw dist="35921" dir="2700000" algn="ctr" rotWithShape="0">
                     <a:srgbClr val="808080"/>
@@ -33123,14 +33123,14 @@
           <a:effectLst/>
           <a:extLst>
             <a:ext uri="{909E8E84-426E-40dd-AFC4-6F175D3DCCD1}">
-              <a14:hiddenFill xmlns:a14="http://schemas.microsoft.com/office/drawing/2010/main" xmlns="">
+              <a14:hiddenFill xmlns="" xmlns:a14="http://schemas.microsoft.com/office/drawing/2010/main">
                 <a:solidFill>
                   <a:srgbClr val="FFFFFF"/>
                 </a:solidFill>
               </a14:hiddenFill>
             </a:ext>
             <a:ext uri="{91240B29-F687-4f45-9708-019B960494DF}">
-              <a14:hiddenLine xmlns:a14="http://schemas.microsoft.com/office/drawing/2010/main" xmlns="" w="12700">
+              <a14:hiddenLine xmlns="" xmlns:a14="http://schemas.microsoft.com/office/drawing/2010/main" w="12700">
                 <a:solidFill>
                   <a:schemeClr val="tx1"/>
                 </a:solidFill>
@@ -33140,7 +33140,7 @@
               </a14:hiddenLine>
             </a:ext>
             <a:ext uri="{AF507438-7753-43e0-B8FC-AC1667EBCBE1}">
-              <a14:hiddenEffects xmlns:a14="http://schemas.microsoft.com/office/drawing/2010/main" xmlns="">
+              <a14:hiddenEffects xmlns="" xmlns:a14="http://schemas.microsoft.com/office/drawing/2010/main">
                 <a:effectLst>
                   <a:outerShdw dist="35921" dir="2700000" algn="ctr" rotWithShape="0">
                     <a:srgbClr val="808080"/>
@@ -33323,14 +33323,14 @@
             </a:ln>
             <a:extLst>
               <a:ext uri="{909E8E84-426E-40dd-AFC4-6F175D3DCCD1}">
-                <a14:hiddenFill xmlns:a14="http://schemas.microsoft.com/office/drawing/2010/main" xmlns="">
+                <a14:hiddenFill xmlns="" xmlns:a14="http://schemas.microsoft.com/office/drawing/2010/main">
                   <a:solidFill>
                     <a:srgbClr val="FFFFFF"/>
                   </a:solidFill>
                 </a14:hiddenFill>
               </a:ext>
               <a:ext uri="{91240B29-F687-4f45-9708-019B960494DF}">
-                <a14:hiddenLine xmlns:a14="http://schemas.microsoft.com/office/drawing/2010/main" xmlns="" w="12700">
+                <a14:hiddenLine xmlns="" xmlns:a14="http://schemas.microsoft.com/office/drawing/2010/main" w="12700">
                   <a:solidFill>
                     <a:schemeClr val="tx1"/>
                   </a:solidFill>
@@ -33369,7 +33369,7 @@
             </a:ln>
             <a:extLst>
               <a:ext uri="{909E8E84-426E-40dd-AFC4-6F175D3DCCD1}">
-                <a14:hiddenFill xmlns:a14="http://schemas.microsoft.com/office/drawing/2010/main" xmlns="">
+                <a14:hiddenFill xmlns="" xmlns:a14="http://schemas.microsoft.com/office/drawing/2010/main">
                   <a:noFill/>
                 </a14:hiddenFill>
               </a:ext>
@@ -33419,14 +33419,14 @@
           </a:ln>
           <a:extLst>
             <a:ext uri="{909E8E84-426E-40dd-AFC4-6F175D3DCCD1}">
-              <a14:hiddenFill xmlns:a14="http://schemas.microsoft.com/office/drawing/2010/main" xmlns="">
+              <a14:hiddenFill xmlns="" xmlns:a14="http://schemas.microsoft.com/office/drawing/2010/main">
                 <a:solidFill>
                   <a:srgbClr val="FFFFFF"/>
                 </a:solidFill>
               </a14:hiddenFill>
             </a:ext>
             <a:ext uri="{91240B29-F687-4f45-9708-019B960494DF}">
-              <a14:hiddenLine xmlns:a14="http://schemas.microsoft.com/office/drawing/2010/main" xmlns="" w="12700">
+              <a14:hiddenLine xmlns="" xmlns:a14="http://schemas.microsoft.com/office/drawing/2010/main" w="12700">
                 <a:solidFill>
                   <a:schemeClr val="tx1"/>
                 </a:solidFill>
@@ -33967,7 +33967,7 @@
           </a:ln>
           <a:extLst>
             <a:ext uri="{91240B29-F687-4f45-9708-019B960494DF}">
-              <a14:hiddenLine xmlns:a14="http://schemas.microsoft.com/office/drawing/2010/main" xmlns="" w="25400">
+              <a14:hiddenLine xmlns="" xmlns:a14="http://schemas.microsoft.com/office/drawing/2010/main" w="25400">
                 <a:solidFill>
                   <a:schemeClr val="tx1"/>
                 </a:solidFill>
@@ -34011,14 +34011,14 @@
           <a:effectLst/>
           <a:extLst>
             <a:ext uri="{909E8E84-426E-40dd-AFC4-6F175D3DCCD1}">
-              <a14:hiddenFill xmlns:a14="http://schemas.microsoft.com/office/drawing/2010/main" xmlns="">
+              <a14:hiddenFill xmlns="" xmlns:a14="http://schemas.microsoft.com/office/drawing/2010/main">
                 <a:solidFill>
                   <a:srgbClr val="FFFFFF"/>
                 </a:solidFill>
               </a14:hiddenFill>
             </a:ext>
             <a:ext uri="{91240B29-F687-4f45-9708-019B960494DF}">
-              <a14:hiddenLine xmlns:a14="http://schemas.microsoft.com/office/drawing/2010/main" xmlns="" w="12700">
+              <a14:hiddenLine xmlns="" xmlns:a14="http://schemas.microsoft.com/office/drawing/2010/main" w="12700">
                 <a:solidFill>
                   <a:schemeClr val="tx1"/>
                 </a:solidFill>
@@ -34028,7 +34028,7 @@
               </a14:hiddenLine>
             </a:ext>
             <a:ext uri="{AF507438-7753-43e0-B8FC-AC1667EBCBE1}">
-              <a14:hiddenEffects xmlns:a14="http://schemas.microsoft.com/office/drawing/2010/main" xmlns="">
+              <a14:hiddenEffects xmlns="" xmlns:a14="http://schemas.microsoft.com/office/drawing/2010/main">
                 <a:effectLst>
                   <a:outerShdw dist="35921" dir="2700000" algn="ctr" rotWithShape="0">
                     <a:srgbClr val="808080"/>
@@ -34081,14 +34081,14 @@
           <a:effectLst/>
           <a:extLst>
             <a:ext uri="{909E8E84-426E-40dd-AFC4-6F175D3DCCD1}">
-              <a14:hiddenFill xmlns:a14="http://schemas.microsoft.com/office/drawing/2010/main" xmlns="">
+              <a14:hiddenFill xmlns="" xmlns:a14="http://schemas.microsoft.com/office/drawing/2010/main">
                 <a:solidFill>
                   <a:srgbClr val="FFFFFF"/>
                 </a:solidFill>
               </a14:hiddenFill>
             </a:ext>
             <a:ext uri="{91240B29-F687-4f45-9708-019B960494DF}">
-              <a14:hiddenLine xmlns:a14="http://schemas.microsoft.com/office/drawing/2010/main" xmlns="" w="12700">
+              <a14:hiddenLine xmlns="" xmlns:a14="http://schemas.microsoft.com/office/drawing/2010/main" w="12700">
                 <a:solidFill>
                   <a:schemeClr val="tx1"/>
                 </a:solidFill>
@@ -34098,7 +34098,7 @@
               </a14:hiddenLine>
             </a:ext>
             <a:ext uri="{AF507438-7753-43e0-B8FC-AC1667EBCBE1}">
-              <a14:hiddenEffects xmlns:a14="http://schemas.microsoft.com/office/drawing/2010/main" xmlns="">
+              <a14:hiddenEffects xmlns="" xmlns:a14="http://schemas.microsoft.com/office/drawing/2010/main">
                 <a:effectLst>
                   <a:outerShdw dist="35921" dir="2700000" algn="ctr" rotWithShape="0">
                     <a:srgbClr val="808080"/>
@@ -34281,14 +34281,14 @@
             </a:ln>
             <a:extLst>
               <a:ext uri="{909E8E84-426E-40dd-AFC4-6F175D3DCCD1}">
-                <a14:hiddenFill xmlns:a14="http://schemas.microsoft.com/office/drawing/2010/main" xmlns="">
+                <a14:hiddenFill xmlns="" xmlns:a14="http://schemas.microsoft.com/office/drawing/2010/main">
                   <a:solidFill>
                     <a:srgbClr val="FFFFFF"/>
                   </a:solidFill>
                 </a14:hiddenFill>
               </a:ext>
               <a:ext uri="{91240B29-F687-4f45-9708-019B960494DF}">
-                <a14:hiddenLine xmlns:a14="http://schemas.microsoft.com/office/drawing/2010/main" xmlns="" w="12700">
+                <a14:hiddenLine xmlns="" xmlns:a14="http://schemas.microsoft.com/office/drawing/2010/main" w="12700">
                   <a:solidFill>
                     <a:schemeClr val="tx1"/>
                   </a:solidFill>
@@ -34327,7 +34327,7 @@
             </a:ln>
             <a:extLst>
               <a:ext uri="{909E8E84-426E-40dd-AFC4-6F175D3DCCD1}">
-                <a14:hiddenFill xmlns:a14="http://schemas.microsoft.com/office/drawing/2010/main" xmlns="">
+                <a14:hiddenFill xmlns="" xmlns:a14="http://schemas.microsoft.com/office/drawing/2010/main">
                   <a:noFill/>
                 </a14:hiddenFill>
               </a:ext>
@@ -34367,14 +34367,14 @@
           <a:effectLst/>
           <a:extLst>
             <a:ext uri="{909E8E84-426E-40dd-AFC4-6F175D3DCCD1}">
-              <a14:hiddenFill xmlns:a14="http://schemas.microsoft.com/office/drawing/2010/main" xmlns="">
+              <a14:hiddenFill xmlns="" xmlns:a14="http://schemas.microsoft.com/office/drawing/2010/main">
                 <a:solidFill>
                   <a:srgbClr val="FFFFFF"/>
                 </a:solidFill>
               </a14:hiddenFill>
             </a:ext>
             <a:ext uri="{91240B29-F687-4f45-9708-019B960494DF}">
-              <a14:hiddenLine xmlns:a14="http://schemas.microsoft.com/office/drawing/2010/main" xmlns="" w="12700">
+              <a14:hiddenLine xmlns="" xmlns:a14="http://schemas.microsoft.com/office/drawing/2010/main" w="12700">
                 <a:solidFill>
                   <a:schemeClr val="tx1"/>
                 </a:solidFill>
@@ -34384,7 +34384,7 @@
               </a14:hiddenLine>
             </a:ext>
             <a:ext uri="{AF507438-7753-43e0-B8FC-AC1667EBCBE1}">
-              <a14:hiddenEffects xmlns:a14="http://schemas.microsoft.com/office/drawing/2010/main" xmlns="">
+              <a14:hiddenEffects xmlns="" xmlns:a14="http://schemas.microsoft.com/office/drawing/2010/main">
                 <a:effectLst>
                   <a:outerShdw dist="35921" dir="2700000" algn="ctr" rotWithShape="0">
                     <a:srgbClr val="808080"/>
@@ -34483,14 +34483,14 @@
           </a:ln>
           <a:extLst>
             <a:ext uri="{909E8E84-426E-40dd-AFC4-6F175D3DCCD1}">
-              <a14:hiddenFill xmlns:a14="http://schemas.microsoft.com/office/drawing/2010/main" xmlns="">
+              <a14:hiddenFill xmlns="" xmlns:a14="http://schemas.microsoft.com/office/drawing/2010/main">
                 <a:solidFill>
                   <a:srgbClr val="FFFFFF"/>
                 </a:solidFill>
               </a14:hiddenFill>
             </a:ext>
             <a:ext uri="{91240B29-F687-4f45-9708-019B960494DF}">
-              <a14:hiddenLine xmlns:a14="http://schemas.microsoft.com/office/drawing/2010/main" xmlns="" w="12700">
+              <a14:hiddenLine xmlns="" xmlns:a14="http://schemas.microsoft.com/office/drawing/2010/main" w="12700">
                 <a:solidFill>
                   <a:schemeClr val="tx1"/>
                 </a:solidFill>
@@ -35013,7 +35013,7 @@
           </a:ln>
           <a:extLst>
             <a:ext uri="{91240B29-F687-4f45-9708-019B960494DF}">
-              <a14:hiddenLine xmlns:a14="http://schemas.microsoft.com/office/drawing/2010/main" xmlns="" w="25400">
+              <a14:hiddenLine xmlns="" xmlns:a14="http://schemas.microsoft.com/office/drawing/2010/main" w="25400">
                 <a:solidFill>
                   <a:schemeClr val="tx1"/>
                 </a:solidFill>
@@ -35067,14 +35067,14 @@
           </a:ln>
           <a:extLst>
             <a:ext uri="{909E8E84-426E-40dd-AFC4-6F175D3DCCD1}">
-              <a14:hiddenFill xmlns:a14="http://schemas.microsoft.com/office/drawing/2010/main" xmlns="">
+              <a14:hiddenFill xmlns="" xmlns:a14="http://schemas.microsoft.com/office/drawing/2010/main">
                 <a:solidFill>
                   <a:srgbClr val="FFFFFF"/>
                 </a:solidFill>
               </a14:hiddenFill>
             </a:ext>
             <a:ext uri="{91240B29-F687-4f45-9708-019B960494DF}">
-              <a14:hiddenLine xmlns:a14="http://schemas.microsoft.com/office/drawing/2010/main" xmlns="" w="12700">
+              <a14:hiddenLine xmlns="" xmlns:a14="http://schemas.microsoft.com/office/drawing/2010/main" w="12700">
                 <a:solidFill>
                   <a:schemeClr val="tx1"/>
                 </a:solidFill>
@@ -35113,7 +35113,7 @@
           </a:ln>
           <a:extLst>
             <a:ext uri="{909E8E84-426E-40dd-AFC4-6F175D3DCCD1}">
-              <a14:hiddenFill xmlns:a14="http://schemas.microsoft.com/office/drawing/2010/main" xmlns="">
+              <a14:hiddenFill xmlns="" xmlns:a14="http://schemas.microsoft.com/office/drawing/2010/main">
                 <a:noFill/>
               </a14:hiddenFill>
             </a:ext>
@@ -35152,14 +35152,14 @@
           <a:effectLst/>
           <a:extLst>
             <a:ext uri="{909E8E84-426E-40dd-AFC4-6F175D3DCCD1}">
-              <a14:hiddenFill xmlns:a14="http://schemas.microsoft.com/office/drawing/2010/main" xmlns="">
+              <a14:hiddenFill xmlns="" xmlns:a14="http://schemas.microsoft.com/office/drawing/2010/main">
                 <a:solidFill>
                   <a:srgbClr val="FFFFFF"/>
                 </a:solidFill>
               </a14:hiddenFill>
             </a:ext>
             <a:ext uri="{91240B29-F687-4f45-9708-019B960494DF}">
-              <a14:hiddenLine xmlns:a14="http://schemas.microsoft.com/office/drawing/2010/main" xmlns="" w="12700">
+              <a14:hiddenLine xmlns="" xmlns:a14="http://schemas.microsoft.com/office/drawing/2010/main" w="12700">
                 <a:solidFill>
                   <a:schemeClr val="tx1"/>
                 </a:solidFill>
@@ -35169,7 +35169,7 @@
               </a14:hiddenLine>
             </a:ext>
             <a:ext uri="{AF507438-7753-43e0-B8FC-AC1667EBCBE1}">
-              <a14:hiddenEffects xmlns:a14="http://schemas.microsoft.com/office/drawing/2010/main" xmlns="">
+              <a14:hiddenEffects xmlns="" xmlns:a14="http://schemas.microsoft.com/office/drawing/2010/main">
                 <a:effectLst>
                   <a:outerShdw dist="35921" dir="2700000" algn="ctr" rotWithShape="0">
                     <a:srgbClr val="808080"/>
@@ -35222,14 +35222,14 @@
           <a:effectLst/>
           <a:extLst>
             <a:ext uri="{909E8E84-426E-40dd-AFC4-6F175D3DCCD1}">
-              <a14:hiddenFill xmlns:a14="http://schemas.microsoft.com/office/drawing/2010/main" xmlns="">
+              <a14:hiddenFill xmlns="" xmlns:a14="http://schemas.microsoft.com/office/drawing/2010/main">
                 <a:solidFill>
                   <a:srgbClr val="FFFFFF"/>
                 </a:solidFill>
               </a14:hiddenFill>
             </a:ext>
             <a:ext uri="{91240B29-F687-4f45-9708-019B960494DF}">
-              <a14:hiddenLine xmlns:a14="http://schemas.microsoft.com/office/drawing/2010/main" xmlns="" w="12700">
+              <a14:hiddenLine xmlns="" xmlns:a14="http://schemas.microsoft.com/office/drawing/2010/main" w="12700">
                 <a:solidFill>
                   <a:schemeClr val="tx1"/>
                 </a:solidFill>
@@ -35239,7 +35239,7 @@
               </a14:hiddenLine>
             </a:ext>
             <a:ext uri="{AF507438-7753-43e0-B8FC-AC1667EBCBE1}">
-              <a14:hiddenEffects xmlns:a14="http://schemas.microsoft.com/office/drawing/2010/main" xmlns="">
+              <a14:hiddenEffects xmlns="" xmlns:a14="http://schemas.microsoft.com/office/drawing/2010/main">
                 <a:effectLst>
                   <a:outerShdw dist="35921" dir="2700000" algn="ctr" rotWithShape="0">
                     <a:srgbClr val="808080"/>
@@ -35328,14 +35328,14 @@
           <a:effectLst/>
           <a:extLst>
             <a:ext uri="{909E8E84-426E-40dd-AFC4-6F175D3DCCD1}">
-              <a14:hiddenFill xmlns:a14="http://schemas.microsoft.com/office/drawing/2010/main" xmlns="">
+              <a14:hiddenFill xmlns="" xmlns:a14="http://schemas.microsoft.com/office/drawing/2010/main">
                 <a:solidFill>
                   <a:srgbClr val="FFFFFF"/>
                 </a:solidFill>
               </a14:hiddenFill>
             </a:ext>
             <a:ext uri="{91240B29-F687-4f45-9708-019B960494DF}">
-              <a14:hiddenLine xmlns:a14="http://schemas.microsoft.com/office/drawing/2010/main" xmlns="" w="12700">
+              <a14:hiddenLine xmlns="" xmlns:a14="http://schemas.microsoft.com/office/drawing/2010/main" w="12700">
                 <a:solidFill>
                   <a:schemeClr val="tx1"/>
                 </a:solidFill>
@@ -35345,7 +35345,7 @@
               </a14:hiddenLine>
             </a:ext>
             <a:ext uri="{AF507438-7753-43e0-B8FC-AC1667EBCBE1}">
-              <a14:hiddenEffects xmlns:a14="http://schemas.microsoft.com/office/drawing/2010/main" xmlns="">
+              <a14:hiddenEffects xmlns="" xmlns:a14="http://schemas.microsoft.com/office/drawing/2010/main">
                 <a:effectLst>
                   <a:outerShdw dist="35921" dir="2700000" algn="ctr" rotWithShape="0">
                     <a:srgbClr val="808080"/>
@@ -35512,14 +35512,14 @@
           </a:ln>
           <a:extLst>
             <a:ext uri="{909E8E84-426E-40dd-AFC4-6F175D3DCCD1}">
-              <a14:hiddenFill xmlns:a14="http://schemas.microsoft.com/office/drawing/2010/main" xmlns="">
+              <a14:hiddenFill xmlns="" xmlns:a14="http://schemas.microsoft.com/office/drawing/2010/main">
                 <a:solidFill>
                   <a:srgbClr val="FFFFFF"/>
                 </a:solidFill>
               </a14:hiddenFill>
             </a:ext>
             <a:ext uri="{91240B29-F687-4f45-9708-019B960494DF}">
-              <a14:hiddenLine xmlns:a14="http://schemas.microsoft.com/office/drawing/2010/main" xmlns="" w="12700">
+              <a14:hiddenLine xmlns="" xmlns:a14="http://schemas.microsoft.com/office/drawing/2010/main" w="12700">
                 <a:solidFill>
                   <a:schemeClr val="tx1"/>
                 </a:solidFill>
@@ -36042,7 +36042,7 @@
           </a:ln>
           <a:extLst>
             <a:ext uri="{91240B29-F687-4f45-9708-019B960494DF}">
-              <a14:hiddenLine xmlns:a14="http://schemas.microsoft.com/office/drawing/2010/main" xmlns="" w="25400">
+              <a14:hiddenLine xmlns="" xmlns:a14="http://schemas.microsoft.com/office/drawing/2010/main" w="25400">
                 <a:solidFill>
                   <a:schemeClr val="tx1"/>
                 </a:solidFill>
@@ -36086,14 +36086,14 @@
           <a:effectLst/>
           <a:extLst>
             <a:ext uri="{909E8E84-426E-40dd-AFC4-6F175D3DCCD1}">
-              <a14:hiddenFill xmlns:a14="http://schemas.microsoft.com/office/drawing/2010/main" xmlns="">
+              <a14:hiddenFill xmlns="" xmlns:a14="http://schemas.microsoft.com/office/drawing/2010/main">
                 <a:solidFill>
                   <a:srgbClr val="FFFFFF"/>
                 </a:solidFill>
               </a14:hiddenFill>
             </a:ext>
             <a:ext uri="{91240B29-F687-4f45-9708-019B960494DF}">
-              <a14:hiddenLine xmlns:a14="http://schemas.microsoft.com/office/drawing/2010/main" xmlns="" w="12700">
+              <a14:hiddenLine xmlns="" xmlns:a14="http://schemas.microsoft.com/office/drawing/2010/main" w="12700">
                 <a:solidFill>
                   <a:schemeClr val="tx1"/>
                 </a:solidFill>
@@ -36103,7 +36103,7 @@
               </a14:hiddenLine>
             </a:ext>
             <a:ext uri="{AF507438-7753-43e0-B8FC-AC1667EBCBE1}">
-              <a14:hiddenEffects xmlns:a14="http://schemas.microsoft.com/office/drawing/2010/main" xmlns="">
+              <a14:hiddenEffects xmlns="" xmlns:a14="http://schemas.microsoft.com/office/drawing/2010/main">
                 <a:effectLst>
                   <a:outerShdw dist="35921" dir="2700000" algn="ctr" rotWithShape="0">
                     <a:srgbClr val="808080"/>
@@ -36156,14 +36156,14 @@
           <a:effectLst/>
           <a:extLst>
             <a:ext uri="{909E8E84-426E-40dd-AFC4-6F175D3DCCD1}">
-              <a14:hiddenFill xmlns:a14="http://schemas.microsoft.com/office/drawing/2010/main" xmlns="">
+              <a14:hiddenFill xmlns="" xmlns:a14="http://schemas.microsoft.com/office/drawing/2010/main">
                 <a:solidFill>
                   <a:srgbClr val="FFFFFF"/>
                 </a:solidFill>
               </a14:hiddenFill>
             </a:ext>
             <a:ext uri="{91240B29-F687-4f45-9708-019B960494DF}">
-              <a14:hiddenLine xmlns:a14="http://schemas.microsoft.com/office/drawing/2010/main" xmlns="" w="12700">
+              <a14:hiddenLine xmlns="" xmlns:a14="http://schemas.microsoft.com/office/drawing/2010/main" w="12700">
                 <a:solidFill>
                   <a:schemeClr val="tx1"/>
                 </a:solidFill>
@@ -36173,7 +36173,7 @@
               </a14:hiddenLine>
             </a:ext>
             <a:ext uri="{AF507438-7753-43e0-B8FC-AC1667EBCBE1}">
-              <a14:hiddenEffects xmlns:a14="http://schemas.microsoft.com/office/drawing/2010/main" xmlns="">
+              <a14:hiddenEffects xmlns="" xmlns:a14="http://schemas.microsoft.com/office/drawing/2010/main">
                 <a:effectLst>
                   <a:outerShdw dist="35921" dir="2700000" algn="ctr" rotWithShape="0">
                     <a:srgbClr val="808080"/>
@@ -36262,14 +36262,14 @@
           <a:effectLst/>
           <a:extLst>
             <a:ext uri="{909E8E84-426E-40dd-AFC4-6F175D3DCCD1}">
-              <a14:hiddenFill xmlns:a14="http://schemas.microsoft.com/office/drawing/2010/main" xmlns="">
+              <a14:hiddenFill xmlns="" xmlns:a14="http://schemas.microsoft.com/office/drawing/2010/main">
                 <a:solidFill>
                   <a:srgbClr val="FFFFFF"/>
                 </a:solidFill>
               </a14:hiddenFill>
             </a:ext>
             <a:ext uri="{91240B29-F687-4f45-9708-019B960494DF}">
-              <a14:hiddenLine xmlns:a14="http://schemas.microsoft.com/office/drawing/2010/main" xmlns="" w="12700">
+              <a14:hiddenLine xmlns="" xmlns:a14="http://schemas.microsoft.com/office/drawing/2010/main" w="12700">
                 <a:solidFill>
                   <a:schemeClr val="tx1"/>
                 </a:solidFill>
@@ -36279,7 +36279,7 @@
               </a14:hiddenLine>
             </a:ext>
             <a:ext uri="{AF507438-7753-43e0-B8FC-AC1667EBCBE1}">
-              <a14:hiddenEffects xmlns:a14="http://schemas.microsoft.com/office/drawing/2010/main" xmlns="">
+              <a14:hiddenEffects xmlns="" xmlns:a14="http://schemas.microsoft.com/office/drawing/2010/main">
                 <a:effectLst>
                   <a:outerShdw dist="35921" dir="2700000" algn="ctr" rotWithShape="0">
                     <a:srgbClr val="808080"/>
@@ -36446,14 +36446,14 @@
           </a:ln>
           <a:extLst>
             <a:ext uri="{909E8E84-426E-40dd-AFC4-6F175D3DCCD1}">
-              <a14:hiddenFill xmlns:a14="http://schemas.microsoft.com/office/drawing/2010/main" xmlns="">
+              <a14:hiddenFill xmlns="" xmlns:a14="http://schemas.microsoft.com/office/drawing/2010/main">
                 <a:solidFill>
                   <a:srgbClr val="FFFFFF"/>
                 </a:solidFill>
               </a14:hiddenFill>
             </a:ext>
             <a:ext uri="{91240B29-F687-4f45-9708-019B960494DF}">
-              <a14:hiddenLine xmlns:a14="http://schemas.microsoft.com/office/drawing/2010/main" xmlns="" w="12700">
+              <a14:hiddenLine xmlns="" xmlns:a14="http://schemas.microsoft.com/office/drawing/2010/main" w="12700">
                 <a:solidFill>
                   <a:schemeClr val="tx1"/>
                 </a:solidFill>
@@ -36500,14 +36500,14 @@
           </a:ln>
           <a:extLst>
             <a:ext uri="{909E8E84-426E-40dd-AFC4-6F175D3DCCD1}">
-              <a14:hiddenFill xmlns:a14="http://schemas.microsoft.com/office/drawing/2010/main" xmlns="">
+              <a14:hiddenFill xmlns="" xmlns:a14="http://schemas.microsoft.com/office/drawing/2010/main">
                 <a:solidFill>
                   <a:srgbClr val="FFFFFF"/>
                 </a:solidFill>
               </a14:hiddenFill>
             </a:ext>
             <a:ext uri="{91240B29-F687-4f45-9708-019B960494DF}">
-              <a14:hiddenLine xmlns:a14="http://schemas.microsoft.com/office/drawing/2010/main" xmlns="" w="12700">
+              <a14:hiddenLine xmlns="" xmlns:a14="http://schemas.microsoft.com/office/drawing/2010/main" w="12700">
                 <a:solidFill>
                   <a:schemeClr val="tx1"/>
                 </a:solidFill>
@@ -37048,7 +37048,7 @@
           </a:ln>
           <a:extLst>
             <a:ext uri="{91240B29-F687-4f45-9708-019B960494DF}">
-              <a14:hiddenLine xmlns:a14="http://schemas.microsoft.com/office/drawing/2010/main" xmlns="" w="25400">
+              <a14:hiddenLine xmlns="" xmlns:a14="http://schemas.microsoft.com/office/drawing/2010/main" w="25400">
                 <a:solidFill>
                   <a:schemeClr val="tx1"/>
                 </a:solidFill>
@@ -37092,14 +37092,14 @@
           <a:effectLst/>
           <a:extLst>
             <a:ext uri="{909E8E84-426E-40dd-AFC4-6F175D3DCCD1}">
-              <a14:hiddenFill xmlns:a14="http://schemas.microsoft.com/office/drawing/2010/main" xmlns="">
+              <a14:hiddenFill xmlns="" xmlns:a14="http://schemas.microsoft.com/office/drawing/2010/main">
                 <a:solidFill>
                   <a:srgbClr val="FFFFFF"/>
                 </a:solidFill>
               </a14:hiddenFill>
             </a:ext>
             <a:ext uri="{91240B29-F687-4f45-9708-019B960494DF}">
-              <a14:hiddenLine xmlns:a14="http://schemas.microsoft.com/office/drawing/2010/main" xmlns="" w="12700">
+              <a14:hiddenLine xmlns="" xmlns:a14="http://schemas.microsoft.com/office/drawing/2010/main" w="12700">
                 <a:solidFill>
                   <a:schemeClr val="tx1"/>
                 </a:solidFill>
@@ -37109,7 +37109,7 @@
               </a14:hiddenLine>
             </a:ext>
             <a:ext uri="{AF507438-7753-43e0-B8FC-AC1667EBCBE1}">
-              <a14:hiddenEffects xmlns:a14="http://schemas.microsoft.com/office/drawing/2010/main" xmlns="">
+              <a14:hiddenEffects xmlns="" xmlns:a14="http://schemas.microsoft.com/office/drawing/2010/main">
                 <a:effectLst>
                   <a:outerShdw dist="35921" dir="2700000" algn="ctr" rotWithShape="0">
                     <a:srgbClr val="808080"/>
@@ -37162,14 +37162,14 @@
           <a:effectLst/>
           <a:extLst>
             <a:ext uri="{909E8E84-426E-40dd-AFC4-6F175D3DCCD1}">
-              <a14:hiddenFill xmlns:a14="http://schemas.microsoft.com/office/drawing/2010/main" xmlns="">
+              <a14:hiddenFill xmlns="" xmlns:a14="http://schemas.microsoft.com/office/drawing/2010/main">
                 <a:solidFill>
                   <a:srgbClr val="FFFFFF"/>
                 </a:solidFill>
               </a14:hiddenFill>
             </a:ext>
             <a:ext uri="{91240B29-F687-4f45-9708-019B960494DF}">
-              <a14:hiddenLine xmlns:a14="http://schemas.microsoft.com/office/drawing/2010/main" xmlns="" w="12700">
+              <a14:hiddenLine xmlns="" xmlns:a14="http://schemas.microsoft.com/office/drawing/2010/main" w="12700">
                 <a:solidFill>
                   <a:schemeClr val="tx1"/>
                 </a:solidFill>
@@ -37179,7 +37179,7 @@
               </a14:hiddenLine>
             </a:ext>
             <a:ext uri="{AF507438-7753-43e0-B8FC-AC1667EBCBE1}">
-              <a14:hiddenEffects xmlns:a14="http://schemas.microsoft.com/office/drawing/2010/main" xmlns="">
+              <a14:hiddenEffects xmlns="" xmlns:a14="http://schemas.microsoft.com/office/drawing/2010/main">
                 <a:effectLst>
                   <a:outerShdw dist="35921" dir="2700000" algn="ctr" rotWithShape="0">
                     <a:srgbClr val="808080"/>
@@ -37346,14 +37346,14 @@
           </a:ln>
           <a:extLst>
             <a:ext uri="{909E8E84-426E-40dd-AFC4-6F175D3DCCD1}">
-              <a14:hiddenFill xmlns:a14="http://schemas.microsoft.com/office/drawing/2010/main" xmlns="">
+              <a14:hiddenFill xmlns="" xmlns:a14="http://schemas.microsoft.com/office/drawing/2010/main">
                 <a:solidFill>
                   <a:srgbClr val="FFFFFF"/>
                 </a:solidFill>
               </a14:hiddenFill>
             </a:ext>
             <a:ext uri="{91240B29-F687-4f45-9708-019B960494DF}">
-              <a14:hiddenLine xmlns:a14="http://schemas.microsoft.com/office/drawing/2010/main" xmlns="" w="12700">
+              <a14:hiddenLine xmlns="" xmlns:a14="http://schemas.microsoft.com/office/drawing/2010/main" w="12700">
                 <a:solidFill>
                   <a:schemeClr val="tx1"/>
                 </a:solidFill>
@@ -37400,14 +37400,14 @@
           </a:ln>
           <a:extLst>
             <a:ext uri="{909E8E84-426E-40dd-AFC4-6F175D3DCCD1}">
-              <a14:hiddenFill xmlns:a14="http://schemas.microsoft.com/office/drawing/2010/main" xmlns="">
+              <a14:hiddenFill xmlns="" xmlns:a14="http://schemas.microsoft.com/office/drawing/2010/main">
                 <a:solidFill>
                   <a:srgbClr val="FFFFFF"/>
                 </a:solidFill>
               </a14:hiddenFill>
             </a:ext>
             <a:ext uri="{91240B29-F687-4f45-9708-019B960494DF}">
-              <a14:hiddenLine xmlns:a14="http://schemas.microsoft.com/office/drawing/2010/main" xmlns="" w="12700">
+              <a14:hiddenLine xmlns="" xmlns:a14="http://schemas.microsoft.com/office/drawing/2010/main" w="12700">
                 <a:solidFill>
                   <a:schemeClr val="tx1"/>
                 </a:solidFill>
@@ -37949,14 +37949,14 @@
           <a:effectLst/>
           <a:extLst>
             <a:ext uri="{909E8E84-426E-40dd-AFC4-6F175D3DCCD1}">
-              <a14:hiddenFill xmlns:a14="http://schemas.microsoft.com/office/drawing/2010/main" xmlns="">
+              <a14:hiddenFill xmlns="" xmlns:a14="http://schemas.microsoft.com/office/drawing/2010/main">
                 <a:solidFill>
                   <a:srgbClr val="FFFFFF"/>
                 </a:solidFill>
               </a14:hiddenFill>
             </a:ext>
             <a:ext uri="{91240B29-F687-4f45-9708-019B960494DF}">
-              <a14:hiddenLine xmlns:a14="http://schemas.microsoft.com/office/drawing/2010/main" xmlns="" w="12700">
+              <a14:hiddenLine xmlns="" xmlns:a14="http://schemas.microsoft.com/office/drawing/2010/main" w="12700">
                 <a:solidFill>
                   <a:schemeClr val="tx1"/>
                 </a:solidFill>
@@ -37966,7 +37966,7 @@
               </a14:hiddenLine>
             </a:ext>
             <a:ext uri="{AF507438-7753-43e0-B8FC-AC1667EBCBE1}">
-              <a14:hiddenEffects xmlns:a14="http://schemas.microsoft.com/office/drawing/2010/main" xmlns="">
+              <a14:hiddenEffects xmlns="" xmlns:a14="http://schemas.microsoft.com/office/drawing/2010/main">
                 <a:effectLst>
                   <a:outerShdw dist="35921" dir="2700000" algn="ctr" rotWithShape="0">
                     <a:srgbClr val="808080"/>
@@ -38019,14 +38019,14 @@
           <a:effectLst/>
           <a:extLst>
             <a:ext uri="{909E8E84-426E-40dd-AFC4-6F175D3DCCD1}">
-              <a14:hiddenFill xmlns:a14="http://schemas.microsoft.com/office/drawing/2010/main" xmlns="">
+              <a14:hiddenFill xmlns="" xmlns:a14="http://schemas.microsoft.com/office/drawing/2010/main">
                 <a:solidFill>
                   <a:srgbClr val="FFFFFF"/>
                 </a:solidFill>
               </a14:hiddenFill>
             </a:ext>
             <a:ext uri="{91240B29-F687-4f45-9708-019B960494DF}">
-              <a14:hiddenLine xmlns:a14="http://schemas.microsoft.com/office/drawing/2010/main" xmlns="" w="12700">
+              <a14:hiddenLine xmlns="" xmlns:a14="http://schemas.microsoft.com/office/drawing/2010/main" w="12700">
                 <a:solidFill>
                   <a:schemeClr val="tx1"/>
                 </a:solidFill>
@@ -38036,7 +38036,7 @@
               </a14:hiddenLine>
             </a:ext>
             <a:ext uri="{AF507438-7753-43e0-B8FC-AC1667EBCBE1}">
-              <a14:hiddenEffects xmlns:a14="http://schemas.microsoft.com/office/drawing/2010/main" xmlns="">
+              <a14:hiddenEffects xmlns="" xmlns:a14="http://schemas.microsoft.com/office/drawing/2010/main">
                 <a:effectLst>
                   <a:outerShdw dist="35921" dir="2700000" algn="ctr" rotWithShape="0">
                     <a:srgbClr val="808080"/>
@@ -38203,14 +38203,14 @@
           </a:ln>
           <a:extLst>
             <a:ext uri="{909E8E84-426E-40dd-AFC4-6F175D3DCCD1}">
-              <a14:hiddenFill xmlns:a14="http://schemas.microsoft.com/office/drawing/2010/main" xmlns="">
+              <a14:hiddenFill xmlns="" xmlns:a14="http://schemas.microsoft.com/office/drawing/2010/main">
                 <a:solidFill>
                   <a:srgbClr val="FFFFFF"/>
                 </a:solidFill>
               </a14:hiddenFill>
             </a:ext>
             <a:ext uri="{91240B29-F687-4f45-9708-019B960494DF}">
-              <a14:hiddenLine xmlns:a14="http://schemas.microsoft.com/office/drawing/2010/main" xmlns="" w="12700">
+              <a14:hiddenLine xmlns="" xmlns:a14="http://schemas.microsoft.com/office/drawing/2010/main" w="12700">
                 <a:solidFill>
                   <a:schemeClr val="tx1"/>
                 </a:solidFill>
@@ -38795,7 +38795,7 @@
           </a:ln>
           <a:extLst>
             <a:ext uri="{91240B29-F687-4f45-9708-019B960494DF}">
-              <a14:hiddenLine xmlns:a14="http://schemas.microsoft.com/office/drawing/2010/main" xmlns="" w="25400">
+              <a14:hiddenLine xmlns="" xmlns:a14="http://schemas.microsoft.com/office/drawing/2010/main" w="25400">
                 <a:solidFill>
                   <a:schemeClr val="tx1"/>
                 </a:solidFill>
@@ -38839,14 +38839,14 @@
           <a:effectLst/>
           <a:extLst>
             <a:ext uri="{909E8E84-426E-40dd-AFC4-6F175D3DCCD1}">
-              <a14:hiddenFill xmlns:a14="http://schemas.microsoft.com/office/drawing/2010/main" xmlns="">
+              <a14:hiddenFill xmlns="" xmlns:a14="http://schemas.microsoft.com/office/drawing/2010/main">
                 <a:solidFill>
                   <a:srgbClr val="FFFFFF"/>
                 </a:solidFill>
               </a14:hiddenFill>
             </a:ext>
             <a:ext uri="{91240B29-F687-4f45-9708-019B960494DF}">
-              <a14:hiddenLine xmlns:a14="http://schemas.microsoft.com/office/drawing/2010/main" xmlns="" w="12700">
+              <a14:hiddenLine xmlns="" xmlns:a14="http://schemas.microsoft.com/office/drawing/2010/main" w="12700">
                 <a:solidFill>
                   <a:schemeClr val="tx1"/>
                 </a:solidFill>
@@ -38856,7 +38856,7 @@
               </a14:hiddenLine>
             </a:ext>
             <a:ext uri="{AF507438-7753-43e0-B8FC-AC1667EBCBE1}">
-              <a14:hiddenEffects xmlns:a14="http://schemas.microsoft.com/office/drawing/2010/main" xmlns="">
+              <a14:hiddenEffects xmlns="" xmlns:a14="http://schemas.microsoft.com/office/drawing/2010/main">
                 <a:effectLst>
                   <a:outerShdw dist="35921" dir="2700000" algn="ctr" rotWithShape="0">
                     <a:srgbClr val="808080"/>
@@ -38909,14 +38909,14 @@
           <a:effectLst/>
           <a:extLst>
             <a:ext uri="{909E8E84-426E-40dd-AFC4-6F175D3DCCD1}">
-              <a14:hiddenFill xmlns:a14="http://schemas.microsoft.com/office/drawing/2010/main" xmlns="">
+              <a14:hiddenFill xmlns="" xmlns:a14="http://schemas.microsoft.com/office/drawing/2010/main">
                 <a:solidFill>
                   <a:srgbClr val="FFFFFF"/>
                 </a:solidFill>
               </a14:hiddenFill>
             </a:ext>
             <a:ext uri="{91240B29-F687-4f45-9708-019B960494DF}">
-              <a14:hiddenLine xmlns:a14="http://schemas.microsoft.com/office/drawing/2010/main" xmlns="" w="12700">
+              <a14:hiddenLine xmlns="" xmlns:a14="http://schemas.microsoft.com/office/drawing/2010/main" w="12700">
                 <a:solidFill>
                   <a:schemeClr val="tx1"/>
                 </a:solidFill>
@@ -38926,7 +38926,7 @@
               </a14:hiddenLine>
             </a:ext>
             <a:ext uri="{AF507438-7753-43e0-B8FC-AC1667EBCBE1}">
-              <a14:hiddenEffects xmlns:a14="http://schemas.microsoft.com/office/drawing/2010/main" xmlns="">
+              <a14:hiddenEffects xmlns="" xmlns:a14="http://schemas.microsoft.com/office/drawing/2010/main">
                 <a:effectLst>
                   <a:outerShdw dist="35921" dir="2700000" algn="ctr" rotWithShape="0">
                     <a:srgbClr val="808080"/>
@@ -39093,14 +39093,14 @@
           </a:ln>
           <a:extLst>
             <a:ext uri="{909E8E84-426E-40dd-AFC4-6F175D3DCCD1}">
-              <a14:hiddenFill xmlns:a14="http://schemas.microsoft.com/office/drawing/2010/main" xmlns="">
+              <a14:hiddenFill xmlns="" xmlns:a14="http://schemas.microsoft.com/office/drawing/2010/main">
                 <a:solidFill>
                   <a:srgbClr val="FFFFFF"/>
                 </a:solidFill>
               </a14:hiddenFill>
             </a:ext>
             <a:ext uri="{91240B29-F687-4f45-9708-019B960494DF}">
-              <a14:hiddenLine xmlns:a14="http://schemas.microsoft.com/office/drawing/2010/main" xmlns="" w="12700">
+              <a14:hiddenLine xmlns="" xmlns:a14="http://schemas.microsoft.com/office/drawing/2010/main" w="12700">
                 <a:solidFill>
                   <a:schemeClr val="tx1"/>
                 </a:solidFill>
@@ -39139,7 +39139,7 @@
           </a:ln>
           <a:extLst>
             <a:ext uri="{909E8E84-426E-40dd-AFC4-6F175D3DCCD1}">
-              <a14:hiddenFill xmlns:a14="http://schemas.microsoft.com/office/drawing/2010/main" xmlns="">
+              <a14:hiddenFill xmlns="" xmlns:a14="http://schemas.microsoft.com/office/drawing/2010/main">
                 <a:noFill/>
               </a14:hiddenFill>
             </a:ext>
@@ -39188,14 +39188,14 @@
           </a:ln>
           <a:extLst>
             <a:ext uri="{909E8E84-426E-40dd-AFC4-6F175D3DCCD1}">
-              <a14:hiddenFill xmlns:a14="http://schemas.microsoft.com/office/drawing/2010/main" xmlns="">
+              <a14:hiddenFill xmlns="" xmlns:a14="http://schemas.microsoft.com/office/drawing/2010/main">
                 <a:solidFill>
                   <a:srgbClr val="FFFFFF"/>
                 </a:solidFill>
               </a14:hiddenFill>
             </a:ext>
             <a:ext uri="{91240B29-F687-4f45-9708-019B960494DF}">
-              <a14:hiddenLine xmlns:a14="http://schemas.microsoft.com/office/drawing/2010/main" xmlns="" w="12700">
+              <a14:hiddenLine xmlns="" xmlns:a14="http://schemas.microsoft.com/office/drawing/2010/main" w="12700">
                 <a:solidFill>
                   <a:schemeClr val="tx1"/>
                 </a:solidFill>
@@ -39718,7 +39718,7 @@
           </a:ln>
           <a:extLst>
             <a:ext uri="{91240B29-F687-4f45-9708-019B960494DF}">
-              <a14:hiddenLine xmlns:a14="http://schemas.microsoft.com/office/drawing/2010/main" xmlns="" w="25400">
+              <a14:hiddenLine xmlns="" xmlns:a14="http://schemas.microsoft.com/office/drawing/2010/main" w="25400">
                 <a:solidFill>
                   <a:schemeClr val="tx1"/>
                 </a:solidFill>
@@ -39788,14 +39788,14 @@
             </a:ln>
             <a:extLst>
               <a:ext uri="{909E8E84-426E-40dd-AFC4-6F175D3DCCD1}">
-                <a14:hiddenFill xmlns:a14="http://schemas.microsoft.com/office/drawing/2010/main" xmlns="">
+                <a14:hiddenFill xmlns="" xmlns:a14="http://schemas.microsoft.com/office/drawing/2010/main">
                   <a:solidFill>
                     <a:srgbClr val="FFFFFF"/>
                   </a:solidFill>
                 </a14:hiddenFill>
               </a:ext>
               <a:ext uri="{91240B29-F687-4f45-9708-019B960494DF}">
-                <a14:hiddenLine xmlns:a14="http://schemas.microsoft.com/office/drawing/2010/main" xmlns="" w="12700">
+                <a14:hiddenLine xmlns="" xmlns:a14="http://schemas.microsoft.com/office/drawing/2010/main" w="12700">
                   <a:solidFill>
                     <a:schemeClr val="tx1"/>
                   </a:solidFill>
@@ -39834,7 +39834,7 @@
             </a:ln>
             <a:extLst>
               <a:ext uri="{909E8E84-426E-40dd-AFC4-6F175D3DCCD1}">
-                <a14:hiddenFill xmlns:a14="http://schemas.microsoft.com/office/drawing/2010/main" xmlns="">
+                <a14:hiddenFill xmlns="" xmlns:a14="http://schemas.microsoft.com/office/drawing/2010/main">
                   <a:noFill/>
                 </a14:hiddenFill>
               </a:ext>
@@ -39874,14 +39874,14 @@
           <a:effectLst/>
           <a:extLst>
             <a:ext uri="{909E8E84-426E-40dd-AFC4-6F175D3DCCD1}">
-              <a14:hiddenFill xmlns:a14="http://schemas.microsoft.com/office/drawing/2010/main" xmlns="">
+              <a14:hiddenFill xmlns="" xmlns:a14="http://schemas.microsoft.com/office/drawing/2010/main">
                 <a:solidFill>
                   <a:srgbClr val="FFFFFF"/>
                 </a:solidFill>
               </a14:hiddenFill>
             </a:ext>
             <a:ext uri="{91240B29-F687-4f45-9708-019B960494DF}">
-              <a14:hiddenLine xmlns:a14="http://schemas.microsoft.com/office/drawing/2010/main" xmlns="" w="12700">
+              <a14:hiddenLine xmlns="" xmlns:a14="http://schemas.microsoft.com/office/drawing/2010/main" w="12700">
                 <a:solidFill>
                   <a:schemeClr val="tx1"/>
                 </a:solidFill>
@@ -39891,7 +39891,7 @@
               </a14:hiddenLine>
             </a:ext>
             <a:ext uri="{AF507438-7753-43e0-B8FC-AC1667EBCBE1}">
-              <a14:hiddenEffects xmlns:a14="http://schemas.microsoft.com/office/drawing/2010/main" xmlns="">
+              <a14:hiddenEffects xmlns="" xmlns:a14="http://schemas.microsoft.com/office/drawing/2010/main">
                 <a:effectLst>
                   <a:outerShdw dist="35921" dir="2700000" algn="ctr" rotWithShape="0">
                     <a:srgbClr val="808080"/>
@@ -39944,14 +39944,14 @@
           <a:effectLst/>
           <a:extLst>
             <a:ext uri="{909E8E84-426E-40dd-AFC4-6F175D3DCCD1}">
-              <a14:hiddenFill xmlns:a14="http://schemas.microsoft.com/office/drawing/2010/main" xmlns="">
+              <a14:hiddenFill xmlns="" xmlns:a14="http://schemas.microsoft.com/office/drawing/2010/main">
                 <a:solidFill>
                   <a:srgbClr val="FFFFFF"/>
                 </a:solidFill>
               </a14:hiddenFill>
             </a:ext>
             <a:ext uri="{91240B29-F687-4f45-9708-019B960494DF}">
-              <a14:hiddenLine xmlns:a14="http://schemas.microsoft.com/office/drawing/2010/main" xmlns="" w="12700">
+              <a14:hiddenLine xmlns="" xmlns:a14="http://schemas.microsoft.com/office/drawing/2010/main" w="12700">
                 <a:solidFill>
                   <a:schemeClr val="tx1"/>
                 </a:solidFill>
@@ -39961,7 +39961,7 @@
               </a14:hiddenLine>
             </a:ext>
             <a:ext uri="{AF507438-7753-43e0-B8FC-AC1667EBCBE1}">
-              <a14:hiddenEffects xmlns:a14="http://schemas.microsoft.com/office/drawing/2010/main" xmlns="">
+              <a14:hiddenEffects xmlns="" xmlns:a14="http://schemas.microsoft.com/office/drawing/2010/main">
                 <a:effectLst>
                   <a:outerShdw dist="35921" dir="2700000" algn="ctr" rotWithShape="0">
                     <a:srgbClr val="808080"/>
@@ -40050,14 +40050,14 @@
           <a:effectLst/>
           <a:extLst>
             <a:ext uri="{909E8E84-426E-40dd-AFC4-6F175D3DCCD1}">
-              <a14:hiddenFill xmlns:a14="http://schemas.microsoft.com/office/drawing/2010/main" xmlns="">
+              <a14:hiddenFill xmlns="" xmlns:a14="http://schemas.microsoft.com/office/drawing/2010/main">
                 <a:solidFill>
                   <a:srgbClr val="FFFFFF"/>
                 </a:solidFill>
               </a14:hiddenFill>
             </a:ext>
             <a:ext uri="{91240B29-F687-4f45-9708-019B960494DF}">
-              <a14:hiddenLine xmlns:a14="http://schemas.microsoft.com/office/drawing/2010/main" xmlns="" w="12700">
+              <a14:hiddenLine xmlns="" xmlns:a14="http://schemas.microsoft.com/office/drawing/2010/main" w="12700">
                 <a:solidFill>
                   <a:schemeClr val="tx1"/>
                 </a:solidFill>
@@ -40067,7 +40067,7 @@
               </a14:hiddenLine>
             </a:ext>
             <a:ext uri="{AF507438-7753-43e0-B8FC-AC1667EBCBE1}">
-              <a14:hiddenEffects xmlns:a14="http://schemas.microsoft.com/office/drawing/2010/main" xmlns="">
+              <a14:hiddenEffects xmlns="" xmlns:a14="http://schemas.microsoft.com/office/drawing/2010/main">
                 <a:effectLst>
                   <a:outerShdw dist="35921" dir="2700000" algn="ctr" rotWithShape="0">
                     <a:srgbClr val="808080"/>
@@ -40234,14 +40234,14 @@
           </a:ln>
           <a:extLst>
             <a:ext uri="{909E8E84-426E-40dd-AFC4-6F175D3DCCD1}">
-              <a14:hiddenFill xmlns:a14="http://schemas.microsoft.com/office/drawing/2010/main" xmlns="">
+              <a14:hiddenFill xmlns="" xmlns:a14="http://schemas.microsoft.com/office/drawing/2010/main">
                 <a:solidFill>
                   <a:srgbClr val="FFFFFF"/>
                 </a:solidFill>
               </a14:hiddenFill>
             </a:ext>
             <a:ext uri="{91240B29-F687-4f45-9708-019B960494DF}">
-              <a14:hiddenLine xmlns:a14="http://schemas.microsoft.com/office/drawing/2010/main" xmlns="" w="12700">
+              <a14:hiddenLine xmlns="" xmlns:a14="http://schemas.microsoft.com/office/drawing/2010/main" w="12700">
                 <a:solidFill>
                   <a:schemeClr val="tx1"/>
                 </a:solidFill>
@@ -40785,14 +40785,14 @@
           </a:ln>
           <a:extLst>
             <a:ext uri="{909E8E84-426E-40dd-AFC4-6F175D3DCCD1}">
-              <a14:hiddenFill xmlns:a14="http://schemas.microsoft.com/office/drawing/2010/main" xmlns="">
+              <a14:hiddenFill xmlns="" xmlns:a14="http://schemas.microsoft.com/office/drawing/2010/main">
                 <a:solidFill>
                   <a:srgbClr val="FFFFFF"/>
                 </a:solidFill>
               </a14:hiddenFill>
             </a:ext>
             <a:ext uri="{91240B29-F687-4f45-9708-019B960494DF}">
-              <a14:hiddenLine xmlns:a14="http://schemas.microsoft.com/office/drawing/2010/main" xmlns="" w="12700">
+              <a14:hiddenLine xmlns="" xmlns:a14="http://schemas.microsoft.com/office/drawing/2010/main" w="12700">
                 <a:solidFill>
                   <a:schemeClr val="tx1"/>
                 </a:solidFill>
@@ -40828,7 +40828,7 @@
           </a:ln>
           <a:extLst>
             <a:ext uri="{91240B29-F687-4f45-9708-019B960494DF}">
-              <a14:hiddenLine xmlns:a14="http://schemas.microsoft.com/office/drawing/2010/main" xmlns="" w="25400">
+              <a14:hiddenLine xmlns="" xmlns:a14="http://schemas.microsoft.com/office/drawing/2010/main" w="25400">
                 <a:solidFill>
                   <a:schemeClr val="tx1"/>
                 </a:solidFill>
@@ -41028,14 +41028,14 @@
             </a:ln>
             <a:extLst>
               <a:ext uri="{909E8E84-426E-40dd-AFC4-6F175D3DCCD1}">
-                <a14:hiddenFill xmlns:a14="http://schemas.microsoft.com/office/drawing/2010/main" xmlns="">
+                <a14:hiddenFill xmlns="" xmlns:a14="http://schemas.microsoft.com/office/drawing/2010/main">
                   <a:solidFill>
                     <a:srgbClr val="FFFFFF"/>
                   </a:solidFill>
                 </a14:hiddenFill>
               </a:ext>
               <a:ext uri="{91240B29-F687-4f45-9708-019B960494DF}">
-                <a14:hiddenLine xmlns:a14="http://schemas.microsoft.com/office/drawing/2010/main" xmlns="" w="12700">
+                <a14:hiddenLine xmlns="" xmlns:a14="http://schemas.microsoft.com/office/drawing/2010/main" w="12700">
                   <a:solidFill>
                     <a:schemeClr val="tx1"/>
                   </a:solidFill>
@@ -41074,7 +41074,7 @@
             </a:ln>
             <a:extLst>
               <a:ext uri="{909E8E84-426E-40dd-AFC4-6F175D3DCCD1}">
-                <a14:hiddenFill xmlns:a14="http://schemas.microsoft.com/office/drawing/2010/main" xmlns="">
+                <a14:hiddenFill xmlns="" xmlns:a14="http://schemas.microsoft.com/office/drawing/2010/main">
                   <a:noFill/>
                 </a14:hiddenFill>
               </a:ext>
@@ -41113,7 +41113,7 @@
           </a:ln>
           <a:extLst>
             <a:ext uri="{91240B29-F687-4f45-9708-019B960494DF}">
-              <a14:hiddenLine xmlns:a14="http://schemas.microsoft.com/office/drawing/2010/main" xmlns="" w="25400">
+              <a14:hiddenLine xmlns="" xmlns:a14="http://schemas.microsoft.com/office/drawing/2010/main" w="25400">
                 <a:solidFill>
                   <a:schemeClr val="tx1"/>
                 </a:solidFill>
@@ -41505,18 +41505,61 @@
                 <a:latin typeface="Monaco"/>
                 <a:cs typeface="Monaco"/>
               </a:rPr>
-              <a:t>$nome = ‘Aldo’;</a:t>
-            </a:r>
-          </a:p>
-          <a:p>
-            <a:pPr algn="l"/>
+              <a:t>$nome = </a:t>
+            </a:r>
+            <a:r>
+              <a:rPr lang="it-IT" sz="5000" dirty="0">
+                <a:latin typeface="Monaco"/>
+                <a:cs typeface="Monaco"/>
+              </a:rPr>
+              <a:t>'</a:t>
+            </a:r>
             <a:r>
               <a:rPr lang="it-IT" sz="5000" dirty="0" smtClean="0">
                 <a:latin typeface="Monaco"/>
                 <a:cs typeface="Monaco"/>
               </a:rPr>
-              <a:t>$cognome = ‘Rossi’;</a:t>
-            </a:r>
+              <a:t>Aldo';</a:t>
+            </a:r>
+            <a:endParaRPr lang="it-IT" sz="5000" dirty="0" smtClean="0">
+              <a:latin typeface="Monaco"/>
+              <a:cs typeface="Monaco"/>
+            </a:endParaRPr>
+          </a:p>
+          <a:p>
+            <a:pPr algn="l"/>
+            <a:r>
+              <a:rPr lang="it-IT" sz="5000" dirty="0" smtClean="0">
+                <a:latin typeface="Monaco"/>
+                <a:cs typeface="Monaco"/>
+              </a:rPr>
+              <a:t>$cognome = </a:t>
+            </a:r>
+            <a:r>
+              <a:rPr lang="it-IT" sz="5000" dirty="0" smtClean="0">
+                <a:latin typeface="Monaco"/>
+                <a:cs typeface="Monaco"/>
+              </a:rPr>
+              <a:t>'Rossi</a:t>
+            </a:r>
+            <a:r>
+              <a:rPr lang="it-IT" sz="5000" dirty="0">
+                <a:latin typeface="Monaco"/>
+                <a:cs typeface="Monaco"/>
+              </a:rPr>
+              <a:t>'</a:t>
+            </a:r>
+            <a:r>
+              <a:rPr lang="it-IT" sz="5000" dirty="0" smtClean="0">
+                <a:latin typeface="Monaco"/>
+                <a:cs typeface="Monaco"/>
+              </a:rPr>
+              <a:t>;</a:t>
+            </a:r>
+            <a:endParaRPr lang="it-IT" sz="5000" dirty="0" smtClean="0">
+              <a:latin typeface="Monaco"/>
+              <a:cs typeface="Monaco"/>
+            </a:endParaRPr>
           </a:p>
           <a:p>
             <a:pPr algn="l"/>
@@ -41539,28 +41582,28 @@
                 <a:latin typeface="Monaco"/>
                 <a:cs typeface="Monaco"/>
               </a:rPr>
-              <a:t> = $nome </a:t>
+              <a:t> = $nome . </a:t>
             </a:r>
             <a:r>
               <a:rPr lang="it-IT" sz="5000" dirty="0" smtClean="0">
                 <a:latin typeface="Monaco"/>
                 <a:cs typeface="Monaco"/>
               </a:rPr>
-              <a:t>. ” ” . </a:t>
+              <a:t>' '</a:t>
             </a:r>
             <a:r>
               <a:rPr lang="it-IT" sz="5000" dirty="0" smtClean="0">
                 <a:latin typeface="Monaco"/>
                 <a:cs typeface="Monaco"/>
               </a:rPr>
-              <a:t>$</a:t>
+              <a:t> </a:t>
             </a:r>
             <a:r>
               <a:rPr lang="it-IT" sz="5000" dirty="0" smtClean="0">
                 <a:latin typeface="Monaco"/>
                 <a:cs typeface="Monaco"/>
               </a:rPr>
-              <a:t>cognome;</a:t>
+              <a:t>. $cognome;</a:t>
             </a:r>
             <a:endParaRPr lang="it-IT" sz="5000" dirty="0">
               <a:latin typeface="Monaco"/>
@@ -41742,14 +41785,14 @@
             </a:ln>
             <a:extLst>
               <a:ext uri="{909E8E84-426E-40dd-AFC4-6F175D3DCCD1}">
-                <a14:hiddenFill xmlns:a14="http://schemas.microsoft.com/office/drawing/2010/main" xmlns="">
+                <a14:hiddenFill xmlns="" xmlns:a14="http://schemas.microsoft.com/office/drawing/2010/main">
                   <a:solidFill>
                     <a:srgbClr val="FFFFFF"/>
                   </a:solidFill>
                 </a14:hiddenFill>
               </a:ext>
               <a:ext uri="{91240B29-F687-4f45-9708-019B960494DF}">
-                <a14:hiddenLine xmlns:a14="http://schemas.microsoft.com/office/drawing/2010/main" xmlns="" w="12700">
+                <a14:hiddenLine xmlns="" xmlns:a14="http://schemas.microsoft.com/office/drawing/2010/main" w="12700">
                   <a:solidFill>
                     <a:schemeClr val="tx1"/>
                   </a:solidFill>
@@ -41788,7 +41831,7 @@
             </a:ln>
             <a:extLst>
               <a:ext uri="{909E8E84-426E-40dd-AFC4-6F175D3DCCD1}">
-                <a14:hiddenFill xmlns:a14="http://schemas.microsoft.com/office/drawing/2010/main" xmlns="">
+                <a14:hiddenFill xmlns="" xmlns:a14="http://schemas.microsoft.com/office/drawing/2010/main">
                   <a:noFill/>
                 </a14:hiddenFill>
               </a:ext>
@@ -41827,7 +41870,7 @@
           </a:ln>
           <a:extLst>
             <a:ext uri="{91240B29-F687-4f45-9708-019B960494DF}">
-              <a14:hiddenLine xmlns:a14="http://schemas.microsoft.com/office/drawing/2010/main" xmlns="" w="25400">
+              <a14:hiddenLine xmlns="" xmlns:a14="http://schemas.microsoft.com/office/drawing/2010/main" w="25400">
                 <a:solidFill>
                   <a:schemeClr val="tx1"/>
                 </a:solidFill>
@@ -42444,14 +42487,14 @@
             </a:ln>
             <a:extLst>
               <a:ext uri="{909E8E84-426E-40dd-AFC4-6F175D3DCCD1}">
-                <a14:hiddenFill xmlns:a14="http://schemas.microsoft.com/office/drawing/2010/main" xmlns="">
+                <a14:hiddenFill xmlns="" xmlns:a14="http://schemas.microsoft.com/office/drawing/2010/main">
                   <a:solidFill>
                     <a:srgbClr val="FFFFFF"/>
                   </a:solidFill>
                 </a14:hiddenFill>
               </a:ext>
               <a:ext uri="{91240B29-F687-4f45-9708-019B960494DF}">
-                <a14:hiddenLine xmlns:a14="http://schemas.microsoft.com/office/drawing/2010/main" xmlns="" w="12700">
+                <a14:hiddenLine xmlns="" xmlns:a14="http://schemas.microsoft.com/office/drawing/2010/main" w="12700">
                   <a:solidFill>
                     <a:schemeClr val="tx1"/>
                   </a:solidFill>
@@ -42490,7 +42533,7 @@
             </a:ln>
             <a:extLst>
               <a:ext uri="{909E8E84-426E-40dd-AFC4-6F175D3DCCD1}">
-                <a14:hiddenFill xmlns:a14="http://schemas.microsoft.com/office/drawing/2010/main" xmlns="">
+                <a14:hiddenFill xmlns="" xmlns:a14="http://schemas.microsoft.com/office/drawing/2010/main">
                   <a:noFill/>
                 </a14:hiddenFill>
               </a:ext>
@@ -42529,7 +42572,7 @@
           </a:ln>
           <a:extLst>
             <a:ext uri="{91240B29-F687-4f45-9708-019B960494DF}">
-              <a14:hiddenLine xmlns:a14="http://schemas.microsoft.com/office/drawing/2010/main" xmlns="" w="25400">
+              <a14:hiddenLine xmlns="" xmlns:a14="http://schemas.microsoft.com/office/drawing/2010/main" w="25400">
                 <a:solidFill>
                   <a:schemeClr val="tx1"/>
                 </a:solidFill>
@@ -43050,14 +43093,14 @@
             </a:ln>
             <a:extLst>
               <a:ext uri="{909E8E84-426E-40dd-AFC4-6F175D3DCCD1}">
-                <a14:hiddenFill xmlns:a14="http://schemas.microsoft.com/office/drawing/2010/main" xmlns="">
+                <a14:hiddenFill xmlns="" xmlns:a14="http://schemas.microsoft.com/office/drawing/2010/main">
                   <a:solidFill>
                     <a:srgbClr val="FFFFFF"/>
                   </a:solidFill>
                 </a14:hiddenFill>
               </a:ext>
               <a:ext uri="{91240B29-F687-4f45-9708-019B960494DF}">
-                <a14:hiddenLine xmlns:a14="http://schemas.microsoft.com/office/drawing/2010/main" xmlns="" w="12700">
+                <a14:hiddenLine xmlns="" xmlns:a14="http://schemas.microsoft.com/office/drawing/2010/main" w="12700">
                   <a:solidFill>
                     <a:schemeClr val="tx1"/>
                   </a:solidFill>
@@ -43096,7 +43139,7 @@
             </a:ln>
             <a:extLst>
               <a:ext uri="{909E8E84-426E-40dd-AFC4-6F175D3DCCD1}">
-                <a14:hiddenFill xmlns:a14="http://schemas.microsoft.com/office/drawing/2010/main" xmlns="">
+                <a14:hiddenFill xmlns="" xmlns:a14="http://schemas.microsoft.com/office/drawing/2010/main">
                   <a:noFill/>
                 </a14:hiddenFill>
               </a:ext>
@@ -43135,7 +43178,7 @@
           </a:ln>
           <a:extLst>
             <a:ext uri="{91240B29-F687-4f45-9708-019B960494DF}">
-              <a14:hiddenLine xmlns:a14="http://schemas.microsoft.com/office/drawing/2010/main" xmlns="" w="25400">
+              <a14:hiddenLine xmlns="" xmlns:a14="http://schemas.microsoft.com/office/drawing/2010/main" w="25400">
                 <a:solidFill>
                   <a:schemeClr val="tx1"/>
                 </a:solidFill>
@@ -43614,14 +43657,14 @@
             </a:ln>
             <a:extLst>
               <a:ext uri="{909E8E84-426E-40dd-AFC4-6F175D3DCCD1}">
-                <a14:hiddenFill xmlns:a14="http://schemas.microsoft.com/office/drawing/2010/main" xmlns="">
+                <a14:hiddenFill xmlns="" xmlns:a14="http://schemas.microsoft.com/office/drawing/2010/main">
                   <a:solidFill>
                     <a:srgbClr val="FFFFFF"/>
                   </a:solidFill>
                 </a14:hiddenFill>
               </a:ext>
               <a:ext uri="{91240B29-F687-4f45-9708-019B960494DF}">
-                <a14:hiddenLine xmlns:a14="http://schemas.microsoft.com/office/drawing/2010/main" xmlns="" w="12700">
+                <a14:hiddenLine xmlns="" xmlns:a14="http://schemas.microsoft.com/office/drawing/2010/main" w="12700">
                   <a:solidFill>
                     <a:schemeClr val="tx1"/>
                   </a:solidFill>
@@ -43660,7 +43703,7 @@
             </a:ln>
             <a:extLst>
               <a:ext uri="{909E8E84-426E-40dd-AFC4-6F175D3DCCD1}">
-                <a14:hiddenFill xmlns:a14="http://schemas.microsoft.com/office/drawing/2010/main" xmlns="">
+                <a14:hiddenFill xmlns="" xmlns:a14="http://schemas.microsoft.com/office/drawing/2010/main">
                   <a:noFill/>
                 </a14:hiddenFill>
               </a:ext>
@@ -43699,7 +43742,7 @@
           </a:ln>
           <a:extLst>
             <a:ext uri="{91240B29-F687-4f45-9708-019B960494DF}">
-              <a14:hiddenLine xmlns:a14="http://schemas.microsoft.com/office/drawing/2010/main" xmlns="" w="25400">
+              <a14:hiddenLine xmlns="" xmlns:a14="http://schemas.microsoft.com/office/drawing/2010/main" w="25400">
                 <a:solidFill>
                   <a:schemeClr val="tx1"/>
                 </a:solidFill>
@@ -43783,7 +43826,7 @@
         <p:spPr>
           <a:xfrm>
             <a:off x="3703898" y="2898354"/>
-            <a:ext cx="9956860" cy="677108"/>
+            <a:ext cx="9812302" cy="677108"/>
           </a:xfrm>
           <a:prstGeom prst="rect">
             <a:avLst/>
@@ -43818,14 +43861,21 @@
                 <a:latin typeface="Monaco"/>
                 <a:cs typeface="Monaco"/>
               </a:rPr>
-              <a:t> include</a:t>
+              <a:t> </a:t>
+            </a:r>
+            <a:r>
+              <a:rPr lang="it-IT" sz="3800" b="1" dirty="0" smtClean="0">
+                <a:latin typeface="Monaco"/>
+                <a:cs typeface="Monaco"/>
+              </a:rPr>
+              <a:t>include</a:t>
             </a:r>
             <a:r>
               <a:rPr lang="it-IT" sz="3800" dirty="0" smtClean="0">
                 <a:latin typeface="Monaco"/>
                 <a:cs typeface="Monaco"/>
               </a:rPr>
-              <a:t>(‘</a:t>
+              <a:t>('</a:t>
             </a:r>
             <a:r>
               <a:rPr lang="it-IT" sz="3800" dirty="0" err="1" smtClean="0">
@@ -43835,11 +43885,18 @@
               <a:t>nomefile.php</a:t>
             </a:r>
             <a:r>
+              <a:rPr lang="it-IT" sz="3800" dirty="0">
+                <a:latin typeface="Monaco"/>
+                <a:cs typeface="Monaco"/>
+              </a:rPr>
+              <a:t>'</a:t>
+            </a:r>
+            <a:r>
               <a:rPr lang="it-IT" sz="3800" dirty="0" smtClean="0">
                 <a:latin typeface="Monaco"/>
                 <a:cs typeface="Monaco"/>
               </a:rPr>
-              <a:t>’); </a:t>
+              <a:t>); </a:t>
             </a:r>
             <a:r>
               <a:rPr lang="it-IT" sz="3800" b="1" dirty="0" smtClean="0">
@@ -44285,14 +44342,14 @@
             </a:ln>
             <a:extLst>
               <a:ext uri="{909E8E84-426E-40dd-AFC4-6F175D3DCCD1}">
-                <a14:hiddenFill xmlns:a14="http://schemas.microsoft.com/office/drawing/2010/main" xmlns="">
+                <a14:hiddenFill xmlns="" xmlns:a14="http://schemas.microsoft.com/office/drawing/2010/main">
                   <a:solidFill>
                     <a:srgbClr val="FFFFFF"/>
                   </a:solidFill>
                 </a14:hiddenFill>
               </a:ext>
               <a:ext uri="{91240B29-F687-4f45-9708-019B960494DF}">
-                <a14:hiddenLine xmlns:a14="http://schemas.microsoft.com/office/drawing/2010/main" xmlns="" w="12700">
+                <a14:hiddenLine xmlns="" xmlns:a14="http://schemas.microsoft.com/office/drawing/2010/main" w="12700">
                   <a:solidFill>
                     <a:schemeClr val="tx1"/>
                   </a:solidFill>
@@ -44331,7 +44388,7 @@
             </a:ln>
             <a:extLst>
               <a:ext uri="{909E8E84-426E-40dd-AFC4-6F175D3DCCD1}">
-                <a14:hiddenFill xmlns:a14="http://schemas.microsoft.com/office/drawing/2010/main" xmlns="">
+                <a14:hiddenFill xmlns="" xmlns:a14="http://schemas.microsoft.com/office/drawing/2010/main">
                   <a:noFill/>
                 </a14:hiddenFill>
               </a:ext>
@@ -44370,7 +44427,7 @@
           </a:ln>
           <a:extLst>
             <a:ext uri="{91240B29-F687-4f45-9708-019B960494DF}">
-              <a14:hiddenLine xmlns:a14="http://schemas.microsoft.com/office/drawing/2010/main" xmlns="" w="25400">
+              <a14:hiddenLine xmlns="" xmlns:a14="http://schemas.microsoft.com/office/drawing/2010/main" w="25400">
                 <a:solidFill>
                   <a:schemeClr val="tx1"/>
                 </a:solidFill>
@@ -44639,14 +44696,14 @@
             </a:ln>
             <a:extLst>
               <a:ext uri="{909E8E84-426E-40dd-AFC4-6F175D3DCCD1}">
-                <a14:hiddenFill xmlns:a14="http://schemas.microsoft.com/office/drawing/2010/main" xmlns="">
+                <a14:hiddenFill xmlns="" xmlns:a14="http://schemas.microsoft.com/office/drawing/2010/main">
                   <a:solidFill>
                     <a:srgbClr val="FFFFFF"/>
                   </a:solidFill>
                 </a14:hiddenFill>
               </a:ext>
               <a:ext uri="{91240B29-F687-4f45-9708-019B960494DF}">
-                <a14:hiddenLine xmlns:a14="http://schemas.microsoft.com/office/drawing/2010/main" xmlns="" w="12700">
+                <a14:hiddenLine xmlns="" xmlns:a14="http://schemas.microsoft.com/office/drawing/2010/main" w="12700">
                   <a:solidFill>
                     <a:schemeClr val="tx1"/>
                   </a:solidFill>
@@ -44685,7 +44742,7 @@
             </a:ln>
             <a:extLst>
               <a:ext uri="{909E8E84-426E-40dd-AFC4-6F175D3DCCD1}">
-                <a14:hiddenFill xmlns:a14="http://schemas.microsoft.com/office/drawing/2010/main" xmlns="">
+                <a14:hiddenFill xmlns="" xmlns:a14="http://schemas.microsoft.com/office/drawing/2010/main">
                   <a:noFill/>
                 </a14:hiddenFill>
               </a:ext>
@@ -44724,7 +44781,7 @@
           </a:ln>
           <a:extLst>
             <a:ext uri="{91240B29-F687-4f45-9708-019B960494DF}">
-              <a14:hiddenLine xmlns:a14="http://schemas.microsoft.com/office/drawing/2010/main" xmlns="" w="25400">
+              <a14:hiddenLine xmlns="" xmlns:a14="http://schemas.microsoft.com/office/drawing/2010/main" w="25400">
                 <a:solidFill>
                   <a:schemeClr val="tx1"/>
                 </a:solidFill>
@@ -45190,14 +45247,14 @@
             </a:ln>
             <a:extLst>
               <a:ext uri="{909E8E84-426E-40dd-AFC4-6F175D3DCCD1}">
-                <a14:hiddenFill xmlns:a14="http://schemas.microsoft.com/office/drawing/2010/main" xmlns="">
+                <a14:hiddenFill xmlns="" xmlns:a14="http://schemas.microsoft.com/office/drawing/2010/main">
                   <a:solidFill>
                     <a:srgbClr val="FFFFFF"/>
                   </a:solidFill>
                 </a14:hiddenFill>
               </a:ext>
               <a:ext uri="{91240B29-F687-4f45-9708-019B960494DF}">
-                <a14:hiddenLine xmlns:a14="http://schemas.microsoft.com/office/drawing/2010/main" xmlns="" w="12700">
+                <a14:hiddenLine xmlns="" xmlns:a14="http://schemas.microsoft.com/office/drawing/2010/main" w="12700">
                   <a:solidFill>
                     <a:schemeClr val="tx1"/>
                   </a:solidFill>
@@ -45236,7 +45293,7 @@
             </a:ln>
             <a:extLst>
               <a:ext uri="{909E8E84-426E-40dd-AFC4-6F175D3DCCD1}">
-                <a14:hiddenFill xmlns:a14="http://schemas.microsoft.com/office/drawing/2010/main" xmlns="">
+                <a14:hiddenFill xmlns="" xmlns:a14="http://schemas.microsoft.com/office/drawing/2010/main">
                   <a:noFill/>
                 </a14:hiddenFill>
               </a:ext>
@@ -45275,7 +45332,7 @@
           </a:ln>
           <a:extLst>
             <a:ext uri="{91240B29-F687-4f45-9708-019B960494DF}">
-              <a14:hiddenLine xmlns:a14="http://schemas.microsoft.com/office/drawing/2010/main" xmlns="" w="25400">
+              <a14:hiddenLine xmlns="" xmlns:a14="http://schemas.microsoft.com/office/drawing/2010/main" w="25400">
                 <a:solidFill>
                   <a:schemeClr val="tx1"/>
                 </a:solidFill>
@@ -45332,7 +45389,7 @@
           <a:effectLst/>
           <a:extLst>
             <a:ext uri="{91240B29-F687-4f45-9708-019B960494DF}">
-              <a14:hiddenLine xmlns:a14="http://schemas.microsoft.com/office/drawing/2010/main" xmlns="" w="9525">
+              <a14:hiddenLine xmlns="" xmlns:a14="http://schemas.microsoft.com/office/drawing/2010/main" w="9525">
                 <a:solidFill>
                   <a:schemeClr val="tx1"/>
                 </a:solidFill>
@@ -45342,7 +45399,7 @@
               </a14:hiddenLine>
             </a:ext>
             <a:ext uri="{AF507438-7753-43e0-B8FC-AC1667EBCBE1}">
-              <a14:hiddenEffects xmlns:a14="http://schemas.microsoft.com/office/drawing/2010/main" xmlns="">
+              <a14:hiddenEffects xmlns="" xmlns:a14="http://schemas.microsoft.com/office/drawing/2010/main">
                 <a:effectLst>
                   <a:outerShdw dist="35921" dir="2700000" algn="ctr" rotWithShape="0">
                     <a:schemeClr val="bg2"/>
@@ -45804,7 +45861,7 @@
           <a:effectLst/>
           <a:extLst>
             <a:ext uri="{AF507438-7753-43e0-B8FC-AC1667EBCBE1}">
-              <a14:hiddenEffects xmlns:a14="http://schemas.microsoft.com/office/drawing/2010/main" xmlns="">
+              <a14:hiddenEffects xmlns="" xmlns:a14="http://schemas.microsoft.com/office/drawing/2010/main">
                 <a:effectLst>
                   <a:outerShdw dist="35921" dir="2700000" algn="ctr" rotWithShape="0">
                     <a:schemeClr val="bg2"/>
@@ -45883,7 +45940,7 @@
           <a:effectLst/>
           <a:extLst>
             <a:ext uri="{AF507438-7753-43e0-B8FC-AC1667EBCBE1}">
-              <a14:hiddenEffects xmlns:a14="http://schemas.microsoft.com/office/drawing/2010/main" xmlns="">
+              <a14:hiddenEffects xmlns="" xmlns:a14="http://schemas.microsoft.com/office/drawing/2010/main">
                 <a:effectLst>
                   <a:outerShdw dist="35921" dir="2700000" algn="ctr" rotWithShape="0">
                     <a:schemeClr val="bg2"/>
@@ -45962,7 +46019,7 @@
           <a:effectLst/>
           <a:extLst>
             <a:ext uri="{AF507438-7753-43e0-B8FC-AC1667EBCBE1}">
-              <a14:hiddenEffects xmlns:a14="http://schemas.microsoft.com/office/drawing/2010/main" xmlns="">
+              <a14:hiddenEffects xmlns="" xmlns:a14="http://schemas.microsoft.com/office/drawing/2010/main">
                 <a:effectLst>
                   <a:outerShdw dist="35921" dir="2700000" algn="ctr" rotWithShape="0">
                     <a:schemeClr val="bg2"/>
@@ -46041,7 +46098,7 @@
           <a:effectLst/>
           <a:extLst>
             <a:ext uri="{AF507438-7753-43e0-B8FC-AC1667EBCBE1}">
-              <a14:hiddenEffects xmlns:a14="http://schemas.microsoft.com/office/drawing/2010/main" xmlns="">
+              <a14:hiddenEffects xmlns="" xmlns:a14="http://schemas.microsoft.com/office/drawing/2010/main">
                 <a:effectLst>
                   <a:outerShdw dist="35921" dir="2700000" algn="ctr" rotWithShape="0">
                     <a:schemeClr val="bg2"/>
@@ -46174,14 +46231,14 @@
             </a:ln>
             <a:extLst>
               <a:ext uri="{909E8E84-426E-40dd-AFC4-6F175D3DCCD1}">
-                <a14:hiddenFill xmlns:a14="http://schemas.microsoft.com/office/drawing/2010/main" xmlns="">
+                <a14:hiddenFill xmlns="" xmlns:a14="http://schemas.microsoft.com/office/drawing/2010/main">
                   <a:solidFill>
                     <a:srgbClr val="FFFFFF"/>
                   </a:solidFill>
                 </a14:hiddenFill>
               </a:ext>
               <a:ext uri="{91240B29-F687-4f45-9708-019B960494DF}">
-                <a14:hiddenLine xmlns:a14="http://schemas.microsoft.com/office/drawing/2010/main" xmlns="" w="12700">
+                <a14:hiddenLine xmlns="" xmlns:a14="http://schemas.microsoft.com/office/drawing/2010/main" w="12700">
                   <a:solidFill>
                     <a:schemeClr val="tx1"/>
                   </a:solidFill>
@@ -46220,7 +46277,7 @@
             </a:ln>
             <a:extLst>
               <a:ext uri="{909E8E84-426E-40dd-AFC4-6F175D3DCCD1}">
-                <a14:hiddenFill xmlns:a14="http://schemas.microsoft.com/office/drawing/2010/main" xmlns="">
+                <a14:hiddenFill xmlns="" xmlns:a14="http://schemas.microsoft.com/office/drawing/2010/main">
                   <a:noFill/>
                 </a14:hiddenFill>
               </a:ext>
@@ -46259,7 +46316,7 @@
           </a:ln>
           <a:extLst>
             <a:ext uri="{91240B29-F687-4f45-9708-019B960494DF}">
-              <a14:hiddenLine xmlns:a14="http://schemas.microsoft.com/office/drawing/2010/main" xmlns="" w="25400">
+              <a14:hiddenLine xmlns="" xmlns:a14="http://schemas.microsoft.com/office/drawing/2010/main" w="25400">
                 <a:solidFill>
                   <a:schemeClr val="tx1"/>
                 </a:solidFill>
@@ -46324,7 +46381,7 @@
           <a:effectLst/>
           <a:extLst>
             <a:ext uri="{AF507438-7753-43e0-B8FC-AC1667EBCBE1}">
-              <a14:hiddenEffects xmlns:a14="http://schemas.microsoft.com/office/drawing/2010/main" xmlns="">
+              <a14:hiddenEffects xmlns="" xmlns:a14="http://schemas.microsoft.com/office/drawing/2010/main">
                 <a:effectLst>
                   <a:outerShdw dist="35921" dir="2700000" algn="ctr" rotWithShape="0">
                     <a:schemeClr val="bg2"/>
@@ -46513,7 +46570,7 @@
         <p:spPr>
           <a:xfrm>
             <a:off x="11075234" y="2787068"/>
-            <a:ext cx="3627358" cy="4662042"/>
+            <a:ext cx="3508725" cy="4662042"/>
           </a:xfrm>
           <a:prstGeom prst="rect">
             <a:avLst/>
@@ -46598,8 +46655,8 @@
         </p:nvSpPr>
         <p:spPr>
           <a:xfrm>
-            <a:off x="14689138" y="2779543"/>
-            <a:ext cx="3600451" cy="4640020"/>
+            <a:off x="14863005" y="2898354"/>
+            <a:ext cx="3354797" cy="4320480"/>
           </a:xfrm>
           <a:prstGeom prst="rect">
             <a:avLst/>
@@ -46700,27 +46757,43 @@
           <a:prstGeom prst="rect">
             <a:avLst/>
           </a:prstGeom>
-          <a:noFill/>
+          <a:solidFill>
+            <a:schemeClr val="bg1">
+              <a:lumMod val="85000"/>
+            </a:schemeClr>
+          </a:solidFill>
         </p:spPr>
         <p:txBody>
           <a:bodyPr wrap="square" rtlCol="0">
             <a:normAutofit/>
           </a:bodyPr>
-          <a:lstStyle/>
-          <a:p>
-            <a:r>
-              <a:rPr lang="en-US" sz="9600" b="1" dirty="0" smtClean="0">
+          <a:lstStyle>
+            <a:defPPr>
+              <a:defRPr lang="en-US"/>
+            </a:defPPr>
+            <a:lvl1pPr>
+              <a:defRPr sz="9600">
+                <a:ln w="0"/>
                 <a:solidFill>
-                  <a:schemeClr val="bg1">
-                    <a:lumMod val="85000"/>
-                  </a:schemeClr>
+                  <a:schemeClr val="tx1"/>
                 </a:solidFill>
-              </a:rPr>
+                <a:effectLst>
+                  <a:outerShdw blurRad="38100" dist="19050" dir="2700000" algn="tl" rotWithShape="0">
+                    <a:schemeClr val="dk1">
+                      <a:alpha val="40000"/>
+                    </a:schemeClr>
+                  </a:outerShdw>
+                </a:effectLst>
+              </a:defRPr>
+            </a:lvl1pPr>
+          </a:lstStyle>
+          <a:p>
+            <a:r>
+              <a:rPr lang="en-US" dirty="0"/>
               <a:t>6</a:t>
             </a:r>
           </a:p>
           <a:p>
-            <a:pPr lvl="0"/>
             <a:r>
               <a:rPr lang="en-US" sz="3300" dirty="0" err="1"/>
               <a:t>Creazione</a:t>
@@ -46731,7 +46804,6 @@
             </a:r>
           </a:p>
           <a:p>
-            <a:pPr lvl="0"/>
             <a:r>
               <a:rPr lang="en-US" sz="3300" dirty="0"/>
               <a:t>di un </a:t>
@@ -46746,7 +46818,6 @@
             </a:r>
           </a:p>
           <a:p>
-            <a:pPr lvl="0"/>
             <a:r>
               <a:rPr lang="en-US" sz="3300" dirty="0" err="1"/>
               <a:t>applicazione</a:t>
@@ -46757,13 +46828,7 @@
             </a:r>
           </a:p>
           <a:p>
-            <a:endParaRPr lang="en-US" sz="3300" b="1" dirty="0" smtClean="0">
-              <a:solidFill>
-                <a:schemeClr val="bg1">
-                  <a:lumMod val="85000"/>
-                </a:schemeClr>
-              </a:solidFill>
-            </a:endParaRPr>
+            <a:endParaRPr lang="en-US" dirty="0"/>
           </a:p>
         </p:txBody>
       </p:sp>
@@ -47263,14 +47328,14 @@
             </a:ln>
             <a:extLst>
               <a:ext uri="{909E8E84-426E-40dd-AFC4-6F175D3DCCD1}">
-                <a14:hiddenFill xmlns:a14="http://schemas.microsoft.com/office/drawing/2010/main" xmlns="">
+                <a14:hiddenFill xmlns="" xmlns:a14="http://schemas.microsoft.com/office/drawing/2010/main">
                   <a:solidFill>
                     <a:srgbClr val="FFFFFF"/>
                   </a:solidFill>
                 </a14:hiddenFill>
               </a:ext>
               <a:ext uri="{91240B29-F687-4f45-9708-019B960494DF}">
-                <a14:hiddenLine xmlns:a14="http://schemas.microsoft.com/office/drawing/2010/main" xmlns="" w="12700">
+                <a14:hiddenLine xmlns="" xmlns:a14="http://schemas.microsoft.com/office/drawing/2010/main" w="12700">
                   <a:solidFill>
                     <a:schemeClr val="tx1"/>
                   </a:solidFill>
@@ -47309,7 +47374,7 @@
             </a:ln>
             <a:extLst>
               <a:ext uri="{909E8E84-426E-40dd-AFC4-6F175D3DCCD1}">
-                <a14:hiddenFill xmlns:a14="http://schemas.microsoft.com/office/drawing/2010/main" xmlns="">
+                <a14:hiddenFill xmlns="" xmlns:a14="http://schemas.microsoft.com/office/drawing/2010/main">
                   <a:noFill/>
                 </a14:hiddenFill>
               </a:ext>
@@ -47348,7 +47413,7 @@
           </a:ln>
           <a:extLst>
             <a:ext uri="{91240B29-F687-4f45-9708-019B960494DF}">
-              <a14:hiddenLine xmlns:a14="http://schemas.microsoft.com/office/drawing/2010/main" xmlns="" w="25400">
+              <a14:hiddenLine xmlns="" xmlns:a14="http://schemas.microsoft.com/office/drawing/2010/main" w="25400">
                 <a:solidFill>
                   <a:schemeClr val="tx1"/>
                 </a:solidFill>
@@ -47747,14 +47812,14 @@
             </a:ln>
             <a:extLst>
               <a:ext uri="{909E8E84-426E-40dd-AFC4-6F175D3DCCD1}">
-                <a14:hiddenFill xmlns:a14="http://schemas.microsoft.com/office/drawing/2010/main" xmlns="">
+                <a14:hiddenFill xmlns="" xmlns:a14="http://schemas.microsoft.com/office/drawing/2010/main">
                   <a:solidFill>
                     <a:srgbClr val="FFFFFF"/>
                   </a:solidFill>
                 </a14:hiddenFill>
               </a:ext>
               <a:ext uri="{91240B29-F687-4f45-9708-019B960494DF}">
-                <a14:hiddenLine xmlns:a14="http://schemas.microsoft.com/office/drawing/2010/main" xmlns="" w="12700">
+                <a14:hiddenLine xmlns="" xmlns:a14="http://schemas.microsoft.com/office/drawing/2010/main" w="12700">
                   <a:solidFill>
                     <a:schemeClr val="tx1"/>
                   </a:solidFill>
@@ -47793,7 +47858,7 @@
             </a:ln>
             <a:extLst>
               <a:ext uri="{909E8E84-426E-40dd-AFC4-6F175D3DCCD1}">
-                <a14:hiddenFill xmlns:a14="http://schemas.microsoft.com/office/drawing/2010/main" xmlns="">
+                <a14:hiddenFill xmlns="" xmlns:a14="http://schemas.microsoft.com/office/drawing/2010/main">
                   <a:noFill/>
                 </a14:hiddenFill>
               </a:ext>
@@ -47832,7 +47897,7 @@
           </a:ln>
           <a:extLst>
             <a:ext uri="{91240B29-F687-4f45-9708-019B960494DF}">
-              <a14:hiddenLine xmlns:a14="http://schemas.microsoft.com/office/drawing/2010/main" xmlns="" w="25400">
+              <a14:hiddenLine xmlns="" xmlns:a14="http://schemas.microsoft.com/office/drawing/2010/main" w="25400">
                 <a:solidFill>
                   <a:schemeClr val="tx1"/>
                 </a:solidFill>
@@ -48176,14 +48241,14 @@
             </a:ln>
             <a:extLst>
               <a:ext uri="{909E8E84-426E-40dd-AFC4-6F175D3DCCD1}">
-                <a14:hiddenFill xmlns:a14="http://schemas.microsoft.com/office/drawing/2010/main" xmlns="">
+                <a14:hiddenFill xmlns="" xmlns:a14="http://schemas.microsoft.com/office/drawing/2010/main">
                   <a:solidFill>
                     <a:srgbClr val="FFFFFF"/>
                   </a:solidFill>
                 </a14:hiddenFill>
               </a:ext>
               <a:ext uri="{91240B29-F687-4f45-9708-019B960494DF}">
-                <a14:hiddenLine xmlns:a14="http://schemas.microsoft.com/office/drawing/2010/main" xmlns="" w="12700">
+                <a14:hiddenLine xmlns="" xmlns:a14="http://schemas.microsoft.com/office/drawing/2010/main" w="12700">
                   <a:solidFill>
                     <a:schemeClr val="tx1"/>
                   </a:solidFill>
@@ -48222,7 +48287,7 @@
             </a:ln>
             <a:extLst>
               <a:ext uri="{909E8E84-426E-40dd-AFC4-6F175D3DCCD1}">
-                <a14:hiddenFill xmlns:a14="http://schemas.microsoft.com/office/drawing/2010/main" xmlns="">
+                <a14:hiddenFill xmlns="" xmlns:a14="http://schemas.microsoft.com/office/drawing/2010/main">
                   <a:noFill/>
                 </a14:hiddenFill>
               </a:ext>
@@ -48261,7 +48326,7 @@
           </a:ln>
           <a:extLst>
             <a:ext uri="{91240B29-F687-4f45-9708-019B960494DF}">
-              <a14:hiddenLine xmlns:a14="http://schemas.microsoft.com/office/drawing/2010/main" xmlns="" w="25400">
+              <a14:hiddenLine xmlns="" xmlns:a14="http://schemas.microsoft.com/office/drawing/2010/main" w="25400">
                 <a:solidFill>
                   <a:schemeClr val="tx1"/>
                 </a:solidFill>
@@ -48576,14 +48641,14 @@
             </a:ln>
             <a:extLst>
               <a:ext uri="{909E8E84-426E-40dd-AFC4-6F175D3DCCD1}">
-                <a14:hiddenFill xmlns:a14="http://schemas.microsoft.com/office/drawing/2010/main" xmlns="">
+                <a14:hiddenFill xmlns="" xmlns:a14="http://schemas.microsoft.com/office/drawing/2010/main">
                   <a:solidFill>
                     <a:srgbClr val="FFFFFF"/>
                   </a:solidFill>
                 </a14:hiddenFill>
               </a:ext>
               <a:ext uri="{91240B29-F687-4f45-9708-019B960494DF}">
-                <a14:hiddenLine xmlns:a14="http://schemas.microsoft.com/office/drawing/2010/main" xmlns="" w="12700">
+                <a14:hiddenLine xmlns="" xmlns:a14="http://schemas.microsoft.com/office/drawing/2010/main" w="12700">
                   <a:solidFill>
                     <a:schemeClr val="tx1"/>
                   </a:solidFill>
@@ -48622,7 +48687,7 @@
             </a:ln>
             <a:extLst>
               <a:ext uri="{909E8E84-426E-40dd-AFC4-6F175D3DCCD1}">
-                <a14:hiddenFill xmlns:a14="http://schemas.microsoft.com/office/drawing/2010/main" xmlns="">
+                <a14:hiddenFill xmlns="" xmlns:a14="http://schemas.microsoft.com/office/drawing/2010/main">
                   <a:noFill/>
                 </a14:hiddenFill>
               </a:ext>
@@ -48661,7 +48726,7 @@
           </a:ln>
           <a:extLst>
             <a:ext uri="{91240B29-F687-4f45-9708-019B960494DF}">
-              <a14:hiddenLine xmlns:a14="http://schemas.microsoft.com/office/drawing/2010/main" xmlns="" w="25400">
+              <a14:hiddenLine xmlns="" xmlns:a14="http://schemas.microsoft.com/office/drawing/2010/main" w="25400">
                 <a:solidFill>
                   <a:schemeClr val="tx1"/>
                 </a:solidFill>
@@ -49013,14 +49078,14 @@
             </a:ln>
             <a:extLst>
               <a:ext uri="{909E8E84-426E-40dd-AFC4-6F175D3DCCD1}">
-                <a14:hiddenFill xmlns:a14="http://schemas.microsoft.com/office/drawing/2010/main" xmlns="">
+                <a14:hiddenFill xmlns="" xmlns:a14="http://schemas.microsoft.com/office/drawing/2010/main">
                   <a:solidFill>
                     <a:srgbClr val="FFFFFF"/>
                   </a:solidFill>
                 </a14:hiddenFill>
               </a:ext>
               <a:ext uri="{91240B29-F687-4f45-9708-019B960494DF}">
-                <a14:hiddenLine xmlns:a14="http://schemas.microsoft.com/office/drawing/2010/main" xmlns="" w="12700">
+                <a14:hiddenLine xmlns="" xmlns:a14="http://schemas.microsoft.com/office/drawing/2010/main" w="12700">
                   <a:solidFill>
                     <a:schemeClr val="tx1"/>
                   </a:solidFill>
@@ -49059,7 +49124,7 @@
             </a:ln>
             <a:extLst>
               <a:ext uri="{909E8E84-426E-40dd-AFC4-6F175D3DCCD1}">
-                <a14:hiddenFill xmlns:a14="http://schemas.microsoft.com/office/drawing/2010/main" xmlns="">
+                <a14:hiddenFill xmlns="" xmlns:a14="http://schemas.microsoft.com/office/drawing/2010/main">
                   <a:noFill/>
                 </a14:hiddenFill>
               </a:ext>
@@ -49098,7 +49163,7 @@
           </a:ln>
           <a:extLst>
             <a:ext uri="{91240B29-F687-4f45-9708-019B960494DF}">
-              <a14:hiddenLine xmlns:a14="http://schemas.microsoft.com/office/drawing/2010/main" xmlns="" w="25400">
+              <a14:hiddenLine xmlns="" xmlns:a14="http://schemas.microsoft.com/office/drawing/2010/main" w="25400">
                 <a:solidFill>
                   <a:schemeClr val="tx1"/>
                 </a:solidFill>
@@ -49326,8 +49391,8 @@
         </p:nvSpPr>
         <p:spPr>
           <a:xfrm>
-            <a:off x="5195373" y="6498754"/>
-            <a:ext cx="7495549" cy="861774"/>
+            <a:off x="5195968" y="6498754"/>
+            <a:ext cx="7494359" cy="861774"/>
           </a:xfrm>
           <a:prstGeom prst="rect">
             <a:avLst/>
@@ -49343,25 +49408,18 @@
           <a:lstStyle/>
           <a:p>
             <a:r>
-              <a:rPr lang="it-IT" sz="5000" dirty="0" err="1">
-                <a:latin typeface="Monaco"/>
-                <a:cs typeface="Monaco"/>
-              </a:rPr>
-              <a:t>e</a:t>
-            </a:r>
-            <a:r>
               <a:rPr lang="it-IT" sz="5000" dirty="0" err="1" smtClean="0">
                 <a:latin typeface="Monaco"/>
                 <a:cs typeface="Monaco"/>
               </a:rPr>
-              <a:t>cho</a:t>
+              <a:t>Echo</a:t>
             </a:r>
             <a:r>
               <a:rPr lang="it-IT" sz="5000" dirty="0" smtClean="0">
                 <a:latin typeface="Monaco"/>
                 <a:cs typeface="Monaco"/>
               </a:rPr>
-              <a:t> ‘Hello world’;</a:t>
+              <a:t> 'Hello world';</a:t>
             </a:r>
             <a:endParaRPr lang="it-IT" sz="5000" dirty="0">
               <a:latin typeface="Monaco"/>
@@ -49607,14 +49665,14 @@
             </a:ln>
             <a:extLst>
               <a:ext uri="{909E8E84-426E-40dd-AFC4-6F175D3DCCD1}">
-                <a14:hiddenFill xmlns:a14="http://schemas.microsoft.com/office/drawing/2010/main" xmlns="">
+                <a14:hiddenFill xmlns="" xmlns:a14="http://schemas.microsoft.com/office/drawing/2010/main">
                   <a:solidFill>
                     <a:srgbClr val="FFFFFF"/>
                   </a:solidFill>
                 </a14:hiddenFill>
               </a:ext>
               <a:ext uri="{91240B29-F687-4f45-9708-019B960494DF}">
-                <a14:hiddenLine xmlns:a14="http://schemas.microsoft.com/office/drawing/2010/main" xmlns="" w="12700">
+                <a14:hiddenLine xmlns="" xmlns:a14="http://schemas.microsoft.com/office/drawing/2010/main" w="12700">
                   <a:solidFill>
                     <a:schemeClr val="tx1"/>
                   </a:solidFill>
@@ -49653,7 +49711,7 @@
             </a:ln>
             <a:extLst>
               <a:ext uri="{909E8E84-426E-40dd-AFC4-6F175D3DCCD1}">
-                <a14:hiddenFill xmlns:a14="http://schemas.microsoft.com/office/drawing/2010/main" xmlns="">
+                <a14:hiddenFill xmlns="" xmlns:a14="http://schemas.microsoft.com/office/drawing/2010/main">
                   <a:noFill/>
                 </a14:hiddenFill>
               </a:ext>
@@ -49692,7 +49750,7 @@
           </a:ln>
           <a:extLst>
             <a:ext uri="{91240B29-F687-4f45-9708-019B960494DF}">
-              <a14:hiddenLine xmlns:a14="http://schemas.microsoft.com/office/drawing/2010/main" xmlns="" w="25400">
+              <a14:hiddenLine xmlns="" xmlns:a14="http://schemas.microsoft.com/office/drawing/2010/main" w="25400">
                 <a:solidFill>
                   <a:schemeClr val="tx1"/>
                 </a:solidFill>
@@ -50396,14 +50454,14 @@
             </a:ln>
             <a:extLst>
               <a:ext uri="{909E8E84-426E-40dd-AFC4-6F175D3DCCD1}">
-                <a14:hiddenFill xmlns:a14="http://schemas.microsoft.com/office/drawing/2010/main" xmlns="">
+                <a14:hiddenFill xmlns="" xmlns:a14="http://schemas.microsoft.com/office/drawing/2010/main">
                   <a:solidFill>
                     <a:srgbClr val="FFFFFF"/>
                   </a:solidFill>
                 </a14:hiddenFill>
               </a:ext>
               <a:ext uri="{91240B29-F687-4f45-9708-019B960494DF}">
-                <a14:hiddenLine xmlns:a14="http://schemas.microsoft.com/office/drawing/2010/main" xmlns="" w="12700">
+                <a14:hiddenLine xmlns="" xmlns:a14="http://schemas.microsoft.com/office/drawing/2010/main" w="12700">
                   <a:solidFill>
                     <a:schemeClr val="tx1"/>
                   </a:solidFill>
@@ -50442,7 +50500,7 @@
             </a:ln>
             <a:extLst>
               <a:ext uri="{909E8E84-426E-40dd-AFC4-6F175D3DCCD1}">
-                <a14:hiddenFill xmlns:a14="http://schemas.microsoft.com/office/drawing/2010/main" xmlns="">
+                <a14:hiddenFill xmlns="" xmlns:a14="http://schemas.microsoft.com/office/drawing/2010/main">
                   <a:noFill/>
                 </a14:hiddenFill>
               </a:ext>
@@ -50481,7 +50539,7 @@
           </a:ln>
           <a:extLst>
             <a:ext uri="{91240B29-F687-4f45-9708-019B960494DF}">
-              <a14:hiddenLine xmlns:a14="http://schemas.microsoft.com/office/drawing/2010/main" xmlns="" w="25400">
+              <a14:hiddenLine xmlns="" xmlns:a14="http://schemas.microsoft.com/office/drawing/2010/main" w="25400">
                 <a:solidFill>
                   <a:schemeClr val="tx1"/>
                 </a:solidFill>
@@ -51519,7 +51577,7 @@
         <a:effectLst/>
         <a:extLst>
           <a:ext uri="{AF507438-7753-43e0-B8FC-AC1667EBCBE1}">
-            <a14:hiddenEffects xmlns:a14="http://schemas.microsoft.com/office/drawing/2010/main" xmlns="">
+            <a14:hiddenEffects xmlns="" xmlns:a14="http://schemas.microsoft.com/office/drawing/2010/main">
               <a:effectLst>
                 <a:outerShdw dist="35921" dir="2700000" algn="ctr" rotWithShape="0">
                   <a:schemeClr val="bg2"/>
@@ -51597,7 +51655,7 @@
         <a:effectLst/>
         <a:extLst>
           <a:ext uri="{AF507438-7753-43e0-B8FC-AC1667EBCBE1}">
-            <a14:hiddenEffects xmlns:a14="http://schemas.microsoft.com/office/drawing/2010/main" xmlns="">
+            <a14:hiddenEffects xmlns="" xmlns:a14="http://schemas.microsoft.com/office/drawing/2010/main">
               <a:effectLst>
                 <a:outerShdw dist="35921" dir="2700000" algn="ctr" rotWithShape="0">
                   <a:schemeClr val="bg2"/>
@@ -51943,7 +52001,7 @@
         <a:effectLst/>
         <a:extLst>
           <a:ext uri="{AF507438-7753-43e0-B8FC-AC1667EBCBE1}">
-            <a14:hiddenEffects xmlns:a14="http://schemas.microsoft.com/office/drawing/2010/main" xmlns="">
+            <a14:hiddenEffects xmlns="" xmlns:a14="http://schemas.microsoft.com/office/drawing/2010/main">
               <a:effectLst>
                 <a:outerShdw dist="35921" dir="2700000" algn="ctr" rotWithShape="0">
                   <a:schemeClr val="bg2"/>
@@ -52021,7 +52079,7 @@
         <a:effectLst/>
         <a:extLst>
           <a:ext uri="{AF507438-7753-43e0-B8FC-AC1667EBCBE1}">
-            <a14:hiddenEffects xmlns:a14="http://schemas.microsoft.com/office/drawing/2010/main" xmlns="">
+            <a14:hiddenEffects xmlns="" xmlns:a14="http://schemas.microsoft.com/office/drawing/2010/main">
               <a:effectLst>
                 <a:outerShdw dist="35921" dir="2700000" algn="ctr" rotWithShape="0">
                   <a:schemeClr val="bg2"/>
@@ -52367,7 +52425,7 @@
         <a:effectLst/>
         <a:extLst>
           <a:ext uri="{AF507438-7753-43e0-B8FC-AC1667EBCBE1}">
-            <a14:hiddenEffects xmlns:a14="http://schemas.microsoft.com/office/drawing/2010/main" xmlns="">
+            <a14:hiddenEffects xmlns="" xmlns:a14="http://schemas.microsoft.com/office/drawing/2010/main">
               <a:effectLst>
                 <a:outerShdw dist="35921" dir="2700000" algn="ctr" rotWithShape="0">
                   <a:schemeClr val="bg2"/>
@@ -52445,7 +52503,7 @@
         <a:effectLst/>
         <a:extLst>
           <a:ext uri="{AF507438-7753-43e0-B8FC-AC1667EBCBE1}">
-            <a14:hiddenEffects xmlns:a14="http://schemas.microsoft.com/office/drawing/2010/main" xmlns="">
+            <a14:hiddenEffects xmlns="" xmlns:a14="http://schemas.microsoft.com/office/drawing/2010/main">
               <a:effectLst>
                 <a:outerShdw dist="35921" dir="2700000" algn="ctr" rotWithShape="0">
                   <a:schemeClr val="bg2"/>
@@ -52791,7 +52849,7 @@
         <a:effectLst/>
         <a:extLst>
           <a:ext uri="{AF507438-7753-43e0-B8FC-AC1667EBCBE1}">
-            <a14:hiddenEffects xmlns:a14="http://schemas.microsoft.com/office/drawing/2010/main" xmlns="">
+            <a14:hiddenEffects xmlns="" xmlns:a14="http://schemas.microsoft.com/office/drawing/2010/main">
               <a:effectLst>
                 <a:outerShdw dist="35921" dir="2700000" algn="ctr" rotWithShape="0">
                   <a:schemeClr val="bg2"/>
@@ -52869,7 +52927,7 @@
         <a:effectLst/>
         <a:extLst>
           <a:ext uri="{AF507438-7753-43e0-B8FC-AC1667EBCBE1}">
-            <a14:hiddenEffects xmlns:a14="http://schemas.microsoft.com/office/drawing/2010/main" xmlns="">
+            <a14:hiddenEffects xmlns="" xmlns:a14="http://schemas.microsoft.com/office/drawing/2010/main">
               <a:effectLst>
                 <a:outerShdw dist="35921" dir="2700000" algn="ctr" rotWithShape="0">
                   <a:schemeClr val="bg2"/>
@@ -53215,7 +53273,7 @@
         <a:effectLst/>
         <a:extLst>
           <a:ext uri="{AF507438-7753-43e0-B8FC-AC1667EBCBE1}">
-            <a14:hiddenEffects xmlns:a14="http://schemas.microsoft.com/office/drawing/2010/main" xmlns="">
+            <a14:hiddenEffects xmlns="" xmlns:a14="http://schemas.microsoft.com/office/drawing/2010/main">
               <a:effectLst>
                 <a:outerShdw dist="35921" dir="2700000" algn="ctr" rotWithShape="0">
                   <a:schemeClr val="bg2"/>
@@ -53293,7 +53351,7 @@
         <a:effectLst/>
         <a:extLst>
           <a:ext uri="{AF507438-7753-43e0-B8FC-AC1667EBCBE1}">
-            <a14:hiddenEffects xmlns:a14="http://schemas.microsoft.com/office/drawing/2010/main" xmlns="">
+            <a14:hiddenEffects xmlns="" xmlns:a14="http://schemas.microsoft.com/office/drawing/2010/main">
               <a:effectLst>
                 <a:outerShdw dist="35921" dir="2700000" algn="ctr" rotWithShape="0">
                   <a:schemeClr val="bg2"/>
@@ -53639,7 +53697,7 @@
         <a:effectLst/>
         <a:extLst>
           <a:ext uri="{AF507438-7753-43e0-B8FC-AC1667EBCBE1}">
-            <a14:hiddenEffects xmlns:a14="http://schemas.microsoft.com/office/drawing/2010/main" xmlns="">
+            <a14:hiddenEffects xmlns="" xmlns:a14="http://schemas.microsoft.com/office/drawing/2010/main">
               <a:effectLst>
                 <a:outerShdw dist="35921" dir="2700000" algn="ctr" rotWithShape="0">
                   <a:schemeClr val="bg2"/>
@@ -53717,7 +53775,7 @@
         <a:effectLst/>
         <a:extLst>
           <a:ext uri="{AF507438-7753-43e0-B8FC-AC1667EBCBE1}">
-            <a14:hiddenEffects xmlns:a14="http://schemas.microsoft.com/office/drawing/2010/main" xmlns="">
+            <a14:hiddenEffects xmlns="" xmlns:a14="http://schemas.microsoft.com/office/drawing/2010/main">
               <a:effectLst>
                 <a:outerShdw dist="35921" dir="2700000" algn="ctr" rotWithShape="0">
                   <a:schemeClr val="bg2"/>
@@ -54063,7 +54121,7 @@
         <a:effectLst/>
         <a:extLst>
           <a:ext uri="{AF507438-7753-43e0-B8FC-AC1667EBCBE1}">
-            <a14:hiddenEffects xmlns:a14="http://schemas.microsoft.com/office/drawing/2010/main" xmlns="">
+            <a14:hiddenEffects xmlns="" xmlns:a14="http://schemas.microsoft.com/office/drawing/2010/main">
               <a:effectLst>
                 <a:outerShdw dist="35921" dir="2700000" algn="ctr" rotWithShape="0">
                   <a:schemeClr val="bg2"/>
@@ -54141,7 +54199,7 @@
         <a:effectLst/>
         <a:extLst>
           <a:ext uri="{AF507438-7753-43e0-B8FC-AC1667EBCBE1}">
-            <a14:hiddenEffects xmlns:a14="http://schemas.microsoft.com/office/drawing/2010/main" xmlns="">
+            <a14:hiddenEffects xmlns="" xmlns:a14="http://schemas.microsoft.com/office/drawing/2010/main">
               <a:effectLst>
                 <a:outerShdw dist="35921" dir="2700000" algn="ctr" rotWithShape="0">
                   <a:schemeClr val="bg2"/>
@@ -54487,7 +54545,7 @@
         <a:effectLst/>
         <a:extLst>
           <a:ext uri="{AF507438-7753-43e0-B8FC-AC1667EBCBE1}">
-            <a14:hiddenEffects xmlns:a14="http://schemas.microsoft.com/office/drawing/2010/main" xmlns="">
+            <a14:hiddenEffects xmlns="" xmlns:a14="http://schemas.microsoft.com/office/drawing/2010/main">
               <a:effectLst>
                 <a:outerShdw dist="35921" dir="2700000" algn="ctr" rotWithShape="0">
                   <a:schemeClr val="bg2"/>
@@ -54565,7 +54623,7 @@
         <a:effectLst/>
         <a:extLst>
           <a:ext uri="{AF507438-7753-43e0-B8FC-AC1667EBCBE1}">
-            <a14:hiddenEffects xmlns:a14="http://schemas.microsoft.com/office/drawing/2010/main" xmlns="">
+            <a14:hiddenEffects xmlns="" xmlns:a14="http://schemas.microsoft.com/office/drawing/2010/main">
               <a:effectLst>
                 <a:outerShdw dist="35921" dir="2700000" algn="ctr" rotWithShape="0">
                   <a:schemeClr val="bg2"/>
@@ -54911,7 +54969,7 @@
         <a:effectLst/>
         <a:extLst>
           <a:ext uri="{AF507438-7753-43e0-B8FC-AC1667EBCBE1}">
-            <a14:hiddenEffects xmlns:a14="http://schemas.microsoft.com/office/drawing/2010/main" xmlns="">
+            <a14:hiddenEffects xmlns="" xmlns:a14="http://schemas.microsoft.com/office/drawing/2010/main">
               <a:effectLst>
                 <a:outerShdw dist="35921" dir="2700000" algn="ctr" rotWithShape="0">
                   <a:schemeClr val="bg2"/>
@@ -54989,7 +55047,7 @@
         <a:effectLst/>
         <a:extLst>
           <a:ext uri="{AF507438-7753-43e0-B8FC-AC1667EBCBE1}">
-            <a14:hiddenEffects xmlns:a14="http://schemas.microsoft.com/office/drawing/2010/main" xmlns="">
+            <a14:hiddenEffects xmlns="" xmlns:a14="http://schemas.microsoft.com/office/drawing/2010/main">
               <a:effectLst>
                 <a:outerShdw dist="35921" dir="2700000" algn="ctr" rotWithShape="0">
                   <a:schemeClr val="bg2"/>
@@ -55335,7 +55393,7 @@
         <a:effectLst/>
         <a:extLst>
           <a:ext uri="{AF507438-7753-43e0-B8FC-AC1667EBCBE1}">
-            <a14:hiddenEffects xmlns:a14="http://schemas.microsoft.com/office/drawing/2010/main" xmlns="">
+            <a14:hiddenEffects xmlns="" xmlns:a14="http://schemas.microsoft.com/office/drawing/2010/main">
               <a:effectLst>
                 <a:outerShdw dist="35921" dir="2700000" algn="ctr" rotWithShape="0">
                   <a:schemeClr val="bg2"/>
@@ -55413,7 +55471,7 @@
         <a:effectLst/>
         <a:extLst>
           <a:ext uri="{AF507438-7753-43e0-B8FC-AC1667EBCBE1}">
-            <a14:hiddenEffects xmlns:a14="http://schemas.microsoft.com/office/drawing/2010/main" xmlns="">
+            <a14:hiddenEffects xmlns="" xmlns:a14="http://schemas.microsoft.com/office/drawing/2010/main">
               <a:effectLst>
                 <a:outerShdw dist="35921" dir="2700000" algn="ctr" rotWithShape="0">
                   <a:schemeClr val="bg2"/>
@@ -55759,7 +55817,7 @@
         <a:effectLst/>
         <a:extLst>
           <a:ext uri="{AF507438-7753-43e0-B8FC-AC1667EBCBE1}">
-            <a14:hiddenEffects xmlns:a14="http://schemas.microsoft.com/office/drawing/2010/main" xmlns="">
+            <a14:hiddenEffects xmlns="" xmlns:a14="http://schemas.microsoft.com/office/drawing/2010/main">
               <a:effectLst>
                 <a:outerShdw dist="35921" dir="2700000" algn="ctr" rotWithShape="0">
                   <a:schemeClr val="bg2"/>
@@ -55837,7 +55895,7 @@
         <a:effectLst/>
         <a:extLst>
           <a:ext uri="{AF507438-7753-43e0-B8FC-AC1667EBCBE1}">
-            <a14:hiddenEffects xmlns:a14="http://schemas.microsoft.com/office/drawing/2010/main" xmlns="">
+            <a14:hiddenEffects xmlns="" xmlns:a14="http://schemas.microsoft.com/office/drawing/2010/main">
               <a:effectLst>
                 <a:outerShdw dist="35921" dir="2700000" algn="ctr" rotWithShape="0">
                   <a:schemeClr val="bg2"/>
@@ -56183,7 +56241,7 @@
         <a:effectLst/>
         <a:extLst>
           <a:ext uri="{AF507438-7753-43e0-B8FC-AC1667EBCBE1}">
-            <a14:hiddenEffects xmlns:a14="http://schemas.microsoft.com/office/drawing/2010/main" xmlns="">
+            <a14:hiddenEffects xmlns="" xmlns:a14="http://schemas.microsoft.com/office/drawing/2010/main">
               <a:effectLst>
                 <a:outerShdw dist="35921" dir="2700000" algn="ctr" rotWithShape="0">
                   <a:schemeClr val="bg2"/>
@@ -56261,7 +56319,7 @@
         <a:effectLst/>
         <a:extLst>
           <a:ext uri="{AF507438-7753-43e0-B8FC-AC1667EBCBE1}">
-            <a14:hiddenEffects xmlns:a14="http://schemas.microsoft.com/office/drawing/2010/main" xmlns="">
+            <a14:hiddenEffects xmlns="" xmlns:a14="http://schemas.microsoft.com/office/drawing/2010/main">
               <a:effectLst>
                 <a:outerShdw dist="35921" dir="2700000" algn="ctr" rotWithShape="0">
                   <a:schemeClr val="bg2"/>
@@ -56607,7 +56665,7 @@
         <a:effectLst/>
         <a:extLst>
           <a:ext uri="{AF507438-7753-43e0-B8FC-AC1667EBCBE1}">
-            <a14:hiddenEffects xmlns:a14="http://schemas.microsoft.com/office/drawing/2010/main" xmlns="">
+            <a14:hiddenEffects xmlns="" xmlns:a14="http://schemas.microsoft.com/office/drawing/2010/main">
               <a:effectLst>
                 <a:outerShdw dist="35921" dir="2700000" algn="ctr" rotWithShape="0">
                   <a:schemeClr val="bg2"/>
@@ -56685,7 +56743,7 @@
         <a:effectLst/>
         <a:extLst>
           <a:ext uri="{AF507438-7753-43e0-B8FC-AC1667EBCBE1}">
-            <a14:hiddenEffects xmlns:a14="http://schemas.microsoft.com/office/drawing/2010/main" xmlns="">
+            <a14:hiddenEffects xmlns="" xmlns:a14="http://schemas.microsoft.com/office/drawing/2010/main">
               <a:effectLst>
                 <a:outerShdw dist="35921" dir="2700000" algn="ctr" rotWithShape="0">
                   <a:schemeClr val="bg2"/>
